--- a/liguangyu1115.pptx
+++ b/liguangyu1115.pptx
@@ -6,13 +6,13 @@
   </p:sldMasterIdLst>
   <p:sldIdLst>
     <p:sldId id="256" r:id="rId2"/>
-    <p:sldId id="276" r:id="rId3"/>
-    <p:sldId id="281" r:id="rId4"/>
-    <p:sldId id="277" r:id="rId5"/>
-    <p:sldId id="278" r:id="rId6"/>
-    <p:sldId id="279" r:id="rId7"/>
+    <p:sldId id="257" r:id="rId3"/>
+    <p:sldId id="258" r:id="rId4"/>
+    <p:sldId id="261" r:id="rId5"/>
+    <p:sldId id="262" r:id="rId6"/>
+    <p:sldId id="263" r:id="rId7"/>
   </p:sldIdLst>
-  <p:sldSz cx="9144000" cy="6858000" type="screen4x3"/>
+  <p:sldSz cx="12192000" cy="6858000"/>
   <p:notesSz cx="6858000" cy="9144000"/>
   <p:defaultTextStyle>
     <a:defPPr>
@@ -109,6 +109,11 @@
       </a:defRPr>
     </a:lvl9pPr>
   </p:defaultTextStyle>
+  <p:extLst>
+    <p:ext uri="{EFAFB233-063F-42B5-8137-9DF3F51BA10A}">
+      <p15:sldGuideLst xmlns:p15="http://schemas.microsoft.com/office/powerpoint/2012/main"/>
+    </p:ext>
+  </p:extLst>
 </p:presentation>
 </file>
 
@@ -131,7 +136,13 @@
       </p:grpSpPr>
       <p:sp>
         <p:nvSpPr>
-          <p:cNvPr id="2" name="标题 1"/>
+          <p:cNvPr id="2" name="标题 1">
+            <a:extLst>
+              <a:ext uri="{FF2B5EF4-FFF2-40B4-BE49-F238E27FC236}">
+                <a16:creationId xmlns:a16="http://schemas.microsoft.com/office/drawing/2014/main" id="{65250897-2245-4685-BD57-4973C94316A5}"/>
+              </a:ext>
+            </a:extLst>
+          </p:cNvPr>
           <p:cNvSpPr>
             <a:spLocks noGrp="1"/>
           </p:cNvSpPr>
@@ -141,25 +152,34 @@
         </p:nvSpPr>
         <p:spPr>
           <a:xfrm>
-            <a:off x="685800" y="2130425"/>
-            <a:ext cx="7772400" cy="1470025"/>
+            <a:off x="1524000" y="1122363"/>
+            <a:ext cx="9144000" cy="2387600"/>
           </a:xfrm>
         </p:spPr>
         <p:txBody>
-          <a:bodyPr/>
-          <a:lstStyle/>
-          <a:p>
-            <a:r>
-              <a:rPr lang="zh-CN" altLang="en-US" smtClean="0"/>
+          <a:bodyPr anchor="b"/>
+          <a:lstStyle>
+            <a:lvl1pPr algn="ctr">
+              <a:defRPr sz="6000"/>
+            </a:lvl1pPr>
+          </a:lstStyle>
+          <a:p>
+            <a:r>
+              <a:rPr lang="zh-CN" altLang="en-US"/>
               <a:t>单击此处编辑母版标题样式</a:t>
             </a:r>
-            <a:endParaRPr lang="zh-CN" altLang="en-US"/>
-          </a:p>
-        </p:txBody>
-      </p:sp>
-      <p:sp>
-        <p:nvSpPr>
-          <p:cNvPr id="3" name="副标题 2"/>
+          </a:p>
+        </p:txBody>
+      </p:sp>
+      <p:sp>
+        <p:nvSpPr>
+          <p:cNvPr id="3" name="副标题 2">
+            <a:extLst>
+              <a:ext uri="{FF2B5EF4-FFF2-40B4-BE49-F238E27FC236}">
+                <a16:creationId xmlns:a16="http://schemas.microsoft.com/office/drawing/2014/main" id="{7AC2EEFB-DAC6-41C1-82A3-807F74A286E1}"/>
+              </a:ext>
+            </a:extLst>
+          </p:cNvPr>
           <p:cNvSpPr>
             <a:spLocks noGrp="1"/>
           </p:cNvSpPr>
@@ -169,8 +189,8 @@
         </p:nvSpPr>
         <p:spPr>
           <a:xfrm>
-            <a:off x="1371600" y="3886200"/>
-            <a:ext cx="6400800" cy="1752600"/>
+            <a:off x="1524000" y="3602038"/>
+            <a:ext cx="9144000" cy="1655762"/>
           </a:xfrm>
         </p:spPr>
         <p:txBody>
@@ -178,107 +198,58 @@
           <a:lstStyle>
             <a:lvl1pPr marL="0" indent="0" algn="ctr">
               <a:buNone/>
-              <a:defRPr>
-                <a:solidFill>
-                  <a:schemeClr val="tx1">
-                    <a:tint val="75000"/>
-                  </a:schemeClr>
-                </a:solidFill>
-              </a:defRPr>
+              <a:defRPr sz="2400"/>
             </a:lvl1pPr>
             <a:lvl2pPr marL="457200" indent="0" algn="ctr">
               <a:buNone/>
-              <a:defRPr>
-                <a:solidFill>
-                  <a:schemeClr val="tx1">
-                    <a:tint val="75000"/>
-                  </a:schemeClr>
-                </a:solidFill>
-              </a:defRPr>
+              <a:defRPr sz="2000"/>
             </a:lvl2pPr>
             <a:lvl3pPr marL="914400" indent="0" algn="ctr">
               <a:buNone/>
-              <a:defRPr>
-                <a:solidFill>
-                  <a:schemeClr val="tx1">
-                    <a:tint val="75000"/>
-                  </a:schemeClr>
-                </a:solidFill>
-              </a:defRPr>
+              <a:defRPr sz="1800"/>
             </a:lvl3pPr>
             <a:lvl4pPr marL="1371600" indent="0" algn="ctr">
               <a:buNone/>
-              <a:defRPr>
-                <a:solidFill>
-                  <a:schemeClr val="tx1">
-                    <a:tint val="75000"/>
-                  </a:schemeClr>
-                </a:solidFill>
-              </a:defRPr>
+              <a:defRPr sz="1600"/>
             </a:lvl4pPr>
             <a:lvl5pPr marL="1828800" indent="0" algn="ctr">
               <a:buNone/>
-              <a:defRPr>
-                <a:solidFill>
-                  <a:schemeClr val="tx1">
-                    <a:tint val="75000"/>
-                  </a:schemeClr>
-                </a:solidFill>
-              </a:defRPr>
+              <a:defRPr sz="1600"/>
             </a:lvl5pPr>
             <a:lvl6pPr marL="2286000" indent="0" algn="ctr">
               <a:buNone/>
-              <a:defRPr>
-                <a:solidFill>
-                  <a:schemeClr val="tx1">
-                    <a:tint val="75000"/>
-                  </a:schemeClr>
-                </a:solidFill>
-              </a:defRPr>
+              <a:defRPr sz="1600"/>
             </a:lvl6pPr>
             <a:lvl7pPr marL="2743200" indent="0" algn="ctr">
               <a:buNone/>
-              <a:defRPr>
-                <a:solidFill>
-                  <a:schemeClr val="tx1">
-                    <a:tint val="75000"/>
-                  </a:schemeClr>
-                </a:solidFill>
-              </a:defRPr>
+              <a:defRPr sz="1600"/>
             </a:lvl7pPr>
             <a:lvl8pPr marL="3200400" indent="0" algn="ctr">
               <a:buNone/>
-              <a:defRPr>
-                <a:solidFill>
-                  <a:schemeClr val="tx1">
-                    <a:tint val="75000"/>
-                  </a:schemeClr>
-                </a:solidFill>
-              </a:defRPr>
+              <a:defRPr sz="1600"/>
             </a:lvl8pPr>
             <a:lvl9pPr marL="3657600" indent="0" algn="ctr">
               <a:buNone/>
-              <a:defRPr>
-                <a:solidFill>
-                  <a:schemeClr val="tx1">
-                    <a:tint val="75000"/>
-                  </a:schemeClr>
-                </a:solidFill>
-              </a:defRPr>
+              <a:defRPr sz="1600"/>
             </a:lvl9pPr>
           </a:lstStyle>
           <a:p>
             <a:r>
-              <a:rPr lang="zh-CN" altLang="en-US" smtClean="0"/>
+              <a:rPr lang="zh-CN" altLang="en-US"/>
               <a:t>单击此处编辑母版副标题样式</a:t>
             </a:r>
-            <a:endParaRPr lang="zh-CN" altLang="en-US"/>
-          </a:p>
-        </p:txBody>
-      </p:sp>
-      <p:sp>
-        <p:nvSpPr>
-          <p:cNvPr id="4" name="日期占位符 3"/>
+          </a:p>
+        </p:txBody>
+      </p:sp>
+      <p:sp>
+        <p:nvSpPr>
+          <p:cNvPr id="4" name="日期占位符 3">
+            <a:extLst>
+              <a:ext uri="{FF2B5EF4-FFF2-40B4-BE49-F238E27FC236}">
+                <a16:creationId xmlns:a16="http://schemas.microsoft.com/office/drawing/2014/main" id="{0A69B5E1-C5E9-402C-A642-D9B678D7C658}"/>
+              </a:ext>
+            </a:extLst>
+          </p:cNvPr>
           <p:cNvSpPr>
             <a:spLocks noGrp="1"/>
           </p:cNvSpPr>
@@ -291,10 +262,9 @@
           <a:bodyPr/>
           <a:lstStyle/>
           <a:p>
-            <a:fld id="{530820CF-B880-4189-942D-D702A7CBA730}" type="datetimeFigureOut">
+            <a:fld id="{25E571D1-9E75-4AD9-8088-DCD141C10560}" type="datetimeFigureOut">
               <a:rPr lang="zh-CN" altLang="en-US" smtClean="0"/>
-              <a:pPr/>
-              <a:t>2018/11/15 Thursday</a:t>
+              <a:t>2019/11/15</a:t>
             </a:fld>
             <a:endParaRPr lang="zh-CN" altLang="en-US"/>
           </a:p>
@@ -302,7 +272,13 @@
       </p:sp>
       <p:sp>
         <p:nvSpPr>
-          <p:cNvPr id="5" name="页脚占位符 4"/>
+          <p:cNvPr id="5" name="页脚占位符 4">
+            <a:extLst>
+              <a:ext uri="{FF2B5EF4-FFF2-40B4-BE49-F238E27FC236}">
+                <a16:creationId xmlns:a16="http://schemas.microsoft.com/office/drawing/2014/main" id="{A6638B0C-EFFF-48C2-A4E7-BA26187ADF9D}"/>
+              </a:ext>
+            </a:extLst>
+          </p:cNvPr>
           <p:cNvSpPr>
             <a:spLocks noGrp="1"/>
           </p:cNvSpPr>
@@ -321,7 +297,13 @@
       </p:sp>
       <p:sp>
         <p:nvSpPr>
-          <p:cNvPr id="6" name="灯片编号占位符 5"/>
+          <p:cNvPr id="6" name="灯片编号占位符 5">
+            <a:extLst>
+              <a:ext uri="{FF2B5EF4-FFF2-40B4-BE49-F238E27FC236}">
+                <a16:creationId xmlns:a16="http://schemas.microsoft.com/office/drawing/2014/main" id="{7631FBD0-DDD5-4A57-801B-864605DC651C}"/>
+              </a:ext>
+            </a:extLst>
+          </p:cNvPr>
           <p:cNvSpPr>
             <a:spLocks noGrp="1"/>
           </p:cNvSpPr>
@@ -334,9 +316,8 @@
           <a:bodyPr/>
           <a:lstStyle/>
           <a:p>
-            <a:fld id="{0C913308-F349-4B6D-A68A-DD1791B4A57B}" type="slidenum">
+            <a:fld id="{BCAFB0B1-DA11-46E2-9DB7-76A87A1DDAB9}" type="slidenum">
               <a:rPr lang="zh-CN" altLang="en-US" smtClean="0"/>
-              <a:pPr/>
               <a:t>‹#›</a:t>
             </a:fld>
             <a:endParaRPr lang="zh-CN" altLang="en-US"/>
@@ -344,6 +325,11 @@
         </p:txBody>
       </p:sp>
     </p:spTree>
+    <p:extLst>
+      <p:ext uri="{BB962C8B-B14F-4D97-AF65-F5344CB8AC3E}">
+        <p14:creationId xmlns:p14="http://schemas.microsoft.com/office/powerpoint/2010/main" val="545777433"/>
+      </p:ext>
+    </p:extLst>
   </p:cSld>
   <p:clrMapOvr>
     <a:masterClrMapping/>
@@ -370,7 +356,13 @@
       </p:grpSpPr>
       <p:sp>
         <p:nvSpPr>
-          <p:cNvPr id="2" name="标题 1"/>
+          <p:cNvPr id="2" name="标题 1">
+            <a:extLst>
+              <a:ext uri="{FF2B5EF4-FFF2-40B4-BE49-F238E27FC236}">
+                <a16:creationId xmlns:a16="http://schemas.microsoft.com/office/drawing/2014/main" id="{F856F55B-7BC9-48D6-B8A1-0D24F0C192AB}"/>
+              </a:ext>
+            </a:extLst>
+          </p:cNvPr>
           <p:cNvSpPr>
             <a:spLocks noGrp="1"/>
           </p:cNvSpPr>
@@ -384,16 +376,21 @@
           <a:lstStyle/>
           <a:p>
             <a:r>
-              <a:rPr lang="zh-CN" altLang="en-US" smtClean="0"/>
+              <a:rPr lang="zh-CN" altLang="en-US"/>
               <a:t>单击此处编辑母版标题样式</a:t>
             </a:r>
-            <a:endParaRPr lang="zh-CN" altLang="en-US"/>
-          </a:p>
-        </p:txBody>
-      </p:sp>
-      <p:sp>
-        <p:nvSpPr>
-          <p:cNvPr id="3" name="竖排文字占位符 2"/>
+          </a:p>
+        </p:txBody>
+      </p:sp>
+      <p:sp>
+        <p:nvSpPr>
+          <p:cNvPr id="3" name="竖排文字占位符 2">
+            <a:extLst>
+              <a:ext uri="{FF2B5EF4-FFF2-40B4-BE49-F238E27FC236}">
+                <a16:creationId xmlns:a16="http://schemas.microsoft.com/office/drawing/2014/main" id="{B8DFF43E-8B73-4A7E-A159-79162E28DC68}"/>
+              </a:ext>
+            </a:extLst>
+          </p:cNvPr>
           <p:cNvSpPr>
             <a:spLocks noGrp="1"/>
           </p:cNvSpPr>
@@ -408,44 +405,49 @@
           <a:p>
             <a:pPr lvl="0"/>
             <a:r>
-              <a:rPr lang="zh-CN" altLang="en-US" smtClean="0"/>
-              <a:t>单击此处编辑母版文本样式</a:t>
+              <a:rPr lang="zh-CN" altLang="en-US"/>
+              <a:t>编辑母版文本样式</a:t>
             </a:r>
           </a:p>
           <a:p>
             <a:pPr lvl="1"/>
             <a:r>
-              <a:rPr lang="zh-CN" altLang="en-US" smtClean="0"/>
+              <a:rPr lang="zh-CN" altLang="en-US"/>
               <a:t>第二级</a:t>
             </a:r>
           </a:p>
           <a:p>
             <a:pPr lvl="2"/>
             <a:r>
-              <a:rPr lang="zh-CN" altLang="en-US" smtClean="0"/>
+              <a:rPr lang="zh-CN" altLang="en-US"/>
               <a:t>第三级</a:t>
             </a:r>
           </a:p>
           <a:p>
             <a:pPr lvl="3"/>
             <a:r>
-              <a:rPr lang="zh-CN" altLang="en-US" smtClean="0"/>
+              <a:rPr lang="zh-CN" altLang="en-US"/>
               <a:t>第四级</a:t>
             </a:r>
           </a:p>
           <a:p>
             <a:pPr lvl="4"/>
             <a:r>
-              <a:rPr lang="zh-CN" altLang="en-US" smtClean="0"/>
+              <a:rPr lang="zh-CN" altLang="en-US"/>
               <a:t>第五级</a:t>
             </a:r>
-            <a:endParaRPr lang="zh-CN" altLang="en-US"/>
-          </a:p>
-        </p:txBody>
-      </p:sp>
-      <p:sp>
-        <p:nvSpPr>
-          <p:cNvPr id="4" name="日期占位符 3"/>
+          </a:p>
+        </p:txBody>
+      </p:sp>
+      <p:sp>
+        <p:nvSpPr>
+          <p:cNvPr id="4" name="日期占位符 3">
+            <a:extLst>
+              <a:ext uri="{FF2B5EF4-FFF2-40B4-BE49-F238E27FC236}">
+                <a16:creationId xmlns:a16="http://schemas.microsoft.com/office/drawing/2014/main" id="{1D793C8D-CA51-41C6-9716-E7C7F2FB3AA2}"/>
+              </a:ext>
+            </a:extLst>
+          </p:cNvPr>
           <p:cNvSpPr>
             <a:spLocks noGrp="1"/>
           </p:cNvSpPr>
@@ -458,10 +460,9 @@
           <a:bodyPr/>
           <a:lstStyle/>
           <a:p>
-            <a:fld id="{530820CF-B880-4189-942D-D702A7CBA730}" type="datetimeFigureOut">
+            <a:fld id="{25E571D1-9E75-4AD9-8088-DCD141C10560}" type="datetimeFigureOut">
               <a:rPr lang="zh-CN" altLang="en-US" smtClean="0"/>
-              <a:pPr/>
-              <a:t>2018/11/15 Thursday</a:t>
+              <a:t>2019/11/15</a:t>
             </a:fld>
             <a:endParaRPr lang="zh-CN" altLang="en-US"/>
           </a:p>
@@ -469,7 +470,13 @@
       </p:sp>
       <p:sp>
         <p:nvSpPr>
-          <p:cNvPr id="5" name="页脚占位符 4"/>
+          <p:cNvPr id="5" name="页脚占位符 4">
+            <a:extLst>
+              <a:ext uri="{FF2B5EF4-FFF2-40B4-BE49-F238E27FC236}">
+                <a16:creationId xmlns:a16="http://schemas.microsoft.com/office/drawing/2014/main" id="{505067DB-5AC2-4F4E-A777-D66FF4D23454}"/>
+              </a:ext>
+            </a:extLst>
+          </p:cNvPr>
           <p:cNvSpPr>
             <a:spLocks noGrp="1"/>
           </p:cNvSpPr>
@@ -488,7 +495,13 @@
       </p:sp>
       <p:sp>
         <p:nvSpPr>
-          <p:cNvPr id="6" name="灯片编号占位符 5"/>
+          <p:cNvPr id="6" name="灯片编号占位符 5">
+            <a:extLst>
+              <a:ext uri="{FF2B5EF4-FFF2-40B4-BE49-F238E27FC236}">
+                <a16:creationId xmlns:a16="http://schemas.microsoft.com/office/drawing/2014/main" id="{C5C55F18-EB2F-47ED-AA7C-185DBC40EF37}"/>
+              </a:ext>
+            </a:extLst>
+          </p:cNvPr>
           <p:cNvSpPr>
             <a:spLocks noGrp="1"/>
           </p:cNvSpPr>
@@ -501,9 +514,8 @@
           <a:bodyPr/>
           <a:lstStyle/>
           <a:p>
-            <a:fld id="{0C913308-F349-4B6D-A68A-DD1791B4A57B}" type="slidenum">
+            <a:fld id="{BCAFB0B1-DA11-46E2-9DB7-76A87A1DDAB9}" type="slidenum">
               <a:rPr lang="zh-CN" altLang="en-US" smtClean="0"/>
-              <a:pPr/>
               <a:t>‹#›</a:t>
             </a:fld>
             <a:endParaRPr lang="zh-CN" altLang="en-US"/>
@@ -511,6 +523,11 @@
         </p:txBody>
       </p:sp>
     </p:spTree>
+    <p:extLst>
+      <p:ext uri="{BB962C8B-B14F-4D97-AF65-F5344CB8AC3E}">
+        <p14:creationId xmlns:p14="http://schemas.microsoft.com/office/powerpoint/2010/main" val="989639490"/>
+      </p:ext>
+    </p:extLst>
   </p:cSld>
   <p:clrMapOvr>
     <a:masterClrMapping/>
@@ -520,7 +537,7 @@
 
 <file path=ppt/slideLayouts/slideLayout11.xml><?xml version="1.0" encoding="utf-8"?>
 <p:sldLayout xmlns:a="http://schemas.openxmlformats.org/drawingml/2006/main" xmlns:r="http://schemas.openxmlformats.org/officeDocument/2006/relationships" xmlns:p="http://schemas.openxmlformats.org/presentationml/2006/main" type="vertTitleAndTx" preserve="1">
-  <p:cSld name="垂直排列标题与文本">
+  <p:cSld name="竖排标题与文本">
     <p:spTree>
       <p:nvGrpSpPr>
         <p:cNvPr id="1" name=""/>
@@ -537,7 +554,13 @@
       </p:grpSpPr>
       <p:sp>
         <p:nvSpPr>
-          <p:cNvPr id="2" name="竖排标题 1"/>
+          <p:cNvPr id="2" name="竖排标题 1">
+            <a:extLst>
+              <a:ext uri="{FF2B5EF4-FFF2-40B4-BE49-F238E27FC236}">
+                <a16:creationId xmlns:a16="http://schemas.microsoft.com/office/drawing/2014/main" id="{B933D2BA-D47E-4EEB-9AB0-84E2B6EF35ED}"/>
+              </a:ext>
+            </a:extLst>
+          </p:cNvPr>
           <p:cNvSpPr>
             <a:spLocks noGrp="1"/>
           </p:cNvSpPr>
@@ -547,8 +570,8 @@
         </p:nvSpPr>
         <p:spPr>
           <a:xfrm>
-            <a:off x="6629400" y="274638"/>
-            <a:ext cx="2057400" cy="5851525"/>
+            <a:off x="8724900" y="365125"/>
+            <a:ext cx="2628900" cy="5811838"/>
           </a:xfrm>
         </p:spPr>
         <p:txBody>
@@ -556,16 +579,21 @@
           <a:lstStyle/>
           <a:p>
             <a:r>
-              <a:rPr lang="zh-CN" altLang="en-US" smtClean="0"/>
+              <a:rPr lang="zh-CN" altLang="en-US"/>
               <a:t>单击此处编辑母版标题样式</a:t>
             </a:r>
-            <a:endParaRPr lang="zh-CN" altLang="en-US"/>
-          </a:p>
-        </p:txBody>
-      </p:sp>
-      <p:sp>
-        <p:nvSpPr>
-          <p:cNvPr id="3" name="竖排文字占位符 2"/>
+          </a:p>
+        </p:txBody>
+      </p:sp>
+      <p:sp>
+        <p:nvSpPr>
+          <p:cNvPr id="3" name="竖排文字占位符 2">
+            <a:extLst>
+              <a:ext uri="{FF2B5EF4-FFF2-40B4-BE49-F238E27FC236}">
+                <a16:creationId xmlns:a16="http://schemas.microsoft.com/office/drawing/2014/main" id="{FB58FB1C-E1A4-477C-8E69-C29638A48489}"/>
+              </a:ext>
+            </a:extLst>
+          </p:cNvPr>
           <p:cNvSpPr>
             <a:spLocks noGrp="1"/>
           </p:cNvSpPr>
@@ -575,8 +603,8 @@
         </p:nvSpPr>
         <p:spPr>
           <a:xfrm>
-            <a:off x="457200" y="274638"/>
-            <a:ext cx="6019800" cy="5851525"/>
+            <a:off x="838200" y="365125"/>
+            <a:ext cx="7734300" cy="5811838"/>
           </a:xfrm>
         </p:spPr>
         <p:txBody>
@@ -585,44 +613,49 @@
           <a:p>
             <a:pPr lvl="0"/>
             <a:r>
-              <a:rPr lang="zh-CN" altLang="en-US" smtClean="0"/>
-              <a:t>单击此处编辑母版文本样式</a:t>
+              <a:rPr lang="zh-CN" altLang="en-US"/>
+              <a:t>编辑母版文本样式</a:t>
             </a:r>
           </a:p>
           <a:p>
             <a:pPr lvl="1"/>
             <a:r>
-              <a:rPr lang="zh-CN" altLang="en-US" smtClean="0"/>
+              <a:rPr lang="zh-CN" altLang="en-US"/>
               <a:t>第二级</a:t>
             </a:r>
           </a:p>
           <a:p>
             <a:pPr lvl="2"/>
             <a:r>
-              <a:rPr lang="zh-CN" altLang="en-US" smtClean="0"/>
+              <a:rPr lang="zh-CN" altLang="en-US"/>
               <a:t>第三级</a:t>
             </a:r>
           </a:p>
           <a:p>
             <a:pPr lvl="3"/>
             <a:r>
-              <a:rPr lang="zh-CN" altLang="en-US" smtClean="0"/>
+              <a:rPr lang="zh-CN" altLang="en-US"/>
               <a:t>第四级</a:t>
             </a:r>
           </a:p>
           <a:p>
             <a:pPr lvl="4"/>
             <a:r>
-              <a:rPr lang="zh-CN" altLang="en-US" smtClean="0"/>
+              <a:rPr lang="zh-CN" altLang="en-US"/>
               <a:t>第五级</a:t>
             </a:r>
-            <a:endParaRPr lang="zh-CN" altLang="en-US"/>
-          </a:p>
-        </p:txBody>
-      </p:sp>
-      <p:sp>
-        <p:nvSpPr>
-          <p:cNvPr id="4" name="日期占位符 3"/>
+          </a:p>
+        </p:txBody>
+      </p:sp>
+      <p:sp>
+        <p:nvSpPr>
+          <p:cNvPr id="4" name="日期占位符 3">
+            <a:extLst>
+              <a:ext uri="{FF2B5EF4-FFF2-40B4-BE49-F238E27FC236}">
+                <a16:creationId xmlns:a16="http://schemas.microsoft.com/office/drawing/2014/main" id="{04D1435D-9A87-4939-9D0C-1DA9924C7BD1}"/>
+              </a:ext>
+            </a:extLst>
+          </p:cNvPr>
           <p:cNvSpPr>
             <a:spLocks noGrp="1"/>
           </p:cNvSpPr>
@@ -635,10 +668,9 @@
           <a:bodyPr/>
           <a:lstStyle/>
           <a:p>
-            <a:fld id="{530820CF-B880-4189-942D-D702A7CBA730}" type="datetimeFigureOut">
+            <a:fld id="{25E571D1-9E75-4AD9-8088-DCD141C10560}" type="datetimeFigureOut">
               <a:rPr lang="zh-CN" altLang="en-US" smtClean="0"/>
-              <a:pPr/>
-              <a:t>2018/11/15 Thursday</a:t>
+              <a:t>2019/11/15</a:t>
             </a:fld>
             <a:endParaRPr lang="zh-CN" altLang="en-US"/>
           </a:p>
@@ -646,7 +678,13 @@
       </p:sp>
       <p:sp>
         <p:nvSpPr>
-          <p:cNvPr id="5" name="页脚占位符 4"/>
+          <p:cNvPr id="5" name="页脚占位符 4">
+            <a:extLst>
+              <a:ext uri="{FF2B5EF4-FFF2-40B4-BE49-F238E27FC236}">
+                <a16:creationId xmlns:a16="http://schemas.microsoft.com/office/drawing/2014/main" id="{0DBD02E3-B53D-4BA2-8679-827C98886AA8}"/>
+              </a:ext>
+            </a:extLst>
+          </p:cNvPr>
           <p:cNvSpPr>
             <a:spLocks noGrp="1"/>
           </p:cNvSpPr>
@@ -665,7 +703,13 @@
       </p:sp>
       <p:sp>
         <p:nvSpPr>
-          <p:cNvPr id="6" name="灯片编号占位符 5"/>
+          <p:cNvPr id="6" name="灯片编号占位符 5">
+            <a:extLst>
+              <a:ext uri="{FF2B5EF4-FFF2-40B4-BE49-F238E27FC236}">
+                <a16:creationId xmlns:a16="http://schemas.microsoft.com/office/drawing/2014/main" id="{201DD7E9-B1D2-406E-95ED-2681596478A6}"/>
+              </a:ext>
+            </a:extLst>
+          </p:cNvPr>
           <p:cNvSpPr>
             <a:spLocks noGrp="1"/>
           </p:cNvSpPr>
@@ -678,9 +722,8 @@
           <a:bodyPr/>
           <a:lstStyle/>
           <a:p>
-            <a:fld id="{0C913308-F349-4B6D-A68A-DD1791B4A57B}" type="slidenum">
+            <a:fld id="{BCAFB0B1-DA11-46E2-9DB7-76A87A1DDAB9}" type="slidenum">
               <a:rPr lang="zh-CN" altLang="en-US" smtClean="0"/>
-              <a:pPr/>
               <a:t>‹#›</a:t>
             </a:fld>
             <a:endParaRPr lang="zh-CN" altLang="en-US"/>
@@ -688,6 +731,11 @@
         </p:txBody>
       </p:sp>
     </p:spTree>
+    <p:extLst>
+      <p:ext uri="{BB962C8B-B14F-4D97-AF65-F5344CB8AC3E}">
+        <p14:creationId xmlns:p14="http://schemas.microsoft.com/office/powerpoint/2010/main" val="1688918924"/>
+      </p:ext>
+    </p:extLst>
   </p:cSld>
   <p:clrMapOvr>
     <a:masterClrMapping/>
@@ -714,7 +762,13 @@
       </p:grpSpPr>
       <p:sp>
         <p:nvSpPr>
-          <p:cNvPr id="2" name="标题 1"/>
+          <p:cNvPr id="2" name="标题 1">
+            <a:extLst>
+              <a:ext uri="{FF2B5EF4-FFF2-40B4-BE49-F238E27FC236}">
+                <a16:creationId xmlns:a16="http://schemas.microsoft.com/office/drawing/2014/main" id="{2EB9B87A-7F99-4F2A-9457-6A67529DBB3C}"/>
+              </a:ext>
+            </a:extLst>
+          </p:cNvPr>
           <p:cNvSpPr>
             <a:spLocks noGrp="1"/>
           </p:cNvSpPr>
@@ -728,16 +782,21 @@
           <a:lstStyle/>
           <a:p>
             <a:r>
-              <a:rPr lang="zh-CN" altLang="en-US" smtClean="0"/>
+              <a:rPr lang="zh-CN" altLang="en-US"/>
               <a:t>单击此处编辑母版标题样式</a:t>
             </a:r>
-            <a:endParaRPr lang="zh-CN" altLang="en-US"/>
-          </a:p>
-        </p:txBody>
-      </p:sp>
-      <p:sp>
-        <p:nvSpPr>
-          <p:cNvPr id="3" name="内容占位符 2"/>
+          </a:p>
+        </p:txBody>
+      </p:sp>
+      <p:sp>
+        <p:nvSpPr>
+          <p:cNvPr id="3" name="内容占位符 2">
+            <a:extLst>
+              <a:ext uri="{FF2B5EF4-FFF2-40B4-BE49-F238E27FC236}">
+                <a16:creationId xmlns:a16="http://schemas.microsoft.com/office/drawing/2014/main" id="{B2E20787-96E6-47FE-8670-6A56CBC86761}"/>
+              </a:ext>
+            </a:extLst>
+          </p:cNvPr>
           <p:cNvSpPr>
             <a:spLocks noGrp="1"/>
           </p:cNvSpPr>
@@ -752,44 +811,49 @@
           <a:p>
             <a:pPr lvl="0"/>
             <a:r>
-              <a:rPr lang="zh-CN" altLang="en-US" smtClean="0"/>
-              <a:t>单击此处编辑母版文本样式</a:t>
+              <a:rPr lang="zh-CN" altLang="en-US"/>
+              <a:t>编辑母版文本样式</a:t>
             </a:r>
           </a:p>
           <a:p>
             <a:pPr lvl="1"/>
             <a:r>
-              <a:rPr lang="zh-CN" altLang="en-US" smtClean="0"/>
+              <a:rPr lang="zh-CN" altLang="en-US"/>
               <a:t>第二级</a:t>
             </a:r>
           </a:p>
           <a:p>
             <a:pPr lvl="2"/>
             <a:r>
-              <a:rPr lang="zh-CN" altLang="en-US" smtClean="0"/>
+              <a:rPr lang="zh-CN" altLang="en-US"/>
               <a:t>第三级</a:t>
             </a:r>
           </a:p>
           <a:p>
             <a:pPr lvl="3"/>
             <a:r>
-              <a:rPr lang="zh-CN" altLang="en-US" smtClean="0"/>
+              <a:rPr lang="zh-CN" altLang="en-US"/>
               <a:t>第四级</a:t>
             </a:r>
           </a:p>
           <a:p>
             <a:pPr lvl="4"/>
             <a:r>
-              <a:rPr lang="zh-CN" altLang="en-US" smtClean="0"/>
+              <a:rPr lang="zh-CN" altLang="en-US"/>
               <a:t>第五级</a:t>
             </a:r>
-            <a:endParaRPr lang="zh-CN" altLang="en-US"/>
-          </a:p>
-        </p:txBody>
-      </p:sp>
-      <p:sp>
-        <p:nvSpPr>
-          <p:cNvPr id="4" name="日期占位符 3"/>
+          </a:p>
+        </p:txBody>
+      </p:sp>
+      <p:sp>
+        <p:nvSpPr>
+          <p:cNvPr id="4" name="日期占位符 3">
+            <a:extLst>
+              <a:ext uri="{FF2B5EF4-FFF2-40B4-BE49-F238E27FC236}">
+                <a16:creationId xmlns:a16="http://schemas.microsoft.com/office/drawing/2014/main" id="{DEE41A1E-26EC-465D-BB30-474C75DA16FC}"/>
+              </a:ext>
+            </a:extLst>
+          </p:cNvPr>
           <p:cNvSpPr>
             <a:spLocks noGrp="1"/>
           </p:cNvSpPr>
@@ -802,10 +866,9 @@
           <a:bodyPr/>
           <a:lstStyle/>
           <a:p>
-            <a:fld id="{530820CF-B880-4189-942D-D702A7CBA730}" type="datetimeFigureOut">
+            <a:fld id="{25E571D1-9E75-4AD9-8088-DCD141C10560}" type="datetimeFigureOut">
               <a:rPr lang="zh-CN" altLang="en-US" smtClean="0"/>
-              <a:pPr/>
-              <a:t>2018/11/15 Thursday</a:t>
+              <a:t>2019/11/15</a:t>
             </a:fld>
             <a:endParaRPr lang="zh-CN" altLang="en-US"/>
           </a:p>
@@ -813,7 +876,13 @@
       </p:sp>
       <p:sp>
         <p:nvSpPr>
-          <p:cNvPr id="5" name="页脚占位符 4"/>
+          <p:cNvPr id="5" name="页脚占位符 4">
+            <a:extLst>
+              <a:ext uri="{FF2B5EF4-FFF2-40B4-BE49-F238E27FC236}">
+                <a16:creationId xmlns:a16="http://schemas.microsoft.com/office/drawing/2014/main" id="{DC8C3E72-1096-4D00-8F99-77D392A2477D}"/>
+              </a:ext>
+            </a:extLst>
+          </p:cNvPr>
           <p:cNvSpPr>
             <a:spLocks noGrp="1"/>
           </p:cNvSpPr>
@@ -832,7 +901,13 @@
       </p:sp>
       <p:sp>
         <p:nvSpPr>
-          <p:cNvPr id="6" name="灯片编号占位符 5"/>
+          <p:cNvPr id="6" name="灯片编号占位符 5">
+            <a:extLst>
+              <a:ext uri="{FF2B5EF4-FFF2-40B4-BE49-F238E27FC236}">
+                <a16:creationId xmlns:a16="http://schemas.microsoft.com/office/drawing/2014/main" id="{07AC7549-5A01-4E4F-BAAE-5B90E9AF0891}"/>
+              </a:ext>
+            </a:extLst>
+          </p:cNvPr>
           <p:cNvSpPr>
             <a:spLocks noGrp="1"/>
           </p:cNvSpPr>
@@ -845,9 +920,8 @@
           <a:bodyPr/>
           <a:lstStyle/>
           <a:p>
-            <a:fld id="{0C913308-F349-4B6D-A68A-DD1791B4A57B}" type="slidenum">
+            <a:fld id="{BCAFB0B1-DA11-46E2-9DB7-76A87A1DDAB9}" type="slidenum">
               <a:rPr lang="zh-CN" altLang="en-US" smtClean="0"/>
-              <a:pPr/>
               <a:t>‹#›</a:t>
             </a:fld>
             <a:endParaRPr lang="zh-CN" altLang="en-US"/>
@@ -855,6 +929,11 @@
         </p:txBody>
       </p:sp>
     </p:spTree>
+    <p:extLst>
+      <p:ext uri="{BB962C8B-B14F-4D97-AF65-F5344CB8AC3E}">
+        <p14:creationId xmlns:p14="http://schemas.microsoft.com/office/powerpoint/2010/main" val="22085467"/>
+      </p:ext>
+    </p:extLst>
   </p:cSld>
   <p:clrMapOvr>
     <a:masterClrMapping/>
@@ -881,7 +960,13 @@
       </p:grpSpPr>
       <p:sp>
         <p:nvSpPr>
-          <p:cNvPr id="2" name="标题 1"/>
+          <p:cNvPr id="2" name="标题 1">
+            <a:extLst>
+              <a:ext uri="{FF2B5EF4-FFF2-40B4-BE49-F238E27FC236}">
+                <a16:creationId xmlns:a16="http://schemas.microsoft.com/office/drawing/2014/main" id="{5CB3FF50-2E81-4349-9DFD-B419E999A82A}"/>
+              </a:ext>
+            </a:extLst>
+          </p:cNvPr>
           <p:cNvSpPr>
             <a:spLocks noGrp="1"/>
           </p:cNvSpPr>
@@ -891,29 +976,34 @@
         </p:nvSpPr>
         <p:spPr>
           <a:xfrm>
-            <a:off x="722313" y="4406900"/>
-            <a:ext cx="7772400" cy="1362075"/>
+            <a:off x="831850" y="1709738"/>
+            <a:ext cx="10515600" cy="2852737"/>
           </a:xfrm>
         </p:spPr>
         <p:txBody>
-          <a:bodyPr anchor="t"/>
+          <a:bodyPr anchor="b"/>
           <a:lstStyle>
-            <a:lvl1pPr algn="l">
-              <a:defRPr sz="4000" b="1" cap="all"/>
+            <a:lvl1pPr>
+              <a:defRPr sz="6000"/>
             </a:lvl1pPr>
           </a:lstStyle>
           <a:p>
             <a:r>
-              <a:rPr lang="zh-CN" altLang="en-US" smtClean="0"/>
+              <a:rPr lang="zh-CN" altLang="en-US"/>
               <a:t>单击此处编辑母版标题样式</a:t>
             </a:r>
-            <a:endParaRPr lang="zh-CN" altLang="en-US"/>
-          </a:p>
-        </p:txBody>
-      </p:sp>
-      <p:sp>
-        <p:nvSpPr>
-          <p:cNvPr id="3" name="文本占位符 2"/>
+          </a:p>
+        </p:txBody>
+      </p:sp>
+      <p:sp>
+        <p:nvSpPr>
+          <p:cNvPr id="3" name="文本占位符 2">
+            <a:extLst>
+              <a:ext uri="{FF2B5EF4-FFF2-40B4-BE49-F238E27FC236}">
+                <a16:creationId xmlns:a16="http://schemas.microsoft.com/office/drawing/2014/main" id="{20140CF0-73FB-4B56-B4F9-E0CDD23BF6ED}"/>
+              </a:ext>
+            </a:extLst>
+          </p:cNvPr>
           <p:cNvSpPr>
             <a:spLocks noGrp="1"/>
           </p:cNvSpPr>
@@ -923,16 +1013,16 @@
         </p:nvSpPr>
         <p:spPr>
           <a:xfrm>
-            <a:off x="722313" y="2906713"/>
-            <a:ext cx="7772400" cy="1500187"/>
+            <a:off x="831850" y="4589463"/>
+            <a:ext cx="10515600" cy="1500187"/>
           </a:xfrm>
         </p:spPr>
         <p:txBody>
-          <a:bodyPr anchor="b"/>
+          <a:bodyPr/>
           <a:lstStyle>
             <a:lvl1pPr marL="0" indent="0">
               <a:buNone/>
-              <a:defRPr sz="2000">
+              <a:defRPr sz="2400">
                 <a:solidFill>
                   <a:schemeClr val="tx1">
                     <a:tint val="75000"/>
@@ -942,7 +1032,7 @@
             </a:lvl1pPr>
             <a:lvl2pPr marL="457200" indent="0">
               <a:buNone/>
-              <a:defRPr sz="1800">
+              <a:defRPr sz="2000">
                 <a:solidFill>
                   <a:schemeClr val="tx1">
                     <a:tint val="75000"/>
@@ -952,7 +1042,7 @@
             </a:lvl2pPr>
             <a:lvl3pPr marL="914400" indent="0">
               <a:buNone/>
-              <a:defRPr sz="1600">
+              <a:defRPr sz="1800">
                 <a:solidFill>
                   <a:schemeClr val="tx1">
                     <a:tint val="75000"/>
@@ -962,7 +1052,7 @@
             </a:lvl3pPr>
             <a:lvl4pPr marL="1371600" indent="0">
               <a:buNone/>
-              <a:defRPr sz="1400">
+              <a:defRPr sz="1600">
                 <a:solidFill>
                   <a:schemeClr val="tx1">
                     <a:tint val="75000"/>
@@ -972,7 +1062,7 @@
             </a:lvl4pPr>
             <a:lvl5pPr marL="1828800" indent="0">
               <a:buNone/>
-              <a:defRPr sz="1400">
+              <a:defRPr sz="1600">
                 <a:solidFill>
                   <a:schemeClr val="tx1">
                     <a:tint val="75000"/>
@@ -982,7 +1072,7 @@
             </a:lvl5pPr>
             <a:lvl6pPr marL="2286000" indent="0">
               <a:buNone/>
-              <a:defRPr sz="1400">
+              <a:defRPr sz="1600">
                 <a:solidFill>
                   <a:schemeClr val="tx1">
                     <a:tint val="75000"/>
@@ -992,7 +1082,7 @@
             </a:lvl6pPr>
             <a:lvl7pPr marL="2743200" indent="0">
               <a:buNone/>
-              <a:defRPr sz="1400">
+              <a:defRPr sz="1600">
                 <a:solidFill>
                   <a:schemeClr val="tx1">
                     <a:tint val="75000"/>
@@ -1002,7 +1092,7 @@
             </a:lvl7pPr>
             <a:lvl8pPr marL="3200400" indent="0">
               <a:buNone/>
-              <a:defRPr sz="1400">
+              <a:defRPr sz="1600">
                 <a:solidFill>
                   <a:schemeClr val="tx1">
                     <a:tint val="75000"/>
@@ -1012,7 +1102,7 @@
             </a:lvl8pPr>
             <a:lvl9pPr marL="3657600" indent="0">
               <a:buNone/>
-              <a:defRPr sz="1400">
+              <a:defRPr sz="1600">
                 <a:solidFill>
                   <a:schemeClr val="tx1">
                     <a:tint val="75000"/>
@@ -1024,15 +1114,21 @@
           <a:p>
             <a:pPr lvl="0"/>
             <a:r>
-              <a:rPr lang="zh-CN" altLang="en-US" smtClean="0"/>
-              <a:t>单击此处编辑母版文本样式</a:t>
-            </a:r>
-          </a:p>
-        </p:txBody>
-      </p:sp>
-      <p:sp>
-        <p:nvSpPr>
-          <p:cNvPr id="4" name="日期占位符 3"/>
+              <a:rPr lang="zh-CN" altLang="en-US"/>
+              <a:t>编辑母版文本样式</a:t>
+            </a:r>
+          </a:p>
+        </p:txBody>
+      </p:sp>
+      <p:sp>
+        <p:nvSpPr>
+          <p:cNvPr id="4" name="日期占位符 3">
+            <a:extLst>
+              <a:ext uri="{FF2B5EF4-FFF2-40B4-BE49-F238E27FC236}">
+                <a16:creationId xmlns:a16="http://schemas.microsoft.com/office/drawing/2014/main" id="{2591F187-5CCA-4E35-9640-5185DD92DB5B}"/>
+              </a:ext>
+            </a:extLst>
+          </p:cNvPr>
           <p:cNvSpPr>
             <a:spLocks noGrp="1"/>
           </p:cNvSpPr>
@@ -1045,10 +1141,9 @@
           <a:bodyPr/>
           <a:lstStyle/>
           <a:p>
-            <a:fld id="{530820CF-B880-4189-942D-D702A7CBA730}" type="datetimeFigureOut">
+            <a:fld id="{25E571D1-9E75-4AD9-8088-DCD141C10560}" type="datetimeFigureOut">
               <a:rPr lang="zh-CN" altLang="en-US" smtClean="0"/>
-              <a:pPr/>
-              <a:t>2018/11/15 Thursday</a:t>
+              <a:t>2019/11/15</a:t>
             </a:fld>
             <a:endParaRPr lang="zh-CN" altLang="en-US"/>
           </a:p>
@@ -1056,7 +1151,13 @@
       </p:sp>
       <p:sp>
         <p:nvSpPr>
-          <p:cNvPr id="5" name="页脚占位符 4"/>
+          <p:cNvPr id="5" name="页脚占位符 4">
+            <a:extLst>
+              <a:ext uri="{FF2B5EF4-FFF2-40B4-BE49-F238E27FC236}">
+                <a16:creationId xmlns:a16="http://schemas.microsoft.com/office/drawing/2014/main" id="{2D96D900-44C5-4228-8746-D43927D77738}"/>
+              </a:ext>
+            </a:extLst>
+          </p:cNvPr>
           <p:cNvSpPr>
             <a:spLocks noGrp="1"/>
           </p:cNvSpPr>
@@ -1075,7 +1176,13 @@
       </p:sp>
       <p:sp>
         <p:nvSpPr>
-          <p:cNvPr id="6" name="灯片编号占位符 5"/>
+          <p:cNvPr id="6" name="灯片编号占位符 5">
+            <a:extLst>
+              <a:ext uri="{FF2B5EF4-FFF2-40B4-BE49-F238E27FC236}">
+                <a16:creationId xmlns:a16="http://schemas.microsoft.com/office/drawing/2014/main" id="{EBA159D9-7864-4745-ADA5-CBCB415EBC2F}"/>
+              </a:ext>
+            </a:extLst>
+          </p:cNvPr>
           <p:cNvSpPr>
             <a:spLocks noGrp="1"/>
           </p:cNvSpPr>
@@ -1088,9 +1195,8 @@
           <a:bodyPr/>
           <a:lstStyle/>
           <a:p>
-            <a:fld id="{0C913308-F349-4B6D-A68A-DD1791B4A57B}" type="slidenum">
+            <a:fld id="{BCAFB0B1-DA11-46E2-9DB7-76A87A1DDAB9}" type="slidenum">
               <a:rPr lang="zh-CN" altLang="en-US" smtClean="0"/>
-              <a:pPr/>
               <a:t>‹#›</a:t>
             </a:fld>
             <a:endParaRPr lang="zh-CN" altLang="en-US"/>
@@ -1098,6 +1204,11 @@
         </p:txBody>
       </p:sp>
     </p:spTree>
+    <p:extLst>
+      <p:ext uri="{BB962C8B-B14F-4D97-AF65-F5344CB8AC3E}">
+        <p14:creationId xmlns:p14="http://schemas.microsoft.com/office/powerpoint/2010/main" val="1579723021"/>
+      </p:ext>
+    </p:extLst>
   </p:cSld>
   <p:clrMapOvr>
     <a:masterClrMapping/>
@@ -1124,7 +1235,13 @@
       </p:grpSpPr>
       <p:sp>
         <p:nvSpPr>
-          <p:cNvPr id="2" name="标题 1"/>
+          <p:cNvPr id="2" name="标题 1">
+            <a:extLst>
+              <a:ext uri="{FF2B5EF4-FFF2-40B4-BE49-F238E27FC236}">
+                <a16:creationId xmlns:a16="http://schemas.microsoft.com/office/drawing/2014/main" id="{03243A12-DC54-4C0D-9BAE-F9507D70D752}"/>
+              </a:ext>
+            </a:extLst>
+          </p:cNvPr>
           <p:cNvSpPr>
             <a:spLocks noGrp="1"/>
           </p:cNvSpPr>
@@ -1138,16 +1255,21 @@
           <a:lstStyle/>
           <a:p>
             <a:r>
-              <a:rPr lang="zh-CN" altLang="en-US" smtClean="0"/>
+              <a:rPr lang="zh-CN" altLang="en-US"/>
               <a:t>单击此处编辑母版标题样式</a:t>
             </a:r>
-            <a:endParaRPr lang="zh-CN" altLang="en-US"/>
-          </a:p>
-        </p:txBody>
-      </p:sp>
-      <p:sp>
-        <p:nvSpPr>
-          <p:cNvPr id="3" name="内容占位符 2"/>
+          </a:p>
+        </p:txBody>
+      </p:sp>
+      <p:sp>
+        <p:nvSpPr>
+          <p:cNvPr id="3" name="内容占位符 2">
+            <a:extLst>
+              <a:ext uri="{FF2B5EF4-FFF2-40B4-BE49-F238E27FC236}">
+                <a16:creationId xmlns:a16="http://schemas.microsoft.com/office/drawing/2014/main" id="{DCA76853-BF6A-4141-8A96-926788183964}"/>
+              </a:ext>
+            </a:extLst>
+          </p:cNvPr>
           <p:cNvSpPr>
             <a:spLocks noGrp="1"/>
           </p:cNvSpPr>
@@ -1157,82 +1279,59 @@
         </p:nvSpPr>
         <p:spPr>
           <a:xfrm>
-            <a:off x="457200" y="1600200"/>
-            <a:ext cx="4038600" cy="4525963"/>
+            <a:off x="838200" y="1825625"/>
+            <a:ext cx="5181600" cy="4351338"/>
           </a:xfrm>
         </p:spPr>
         <p:txBody>
           <a:bodyPr/>
-          <a:lstStyle>
-            <a:lvl1pPr>
-              <a:defRPr sz="2800"/>
-            </a:lvl1pPr>
-            <a:lvl2pPr>
-              <a:defRPr sz="2400"/>
-            </a:lvl2pPr>
-            <a:lvl3pPr>
-              <a:defRPr sz="2000"/>
-            </a:lvl3pPr>
-            <a:lvl4pPr>
-              <a:defRPr sz="1800"/>
-            </a:lvl4pPr>
-            <a:lvl5pPr>
-              <a:defRPr sz="1800"/>
-            </a:lvl5pPr>
-            <a:lvl6pPr>
-              <a:defRPr sz="1800"/>
-            </a:lvl6pPr>
-            <a:lvl7pPr>
-              <a:defRPr sz="1800"/>
-            </a:lvl7pPr>
-            <a:lvl8pPr>
-              <a:defRPr sz="1800"/>
-            </a:lvl8pPr>
-            <a:lvl9pPr>
-              <a:defRPr sz="1800"/>
-            </a:lvl9pPr>
-          </a:lstStyle>
+          <a:lstStyle/>
           <a:p>
             <a:pPr lvl="0"/>
             <a:r>
-              <a:rPr lang="zh-CN" altLang="en-US" smtClean="0"/>
-              <a:t>单击此处编辑母版文本样式</a:t>
+              <a:rPr lang="zh-CN" altLang="en-US"/>
+              <a:t>编辑母版文本样式</a:t>
             </a:r>
           </a:p>
           <a:p>
             <a:pPr lvl="1"/>
             <a:r>
-              <a:rPr lang="zh-CN" altLang="en-US" smtClean="0"/>
+              <a:rPr lang="zh-CN" altLang="en-US"/>
               <a:t>第二级</a:t>
             </a:r>
           </a:p>
           <a:p>
             <a:pPr lvl="2"/>
             <a:r>
-              <a:rPr lang="zh-CN" altLang="en-US" smtClean="0"/>
+              <a:rPr lang="zh-CN" altLang="en-US"/>
               <a:t>第三级</a:t>
             </a:r>
           </a:p>
           <a:p>
             <a:pPr lvl="3"/>
             <a:r>
-              <a:rPr lang="zh-CN" altLang="en-US" smtClean="0"/>
+              <a:rPr lang="zh-CN" altLang="en-US"/>
               <a:t>第四级</a:t>
             </a:r>
           </a:p>
           <a:p>
             <a:pPr lvl="4"/>
             <a:r>
-              <a:rPr lang="zh-CN" altLang="en-US" smtClean="0"/>
+              <a:rPr lang="zh-CN" altLang="en-US"/>
               <a:t>第五级</a:t>
             </a:r>
-            <a:endParaRPr lang="zh-CN" altLang="en-US"/>
-          </a:p>
-        </p:txBody>
-      </p:sp>
-      <p:sp>
-        <p:nvSpPr>
-          <p:cNvPr id="4" name="内容占位符 3"/>
+          </a:p>
+        </p:txBody>
+      </p:sp>
+      <p:sp>
+        <p:nvSpPr>
+          <p:cNvPr id="4" name="内容占位符 3">
+            <a:extLst>
+              <a:ext uri="{FF2B5EF4-FFF2-40B4-BE49-F238E27FC236}">
+                <a16:creationId xmlns:a16="http://schemas.microsoft.com/office/drawing/2014/main" id="{E14FCF4C-A89E-4E83-B4E3-BACA228BA266}"/>
+              </a:ext>
+            </a:extLst>
+          </p:cNvPr>
           <p:cNvSpPr>
             <a:spLocks noGrp="1"/>
           </p:cNvSpPr>
@@ -1242,82 +1341,59 @@
         </p:nvSpPr>
         <p:spPr>
           <a:xfrm>
-            <a:off x="4648200" y="1600200"/>
-            <a:ext cx="4038600" cy="4525963"/>
+            <a:off x="6172200" y="1825625"/>
+            <a:ext cx="5181600" cy="4351338"/>
           </a:xfrm>
         </p:spPr>
         <p:txBody>
           <a:bodyPr/>
-          <a:lstStyle>
-            <a:lvl1pPr>
-              <a:defRPr sz="2800"/>
-            </a:lvl1pPr>
-            <a:lvl2pPr>
-              <a:defRPr sz="2400"/>
-            </a:lvl2pPr>
-            <a:lvl3pPr>
-              <a:defRPr sz="2000"/>
-            </a:lvl3pPr>
-            <a:lvl4pPr>
-              <a:defRPr sz="1800"/>
-            </a:lvl4pPr>
-            <a:lvl5pPr>
-              <a:defRPr sz="1800"/>
-            </a:lvl5pPr>
-            <a:lvl6pPr>
-              <a:defRPr sz="1800"/>
-            </a:lvl6pPr>
-            <a:lvl7pPr>
-              <a:defRPr sz="1800"/>
-            </a:lvl7pPr>
-            <a:lvl8pPr>
-              <a:defRPr sz="1800"/>
-            </a:lvl8pPr>
-            <a:lvl9pPr>
-              <a:defRPr sz="1800"/>
-            </a:lvl9pPr>
-          </a:lstStyle>
+          <a:lstStyle/>
           <a:p>
             <a:pPr lvl="0"/>
             <a:r>
-              <a:rPr lang="zh-CN" altLang="en-US" smtClean="0"/>
-              <a:t>单击此处编辑母版文本样式</a:t>
+              <a:rPr lang="zh-CN" altLang="en-US"/>
+              <a:t>编辑母版文本样式</a:t>
             </a:r>
           </a:p>
           <a:p>
             <a:pPr lvl="1"/>
             <a:r>
-              <a:rPr lang="zh-CN" altLang="en-US" smtClean="0"/>
+              <a:rPr lang="zh-CN" altLang="en-US"/>
               <a:t>第二级</a:t>
             </a:r>
           </a:p>
           <a:p>
             <a:pPr lvl="2"/>
             <a:r>
-              <a:rPr lang="zh-CN" altLang="en-US" smtClean="0"/>
+              <a:rPr lang="zh-CN" altLang="en-US"/>
               <a:t>第三级</a:t>
             </a:r>
           </a:p>
           <a:p>
             <a:pPr lvl="3"/>
             <a:r>
-              <a:rPr lang="zh-CN" altLang="en-US" smtClean="0"/>
+              <a:rPr lang="zh-CN" altLang="en-US"/>
               <a:t>第四级</a:t>
             </a:r>
           </a:p>
           <a:p>
             <a:pPr lvl="4"/>
             <a:r>
-              <a:rPr lang="zh-CN" altLang="en-US" smtClean="0"/>
+              <a:rPr lang="zh-CN" altLang="en-US"/>
               <a:t>第五级</a:t>
             </a:r>
-            <a:endParaRPr lang="zh-CN" altLang="en-US"/>
-          </a:p>
-        </p:txBody>
-      </p:sp>
-      <p:sp>
-        <p:nvSpPr>
-          <p:cNvPr id="5" name="日期占位符 4"/>
+          </a:p>
+        </p:txBody>
+      </p:sp>
+      <p:sp>
+        <p:nvSpPr>
+          <p:cNvPr id="5" name="日期占位符 4">
+            <a:extLst>
+              <a:ext uri="{FF2B5EF4-FFF2-40B4-BE49-F238E27FC236}">
+                <a16:creationId xmlns:a16="http://schemas.microsoft.com/office/drawing/2014/main" id="{67934ED1-1760-4464-A224-9F831D96024F}"/>
+              </a:ext>
+            </a:extLst>
+          </p:cNvPr>
           <p:cNvSpPr>
             <a:spLocks noGrp="1"/>
           </p:cNvSpPr>
@@ -1330,10 +1406,9 @@
           <a:bodyPr/>
           <a:lstStyle/>
           <a:p>
-            <a:fld id="{530820CF-B880-4189-942D-D702A7CBA730}" type="datetimeFigureOut">
+            <a:fld id="{25E571D1-9E75-4AD9-8088-DCD141C10560}" type="datetimeFigureOut">
               <a:rPr lang="zh-CN" altLang="en-US" smtClean="0"/>
-              <a:pPr/>
-              <a:t>2018/11/15 Thursday</a:t>
+              <a:t>2019/11/15</a:t>
             </a:fld>
             <a:endParaRPr lang="zh-CN" altLang="en-US"/>
           </a:p>
@@ -1341,7 +1416,13 @@
       </p:sp>
       <p:sp>
         <p:nvSpPr>
-          <p:cNvPr id="6" name="页脚占位符 5"/>
+          <p:cNvPr id="6" name="页脚占位符 5">
+            <a:extLst>
+              <a:ext uri="{FF2B5EF4-FFF2-40B4-BE49-F238E27FC236}">
+                <a16:creationId xmlns:a16="http://schemas.microsoft.com/office/drawing/2014/main" id="{AFB12247-B537-4D4E-8265-B6F2B332570A}"/>
+              </a:ext>
+            </a:extLst>
+          </p:cNvPr>
           <p:cNvSpPr>
             <a:spLocks noGrp="1"/>
           </p:cNvSpPr>
@@ -1360,7 +1441,13 @@
       </p:sp>
       <p:sp>
         <p:nvSpPr>
-          <p:cNvPr id="7" name="灯片编号占位符 6"/>
+          <p:cNvPr id="7" name="灯片编号占位符 6">
+            <a:extLst>
+              <a:ext uri="{FF2B5EF4-FFF2-40B4-BE49-F238E27FC236}">
+                <a16:creationId xmlns:a16="http://schemas.microsoft.com/office/drawing/2014/main" id="{80B40B11-7D1C-4B7A-A4DF-C90FA314A6BD}"/>
+              </a:ext>
+            </a:extLst>
+          </p:cNvPr>
           <p:cNvSpPr>
             <a:spLocks noGrp="1"/>
           </p:cNvSpPr>
@@ -1373,9 +1460,8 @@
           <a:bodyPr/>
           <a:lstStyle/>
           <a:p>
-            <a:fld id="{0C913308-F349-4B6D-A68A-DD1791B4A57B}" type="slidenum">
+            <a:fld id="{BCAFB0B1-DA11-46E2-9DB7-76A87A1DDAB9}" type="slidenum">
               <a:rPr lang="zh-CN" altLang="en-US" smtClean="0"/>
-              <a:pPr/>
               <a:t>‹#›</a:t>
             </a:fld>
             <a:endParaRPr lang="zh-CN" altLang="en-US"/>
@@ -1383,6 +1469,11 @@
         </p:txBody>
       </p:sp>
     </p:spTree>
+    <p:extLst>
+      <p:ext uri="{BB962C8B-B14F-4D97-AF65-F5344CB8AC3E}">
+        <p14:creationId xmlns:p14="http://schemas.microsoft.com/office/powerpoint/2010/main" val="1903208641"/>
+      </p:ext>
+    </p:extLst>
   </p:cSld>
   <p:clrMapOvr>
     <a:masterClrMapping/>
@@ -1409,45 +1500,57 @@
       </p:grpSpPr>
       <p:sp>
         <p:nvSpPr>
-          <p:cNvPr id="2" name="标题 1"/>
+          <p:cNvPr id="2" name="标题 1">
+            <a:extLst>
+              <a:ext uri="{FF2B5EF4-FFF2-40B4-BE49-F238E27FC236}">
+                <a16:creationId xmlns:a16="http://schemas.microsoft.com/office/drawing/2014/main" id="{3AEC5973-5B85-40D3-9718-3F1832B15A0B}"/>
+              </a:ext>
+            </a:extLst>
+          </p:cNvPr>
           <p:cNvSpPr>
             <a:spLocks noGrp="1"/>
           </p:cNvSpPr>
           <p:nvPr>
             <p:ph type="title"/>
-          </p:nvPr>
-        </p:nvSpPr>
-        <p:spPr/>
-        <p:txBody>
-          <a:bodyPr/>
-          <a:lstStyle>
-            <a:lvl1pPr>
-              <a:defRPr/>
-            </a:lvl1pPr>
-          </a:lstStyle>
-          <a:p>
-            <a:r>
-              <a:rPr lang="zh-CN" altLang="en-US" smtClean="0"/>
-              <a:t>单击此处编辑母版标题样式</a:t>
-            </a:r>
-            <a:endParaRPr lang="zh-CN" altLang="en-US"/>
-          </a:p>
-        </p:txBody>
-      </p:sp>
-      <p:sp>
-        <p:nvSpPr>
-          <p:cNvPr id="3" name="文本占位符 2"/>
-          <p:cNvSpPr>
-            <a:spLocks noGrp="1"/>
-          </p:cNvSpPr>
-          <p:nvPr>
-            <p:ph type="body" idx="1"/>
           </p:nvPr>
         </p:nvSpPr>
         <p:spPr>
           <a:xfrm>
-            <a:off x="457200" y="1535113"/>
-            <a:ext cx="4040188" cy="639762"/>
+            <a:off x="839788" y="365125"/>
+            <a:ext cx="10515600" cy="1325563"/>
+          </a:xfrm>
+        </p:spPr>
+        <p:txBody>
+          <a:bodyPr/>
+          <a:lstStyle/>
+          <a:p>
+            <a:r>
+              <a:rPr lang="zh-CN" altLang="en-US"/>
+              <a:t>单击此处编辑母版标题样式</a:t>
+            </a:r>
+          </a:p>
+        </p:txBody>
+      </p:sp>
+      <p:sp>
+        <p:nvSpPr>
+          <p:cNvPr id="3" name="文本占位符 2">
+            <a:extLst>
+              <a:ext uri="{FF2B5EF4-FFF2-40B4-BE49-F238E27FC236}">
+                <a16:creationId xmlns:a16="http://schemas.microsoft.com/office/drawing/2014/main" id="{D7E24EBA-DD75-4020-932E-A376EBCB5EE8}"/>
+              </a:ext>
+            </a:extLst>
+          </p:cNvPr>
+          <p:cNvSpPr>
+            <a:spLocks noGrp="1"/>
+          </p:cNvSpPr>
+          <p:nvPr>
+            <p:ph type="body" idx="1"/>
+          </p:nvPr>
+        </p:nvSpPr>
+        <p:spPr>
+          <a:xfrm>
+            <a:off x="839788" y="1681163"/>
+            <a:ext cx="5157787" cy="823912"/>
           </a:xfrm>
         </p:spPr>
         <p:txBody>
@@ -1493,15 +1596,21 @@
           <a:p>
             <a:pPr lvl="0"/>
             <a:r>
-              <a:rPr lang="zh-CN" altLang="en-US" smtClean="0"/>
-              <a:t>单击此处编辑母版文本样式</a:t>
-            </a:r>
-          </a:p>
-        </p:txBody>
-      </p:sp>
-      <p:sp>
-        <p:nvSpPr>
-          <p:cNvPr id="4" name="内容占位符 3"/>
+              <a:rPr lang="zh-CN" altLang="en-US"/>
+              <a:t>编辑母版文本样式</a:t>
+            </a:r>
+          </a:p>
+        </p:txBody>
+      </p:sp>
+      <p:sp>
+        <p:nvSpPr>
+          <p:cNvPr id="4" name="内容占位符 3">
+            <a:extLst>
+              <a:ext uri="{FF2B5EF4-FFF2-40B4-BE49-F238E27FC236}">
+                <a16:creationId xmlns:a16="http://schemas.microsoft.com/office/drawing/2014/main" id="{CF1F6BE3-85BE-4F75-B6E7-18B8C07ABA7F}"/>
+              </a:ext>
+            </a:extLst>
+          </p:cNvPr>
           <p:cNvSpPr>
             <a:spLocks noGrp="1"/>
           </p:cNvSpPr>
@@ -1511,82 +1620,59 @@
         </p:nvSpPr>
         <p:spPr>
           <a:xfrm>
-            <a:off x="457200" y="2174875"/>
-            <a:ext cx="4040188" cy="3951288"/>
+            <a:off x="839788" y="2505075"/>
+            <a:ext cx="5157787" cy="3684588"/>
           </a:xfrm>
         </p:spPr>
         <p:txBody>
           <a:bodyPr/>
-          <a:lstStyle>
-            <a:lvl1pPr>
-              <a:defRPr sz="2400"/>
-            </a:lvl1pPr>
-            <a:lvl2pPr>
-              <a:defRPr sz="2000"/>
-            </a:lvl2pPr>
-            <a:lvl3pPr>
-              <a:defRPr sz="1800"/>
-            </a:lvl3pPr>
-            <a:lvl4pPr>
-              <a:defRPr sz="1600"/>
-            </a:lvl4pPr>
-            <a:lvl5pPr>
-              <a:defRPr sz="1600"/>
-            </a:lvl5pPr>
-            <a:lvl6pPr>
-              <a:defRPr sz="1600"/>
-            </a:lvl6pPr>
-            <a:lvl7pPr>
-              <a:defRPr sz="1600"/>
-            </a:lvl7pPr>
-            <a:lvl8pPr>
-              <a:defRPr sz="1600"/>
-            </a:lvl8pPr>
-            <a:lvl9pPr>
-              <a:defRPr sz="1600"/>
-            </a:lvl9pPr>
-          </a:lstStyle>
+          <a:lstStyle/>
           <a:p>
             <a:pPr lvl="0"/>
             <a:r>
-              <a:rPr lang="zh-CN" altLang="en-US" smtClean="0"/>
-              <a:t>单击此处编辑母版文本样式</a:t>
+              <a:rPr lang="zh-CN" altLang="en-US"/>
+              <a:t>编辑母版文本样式</a:t>
             </a:r>
           </a:p>
           <a:p>
             <a:pPr lvl="1"/>
             <a:r>
-              <a:rPr lang="zh-CN" altLang="en-US" smtClean="0"/>
+              <a:rPr lang="zh-CN" altLang="en-US"/>
               <a:t>第二级</a:t>
             </a:r>
           </a:p>
           <a:p>
             <a:pPr lvl="2"/>
             <a:r>
-              <a:rPr lang="zh-CN" altLang="en-US" smtClean="0"/>
+              <a:rPr lang="zh-CN" altLang="en-US"/>
               <a:t>第三级</a:t>
             </a:r>
           </a:p>
           <a:p>
             <a:pPr lvl="3"/>
             <a:r>
-              <a:rPr lang="zh-CN" altLang="en-US" smtClean="0"/>
+              <a:rPr lang="zh-CN" altLang="en-US"/>
               <a:t>第四级</a:t>
             </a:r>
           </a:p>
           <a:p>
             <a:pPr lvl="4"/>
             <a:r>
-              <a:rPr lang="zh-CN" altLang="en-US" smtClean="0"/>
+              <a:rPr lang="zh-CN" altLang="en-US"/>
               <a:t>第五级</a:t>
             </a:r>
-            <a:endParaRPr lang="zh-CN" altLang="en-US"/>
-          </a:p>
-        </p:txBody>
-      </p:sp>
-      <p:sp>
-        <p:nvSpPr>
-          <p:cNvPr id="5" name="文本占位符 4"/>
+          </a:p>
+        </p:txBody>
+      </p:sp>
+      <p:sp>
+        <p:nvSpPr>
+          <p:cNvPr id="5" name="文本占位符 4">
+            <a:extLst>
+              <a:ext uri="{FF2B5EF4-FFF2-40B4-BE49-F238E27FC236}">
+                <a16:creationId xmlns:a16="http://schemas.microsoft.com/office/drawing/2014/main" id="{67BF5D8C-5711-4545-A8C8-9B8A7ECFE995}"/>
+              </a:ext>
+            </a:extLst>
+          </p:cNvPr>
           <p:cNvSpPr>
             <a:spLocks noGrp="1"/>
           </p:cNvSpPr>
@@ -1596,8 +1682,8 @@
         </p:nvSpPr>
         <p:spPr>
           <a:xfrm>
-            <a:off x="4645025" y="1535113"/>
-            <a:ext cx="4041775" cy="639762"/>
+            <a:off x="6172200" y="1681163"/>
+            <a:ext cx="5183188" cy="823912"/>
           </a:xfrm>
         </p:spPr>
         <p:txBody>
@@ -1643,15 +1729,21 @@
           <a:p>
             <a:pPr lvl="0"/>
             <a:r>
-              <a:rPr lang="zh-CN" altLang="en-US" smtClean="0"/>
-              <a:t>单击此处编辑母版文本样式</a:t>
-            </a:r>
-          </a:p>
-        </p:txBody>
-      </p:sp>
-      <p:sp>
-        <p:nvSpPr>
-          <p:cNvPr id="6" name="内容占位符 5"/>
+              <a:rPr lang="zh-CN" altLang="en-US"/>
+              <a:t>编辑母版文本样式</a:t>
+            </a:r>
+          </a:p>
+        </p:txBody>
+      </p:sp>
+      <p:sp>
+        <p:nvSpPr>
+          <p:cNvPr id="6" name="内容占位符 5">
+            <a:extLst>
+              <a:ext uri="{FF2B5EF4-FFF2-40B4-BE49-F238E27FC236}">
+                <a16:creationId xmlns:a16="http://schemas.microsoft.com/office/drawing/2014/main" id="{25C4B08E-9488-472F-AB37-E06C8E5EAF90}"/>
+              </a:ext>
+            </a:extLst>
+          </p:cNvPr>
           <p:cNvSpPr>
             <a:spLocks noGrp="1"/>
           </p:cNvSpPr>
@@ -1661,82 +1753,59 @@
         </p:nvSpPr>
         <p:spPr>
           <a:xfrm>
-            <a:off x="4645025" y="2174875"/>
-            <a:ext cx="4041775" cy="3951288"/>
+            <a:off x="6172200" y="2505075"/>
+            <a:ext cx="5183188" cy="3684588"/>
           </a:xfrm>
         </p:spPr>
         <p:txBody>
           <a:bodyPr/>
-          <a:lstStyle>
-            <a:lvl1pPr>
-              <a:defRPr sz="2400"/>
-            </a:lvl1pPr>
-            <a:lvl2pPr>
-              <a:defRPr sz="2000"/>
-            </a:lvl2pPr>
-            <a:lvl3pPr>
-              <a:defRPr sz="1800"/>
-            </a:lvl3pPr>
-            <a:lvl4pPr>
-              <a:defRPr sz="1600"/>
-            </a:lvl4pPr>
-            <a:lvl5pPr>
-              <a:defRPr sz="1600"/>
-            </a:lvl5pPr>
-            <a:lvl6pPr>
-              <a:defRPr sz="1600"/>
-            </a:lvl6pPr>
-            <a:lvl7pPr>
-              <a:defRPr sz="1600"/>
-            </a:lvl7pPr>
-            <a:lvl8pPr>
-              <a:defRPr sz="1600"/>
-            </a:lvl8pPr>
-            <a:lvl9pPr>
-              <a:defRPr sz="1600"/>
-            </a:lvl9pPr>
-          </a:lstStyle>
+          <a:lstStyle/>
           <a:p>
             <a:pPr lvl="0"/>
             <a:r>
-              <a:rPr lang="zh-CN" altLang="en-US" smtClean="0"/>
-              <a:t>单击此处编辑母版文本样式</a:t>
+              <a:rPr lang="zh-CN" altLang="en-US"/>
+              <a:t>编辑母版文本样式</a:t>
             </a:r>
           </a:p>
           <a:p>
             <a:pPr lvl="1"/>
             <a:r>
-              <a:rPr lang="zh-CN" altLang="en-US" smtClean="0"/>
+              <a:rPr lang="zh-CN" altLang="en-US"/>
               <a:t>第二级</a:t>
             </a:r>
           </a:p>
           <a:p>
             <a:pPr lvl="2"/>
             <a:r>
-              <a:rPr lang="zh-CN" altLang="en-US" smtClean="0"/>
+              <a:rPr lang="zh-CN" altLang="en-US"/>
               <a:t>第三级</a:t>
             </a:r>
           </a:p>
           <a:p>
             <a:pPr lvl="3"/>
             <a:r>
-              <a:rPr lang="zh-CN" altLang="en-US" smtClean="0"/>
+              <a:rPr lang="zh-CN" altLang="en-US"/>
               <a:t>第四级</a:t>
             </a:r>
           </a:p>
           <a:p>
             <a:pPr lvl="4"/>
             <a:r>
-              <a:rPr lang="zh-CN" altLang="en-US" smtClean="0"/>
+              <a:rPr lang="zh-CN" altLang="en-US"/>
               <a:t>第五级</a:t>
             </a:r>
-            <a:endParaRPr lang="zh-CN" altLang="en-US"/>
-          </a:p>
-        </p:txBody>
-      </p:sp>
-      <p:sp>
-        <p:nvSpPr>
-          <p:cNvPr id="7" name="日期占位符 6"/>
+          </a:p>
+        </p:txBody>
+      </p:sp>
+      <p:sp>
+        <p:nvSpPr>
+          <p:cNvPr id="7" name="日期占位符 6">
+            <a:extLst>
+              <a:ext uri="{FF2B5EF4-FFF2-40B4-BE49-F238E27FC236}">
+                <a16:creationId xmlns:a16="http://schemas.microsoft.com/office/drawing/2014/main" id="{A3CC5E0E-DBD8-4CBF-99D9-D719499C5CFD}"/>
+              </a:ext>
+            </a:extLst>
+          </p:cNvPr>
           <p:cNvSpPr>
             <a:spLocks noGrp="1"/>
           </p:cNvSpPr>
@@ -1749,10 +1818,9 @@
           <a:bodyPr/>
           <a:lstStyle/>
           <a:p>
-            <a:fld id="{530820CF-B880-4189-942D-D702A7CBA730}" type="datetimeFigureOut">
+            <a:fld id="{25E571D1-9E75-4AD9-8088-DCD141C10560}" type="datetimeFigureOut">
               <a:rPr lang="zh-CN" altLang="en-US" smtClean="0"/>
-              <a:pPr/>
-              <a:t>2018/11/15 Thursday</a:t>
+              <a:t>2019/11/15</a:t>
             </a:fld>
             <a:endParaRPr lang="zh-CN" altLang="en-US"/>
           </a:p>
@@ -1760,7 +1828,13 @@
       </p:sp>
       <p:sp>
         <p:nvSpPr>
-          <p:cNvPr id="8" name="页脚占位符 7"/>
+          <p:cNvPr id="8" name="页脚占位符 7">
+            <a:extLst>
+              <a:ext uri="{FF2B5EF4-FFF2-40B4-BE49-F238E27FC236}">
+                <a16:creationId xmlns:a16="http://schemas.microsoft.com/office/drawing/2014/main" id="{66AB0B13-8EEE-4394-A9B9-8BFB2F1B655F}"/>
+              </a:ext>
+            </a:extLst>
+          </p:cNvPr>
           <p:cNvSpPr>
             <a:spLocks noGrp="1"/>
           </p:cNvSpPr>
@@ -1779,7 +1853,13 @@
       </p:sp>
       <p:sp>
         <p:nvSpPr>
-          <p:cNvPr id="9" name="灯片编号占位符 8"/>
+          <p:cNvPr id="9" name="灯片编号占位符 8">
+            <a:extLst>
+              <a:ext uri="{FF2B5EF4-FFF2-40B4-BE49-F238E27FC236}">
+                <a16:creationId xmlns:a16="http://schemas.microsoft.com/office/drawing/2014/main" id="{68E8A719-F8C1-4444-8A33-F3EA2A984BBA}"/>
+              </a:ext>
+            </a:extLst>
+          </p:cNvPr>
           <p:cNvSpPr>
             <a:spLocks noGrp="1"/>
           </p:cNvSpPr>
@@ -1792,9 +1872,8 @@
           <a:bodyPr/>
           <a:lstStyle/>
           <a:p>
-            <a:fld id="{0C913308-F349-4B6D-A68A-DD1791B4A57B}" type="slidenum">
+            <a:fld id="{BCAFB0B1-DA11-46E2-9DB7-76A87A1DDAB9}" type="slidenum">
               <a:rPr lang="zh-CN" altLang="en-US" smtClean="0"/>
-              <a:pPr/>
               <a:t>‹#›</a:t>
             </a:fld>
             <a:endParaRPr lang="zh-CN" altLang="en-US"/>
@@ -1802,6 +1881,11 @@
         </p:txBody>
       </p:sp>
     </p:spTree>
+    <p:extLst>
+      <p:ext uri="{BB962C8B-B14F-4D97-AF65-F5344CB8AC3E}">
+        <p14:creationId xmlns:p14="http://schemas.microsoft.com/office/powerpoint/2010/main" val="1213046219"/>
+      </p:ext>
+    </p:extLst>
   </p:cSld>
   <p:clrMapOvr>
     <a:masterClrMapping/>
@@ -1828,7 +1912,13 @@
       </p:grpSpPr>
       <p:sp>
         <p:nvSpPr>
-          <p:cNvPr id="2" name="标题 1"/>
+          <p:cNvPr id="2" name="标题 1">
+            <a:extLst>
+              <a:ext uri="{FF2B5EF4-FFF2-40B4-BE49-F238E27FC236}">
+                <a16:creationId xmlns:a16="http://schemas.microsoft.com/office/drawing/2014/main" id="{4C877BC7-EBC9-491A-AC08-BB5F78D576B1}"/>
+              </a:ext>
+            </a:extLst>
+          </p:cNvPr>
           <p:cNvSpPr>
             <a:spLocks noGrp="1"/>
           </p:cNvSpPr>
@@ -1842,16 +1932,21 @@
           <a:lstStyle/>
           <a:p>
             <a:r>
-              <a:rPr lang="zh-CN" altLang="en-US" smtClean="0"/>
+              <a:rPr lang="zh-CN" altLang="en-US"/>
               <a:t>单击此处编辑母版标题样式</a:t>
             </a:r>
-            <a:endParaRPr lang="zh-CN" altLang="en-US"/>
-          </a:p>
-        </p:txBody>
-      </p:sp>
-      <p:sp>
-        <p:nvSpPr>
-          <p:cNvPr id="3" name="日期占位符 2"/>
+          </a:p>
+        </p:txBody>
+      </p:sp>
+      <p:sp>
+        <p:nvSpPr>
+          <p:cNvPr id="3" name="日期占位符 2">
+            <a:extLst>
+              <a:ext uri="{FF2B5EF4-FFF2-40B4-BE49-F238E27FC236}">
+                <a16:creationId xmlns:a16="http://schemas.microsoft.com/office/drawing/2014/main" id="{201CBBE1-CB06-4AFF-BB59-D09B8030DEF7}"/>
+              </a:ext>
+            </a:extLst>
+          </p:cNvPr>
           <p:cNvSpPr>
             <a:spLocks noGrp="1"/>
           </p:cNvSpPr>
@@ -1864,10 +1959,9 @@
           <a:bodyPr/>
           <a:lstStyle/>
           <a:p>
-            <a:fld id="{530820CF-B880-4189-942D-D702A7CBA730}" type="datetimeFigureOut">
+            <a:fld id="{25E571D1-9E75-4AD9-8088-DCD141C10560}" type="datetimeFigureOut">
               <a:rPr lang="zh-CN" altLang="en-US" smtClean="0"/>
-              <a:pPr/>
-              <a:t>2018/11/15 Thursday</a:t>
+              <a:t>2019/11/15</a:t>
             </a:fld>
             <a:endParaRPr lang="zh-CN" altLang="en-US"/>
           </a:p>
@@ -1875,7 +1969,13 @@
       </p:sp>
       <p:sp>
         <p:nvSpPr>
-          <p:cNvPr id="4" name="页脚占位符 3"/>
+          <p:cNvPr id="4" name="页脚占位符 3">
+            <a:extLst>
+              <a:ext uri="{FF2B5EF4-FFF2-40B4-BE49-F238E27FC236}">
+                <a16:creationId xmlns:a16="http://schemas.microsoft.com/office/drawing/2014/main" id="{0CA20B34-CE7B-4CAF-BD2E-7C94225B7AEB}"/>
+              </a:ext>
+            </a:extLst>
+          </p:cNvPr>
           <p:cNvSpPr>
             <a:spLocks noGrp="1"/>
           </p:cNvSpPr>
@@ -1894,7 +1994,13 @@
       </p:sp>
       <p:sp>
         <p:nvSpPr>
-          <p:cNvPr id="5" name="灯片编号占位符 4"/>
+          <p:cNvPr id="5" name="灯片编号占位符 4">
+            <a:extLst>
+              <a:ext uri="{FF2B5EF4-FFF2-40B4-BE49-F238E27FC236}">
+                <a16:creationId xmlns:a16="http://schemas.microsoft.com/office/drawing/2014/main" id="{37AD5182-8EF2-4401-B727-98393D6109E0}"/>
+              </a:ext>
+            </a:extLst>
+          </p:cNvPr>
           <p:cNvSpPr>
             <a:spLocks noGrp="1"/>
           </p:cNvSpPr>
@@ -1907,9 +2013,8 @@
           <a:bodyPr/>
           <a:lstStyle/>
           <a:p>
-            <a:fld id="{0C913308-F349-4B6D-A68A-DD1791B4A57B}" type="slidenum">
+            <a:fld id="{BCAFB0B1-DA11-46E2-9DB7-76A87A1DDAB9}" type="slidenum">
               <a:rPr lang="zh-CN" altLang="en-US" smtClean="0"/>
-              <a:pPr/>
               <a:t>‹#›</a:t>
             </a:fld>
             <a:endParaRPr lang="zh-CN" altLang="en-US"/>
@@ -1917,6 +2022,11 @@
         </p:txBody>
       </p:sp>
     </p:spTree>
+    <p:extLst>
+      <p:ext uri="{BB962C8B-B14F-4D97-AF65-F5344CB8AC3E}">
+        <p14:creationId xmlns:p14="http://schemas.microsoft.com/office/powerpoint/2010/main" val="1185925553"/>
+      </p:ext>
+    </p:extLst>
   </p:cSld>
   <p:clrMapOvr>
     <a:masterClrMapping/>
@@ -1943,7 +2053,13 @@
       </p:grpSpPr>
       <p:sp>
         <p:nvSpPr>
-          <p:cNvPr id="2" name="日期占位符 1"/>
+          <p:cNvPr id="2" name="日期占位符 1">
+            <a:extLst>
+              <a:ext uri="{FF2B5EF4-FFF2-40B4-BE49-F238E27FC236}">
+                <a16:creationId xmlns:a16="http://schemas.microsoft.com/office/drawing/2014/main" id="{B1A2BC96-E80C-4A23-BFA9-B4AAE13C68DF}"/>
+              </a:ext>
+            </a:extLst>
+          </p:cNvPr>
           <p:cNvSpPr>
             <a:spLocks noGrp="1"/>
           </p:cNvSpPr>
@@ -1956,10 +2072,9 @@
           <a:bodyPr/>
           <a:lstStyle/>
           <a:p>
-            <a:fld id="{530820CF-B880-4189-942D-D702A7CBA730}" type="datetimeFigureOut">
+            <a:fld id="{25E571D1-9E75-4AD9-8088-DCD141C10560}" type="datetimeFigureOut">
               <a:rPr lang="zh-CN" altLang="en-US" smtClean="0"/>
-              <a:pPr/>
-              <a:t>2018/11/15 Thursday</a:t>
+              <a:t>2019/11/15</a:t>
             </a:fld>
             <a:endParaRPr lang="zh-CN" altLang="en-US"/>
           </a:p>
@@ -1967,7 +2082,13 @@
       </p:sp>
       <p:sp>
         <p:nvSpPr>
-          <p:cNvPr id="3" name="页脚占位符 2"/>
+          <p:cNvPr id="3" name="页脚占位符 2">
+            <a:extLst>
+              <a:ext uri="{FF2B5EF4-FFF2-40B4-BE49-F238E27FC236}">
+                <a16:creationId xmlns:a16="http://schemas.microsoft.com/office/drawing/2014/main" id="{7F3D0B03-E65D-44B0-9B30-B7531358AD68}"/>
+              </a:ext>
+            </a:extLst>
+          </p:cNvPr>
           <p:cNvSpPr>
             <a:spLocks noGrp="1"/>
           </p:cNvSpPr>
@@ -1986,7 +2107,13 @@
       </p:sp>
       <p:sp>
         <p:nvSpPr>
-          <p:cNvPr id="4" name="灯片编号占位符 3"/>
+          <p:cNvPr id="4" name="灯片编号占位符 3">
+            <a:extLst>
+              <a:ext uri="{FF2B5EF4-FFF2-40B4-BE49-F238E27FC236}">
+                <a16:creationId xmlns:a16="http://schemas.microsoft.com/office/drawing/2014/main" id="{8F78C326-2AE7-4499-A958-183489418612}"/>
+              </a:ext>
+            </a:extLst>
+          </p:cNvPr>
           <p:cNvSpPr>
             <a:spLocks noGrp="1"/>
           </p:cNvSpPr>
@@ -1999,9 +2126,8 @@
           <a:bodyPr/>
           <a:lstStyle/>
           <a:p>
-            <a:fld id="{0C913308-F349-4B6D-A68A-DD1791B4A57B}" type="slidenum">
+            <a:fld id="{BCAFB0B1-DA11-46E2-9DB7-76A87A1DDAB9}" type="slidenum">
               <a:rPr lang="zh-CN" altLang="en-US" smtClean="0"/>
-              <a:pPr/>
               <a:t>‹#›</a:t>
             </a:fld>
             <a:endParaRPr lang="zh-CN" altLang="en-US"/>
@@ -2009,6 +2135,11 @@
         </p:txBody>
       </p:sp>
     </p:spTree>
+    <p:extLst>
+      <p:ext uri="{BB962C8B-B14F-4D97-AF65-F5344CB8AC3E}">
+        <p14:creationId xmlns:p14="http://schemas.microsoft.com/office/powerpoint/2010/main" val="2929138110"/>
+      </p:ext>
+    </p:extLst>
   </p:cSld>
   <p:clrMapOvr>
     <a:masterClrMapping/>
@@ -2035,7 +2166,13 @@
       </p:grpSpPr>
       <p:sp>
         <p:nvSpPr>
-          <p:cNvPr id="2" name="标题 1"/>
+          <p:cNvPr id="2" name="标题 1">
+            <a:extLst>
+              <a:ext uri="{FF2B5EF4-FFF2-40B4-BE49-F238E27FC236}">
+                <a16:creationId xmlns:a16="http://schemas.microsoft.com/office/drawing/2014/main" id="{80FDAAAC-4082-4A22-8837-EBDA8DCE0E32}"/>
+              </a:ext>
+            </a:extLst>
+          </p:cNvPr>
           <p:cNvSpPr>
             <a:spLocks noGrp="1"/>
           </p:cNvSpPr>
@@ -2045,29 +2182,34 @@
         </p:nvSpPr>
         <p:spPr>
           <a:xfrm>
-            <a:off x="457200" y="273050"/>
-            <a:ext cx="3008313" cy="1162050"/>
+            <a:off x="839788" y="457200"/>
+            <a:ext cx="3932237" cy="1600200"/>
           </a:xfrm>
         </p:spPr>
         <p:txBody>
           <a:bodyPr anchor="b"/>
           <a:lstStyle>
-            <a:lvl1pPr algn="l">
-              <a:defRPr sz="2000" b="1"/>
+            <a:lvl1pPr>
+              <a:defRPr sz="3200"/>
             </a:lvl1pPr>
           </a:lstStyle>
           <a:p>
             <a:r>
-              <a:rPr lang="zh-CN" altLang="en-US" smtClean="0"/>
+              <a:rPr lang="zh-CN" altLang="en-US"/>
               <a:t>单击此处编辑母版标题样式</a:t>
             </a:r>
-            <a:endParaRPr lang="zh-CN" altLang="en-US"/>
-          </a:p>
-        </p:txBody>
-      </p:sp>
-      <p:sp>
-        <p:nvSpPr>
-          <p:cNvPr id="3" name="内容占位符 2"/>
+          </a:p>
+        </p:txBody>
+      </p:sp>
+      <p:sp>
+        <p:nvSpPr>
+          <p:cNvPr id="3" name="内容占位符 2">
+            <a:extLst>
+              <a:ext uri="{FF2B5EF4-FFF2-40B4-BE49-F238E27FC236}">
+                <a16:creationId xmlns:a16="http://schemas.microsoft.com/office/drawing/2014/main" id="{805B3AA9-F133-49F4-8C3F-8FE3678542E8}"/>
+              </a:ext>
+            </a:extLst>
+          </p:cNvPr>
           <p:cNvSpPr>
             <a:spLocks noGrp="1"/>
           </p:cNvSpPr>
@@ -2077,8 +2219,8 @@
         </p:nvSpPr>
         <p:spPr>
           <a:xfrm>
-            <a:off x="3575050" y="273050"/>
-            <a:ext cx="5111750" cy="5853113"/>
+            <a:off x="5183188" y="987425"/>
+            <a:ext cx="6172200" cy="4873625"/>
           </a:xfrm>
         </p:spPr>
         <p:txBody>
@@ -2115,44 +2257,49 @@
           <a:p>
             <a:pPr lvl="0"/>
             <a:r>
-              <a:rPr lang="zh-CN" altLang="en-US" smtClean="0"/>
-              <a:t>单击此处编辑母版文本样式</a:t>
+              <a:rPr lang="zh-CN" altLang="en-US"/>
+              <a:t>编辑母版文本样式</a:t>
             </a:r>
           </a:p>
           <a:p>
             <a:pPr lvl="1"/>
             <a:r>
-              <a:rPr lang="zh-CN" altLang="en-US" smtClean="0"/>
+              <a:rPr lang="zh-CN" altLang="en-US"/>
               <a:t>第二级</a:t>
             </a:r>
           </a:p>
           <a:p>
             <a:pPr lvl="2"/>
             <a:r>
-              <a:rPr lang="zh-CN" altLang="en-US" smtClean="0"/>
+              <a:rPr lang="zh-CN" altLang="en-US"/>
               <a:t>第三级</a:t>
             </a:r>
           </a:p>
           <a:p>
             <a:pPr lvl="3"/>
             <a:r>
-              <a:rPr lang="zh-CN" altLang="en-US" smtClean="0"/>
+              <a:rPr lang="zh-CN" altLang="en-US"/>
               <a:t>第四级</a:t>
             </a:r>
           </a:p>
           <a:p>
             <a:pPr lvl="4"/>
             <a:r>
-              <a:rPr lang="zh-CN" altLang="en-US" smtClean="0"/>
+              <a:rPr lang="zh-CN" altLang="en-US"/>
               <a:t>第五级</a:t>
             </a:r>
-            <a:endParaRPr lang="zh-CN" altLang="en-US"/>
-          </a:p>
-        </p:txBody>
-      </p:sp>
-      <p:sp>
-        <p:nvSpPr>
-          <p:cNvPr id="4" name="文本占位符 3"/>
+          </a:p>
+        </p:txBody>
+      </p:sp>
+      <p:sp>
+        <p:nvSpPr>
+          <p:cNvPr id="4" name="文本占位符 3">
+            <a:extLst>
+              <a:ext uri="{FF2B5EF4-FFF2-40B4-BE49-F238E27FC236}">
+                <a16:creationId xmlns:a16="http://schemas.microsoft.com/office/drawing/2014/main" id="{21830F38-D213-4BD7-ABBC-0A5584976295}"/>
+              </a:ext>
+            </a:extLst>
+          </p:cNvPr>
           <p:cNvSpPr>
             <a:spLocks noGrp="1"/>
           </p:cNvSpPr>
@@ -2162,8 +2309,8 @@
         </p:nvSpPr>
         <p:spPr>
           <a:xfrm>
-            <a:off x="457200" y="1435100"/>
-            <a:ext cx="3008313" cy="4691063"/>
+            <a:off x="839788" y="2057400"/>
+            <a:ext cx="3932237" cy="3811588"/>
           </a:xfrm>
         </p:spPr>
         <p:txBody>
@@ -2171,53 +2318,59 @@
           <a:lstStyle>
             <a:lvl1pPr marL="0" indent="0">
               <a:buNone/>
-              <a:defRPr sz="1400"/>
+              <a:defRPr sz="1600"/>
             </a:lvl1pPr>
             <a:lvl2pPr marL="457200" indent="0">
               <a:buNone/>
-              <a:defRPr sz="1200"/>
+              <a:defRPr sz="1400"/>
             </a:lvl2pPr>
             <a:lvl3pPr marL="914400" indent="0">
               <a:buNone/>
-              <a:defRPr sz="1000"/>
+              <a:defRPr sz="1200"/>
             </a:lvl3pPr>
             <a:lvl4pPr marL="1371600" indent="0">
               <a:buNone/>
-              <a:defRPr sz="900"/>
+              <a:defRPr sz="1000"/>
             </a:lvl4pPr>
             <a:lvl5pPr marL="1828800" indent="0">
               <a:buNone/>
-              <a:defRPr sz="900"/>
+              <a:defRPr sz="1000"/>
             </a:lvl5pPr>
             <a:lvl6pPr marL="2286000" indent="0">
               <a:buNone/>
-              <a:defRPr sz="900"/>
+              <a:defRPr sz="1000"/>
             </a:lvl6pPr>
             <a:lvl7pPr marL="2743200" indent="0">
               <a:buNone/>
-              <a:defRPr sz="900"/>
+              <a:defRPr sz="1000"/>
             </a:lvl7pPr>
             <a:lvl8pPr marL="3200400" indent="0">
               <a:buNone/>
-              <a:defRPr sz="900"/>
+              <a:defRPr sz="1000"/>
             </a:lvl8pPr>
             <a:lvl9pPr marL="3657600" indent="0">
               <a:buNone/>
-              <a:defRPr sz="900"/>
+              <a:defRPr sz="1000"/>
             </a:lvl9pPr>
           </a:lstStyle>
           <a:p>
             <a:pPr lvl="0"/>
             <a:r>
-              <a:rPr lang="zh-CN" altLang="en-US" smtClean="0"/>
-              <a:t>单击此处编辑母版文本样式</a:t>
-            </a:r>
-          </a:p>
-        </p:txBody>
-      </p:sp>
-      <p:sp>
-        <p:nvSpPr>
-          <p:cNvPr id="5" name="日期占位符 4"/>
+              <a:rPr lang="zh-CN" altLang="en-US"/>
+              <a:t>编辑母版文本样式</a:t>
+            </a:r>
+          </a:p>
+        </p:txBody>
+      </p:sp>
+      <p:sp>
+        <p:nvSpPr>
+          <p:cNvPr id="5" name="日期占位符 4">
+            <a:extLst>
+              <a:ext uri="{FF2B5EF4-FFF2-40B4-BE49-F238E27FC236}">
+                <a16:creationId xmlns:a16="http://schemas.microsoft.com/office/drawing/2014/main" id="{F7B05B82-2756-4A66-AFA2-3E3985E2A851}"/>
+              </a:ext>
+            </a:extLst>
+          </p:cNvPr>
           <p:cNvSpPr>
             <a:spLocks noGrp="1"/>
           </p:cNvSpPr>
@@ -2230,10 +2383,9 @@
           <a:bodyPr/>
           <a:lstStyle/>
           <a:p>
-            <a:fld id="{530820CF-B880-4189-942D-D702A7CBA730}" type="datetimeFigureOut">
+            <a:fld id="{25E571D1-9E75-4AD9-8088-DCD141C10560}" type="datetimeFigureOut">
               <a:rPr lang="zh-CN" altLang="en-US" smtClean="0"/>
-              <a:pPr/>
-              <a:t>2018/11/15 Thursday</a:t>
+              <a:t>2019/11/15</a:t>
             </a:fld>
             <a:endParaRPr lang="zh-CN" altLang="en-US"/>
           </a:p>
@@ -2241,7 +2393,13 @@
       </p:sp>
       <p:sp>
         <p:nvSpPr>
-          <p:cNvPr id="6" name="页脚占位符 5"/>
+          <p:cNvPr id="6" name="页脚占位符 5">
+            <a:extLst>
+              <a:ext uri="{FF2B5EF4-FFF2-40B4-BE49-F238E27FC236}">
+                <a16:creationId xmlns:a16="http://schemas.microsoft.com/office/drawing/2014/main" id="{D6DBDCAE-6EA3-4A9C-B241-631CC8AC1CF9}"/>
+              </a:ext>
+            </a:extLst>
+          </p:cNvPr>
           <p:cNvSpPr>
             <a:spLocks noGrp="1"/>
           </p:cNvSpPr>
@@ -2260,7 +2418,13 @@
       </p:sp>
       <p:sp>
         <p:nvSpPr>
-          <p:cNvPr id="7" name="灯片编号占位符 6"/>
+          <p:cNvPr id="7" name="灯片编号占位符 6">
+            <a:extLst>
+              <a:ext uri="{FF2B5EF4-FFF2-40B4-BE49-F238E27FC236}">
+                <a16:creationId xmlns:a16="http://schemas.microsoft.com/office/drawing/2014/main" id="{0AC4FF0A-953C-42A7-8958-D39A101277B4}"/>
+              </a:ext>
+            </a:extLst>
+          </p:cNvPr>
           <p:cNvSpPr>
             <a:spLocks noGrp="1"/>
           </p:cNvSpPr>
@@ -2273,9 +2437,8 @@
           <a:bodyPr/>
           <a:lstStyle/>
           <a:p>
-            <a:fld id="{0C913308-F349-4B6D-A68A-DD1791B4A57B}" type="slidenum">
+            <a:fld id="{BCAFB0B1-DA11-46E2-9DB7-76A87A1DDAB9}" type="slidenum">
               <a:rPr lang="zh-CN" altLang="en-US" smtClean="0"/>
-              <a:pPr/>
               <a:t>‹#›</a:t>
             </a:fld>
             <a:endParaRPr lang="zh-CN" altLang="en-US"/>
@@ -2283,6 +2446,11 @@
         </p:txBody>
       </p:sp>
     </p:spTree>
+    <p:extLst>
+      <p:ext uri="{BB962C8B-B14F-4D97-AF65-F5344CB8AC3E}">
+        <p14:creationId xmlns:p14="http://schemas.microsoft.com/office/powerpoint/2010/main" val="2739828421"/>
+      </p:ext>
+    </p:extLst>
   </p:cSld>
   <p:clrMapOvr>
     <a:masterClrMapping/>
@@ -2309,7 +2477,13 @@
       </p:grpSpPr>
       <p:sp>
         <p:nvSpPr>
-          <p:cNvPr id="2" name="标题 1"/>
+          <p:cNvPr id="2" name="标题 1">
+            <a:extLst>
+              <a:ext uri="{FF2B5EF4-FFF2-40B4-BE49-F238E27FC236}">
+                <a16:creationId xmlns:a16="http://schemas.microsoft.com/office/drawing/2014/main" id="{226955CB-936B-49A2-83FE-F33CA2CBBA7E}"/>
+              </a:ext>
+            </a:extLst>
+          </p:cNvPr>
           <p:cNvSpPr>
             <a:spLocks noGrp="1"/>
           </p:cNvSpPr>
@@ -2319,29 +2493,34 @@
         </p:nvSpPr>
         <p:spPr>
           <a:xfrm>
-            <a:off x="1792288" y="4800600"/>
-            <a:ext cx="5486400" cy="566738"/>
+            <a:off x="839788" y="457200"/>
+            <a:ext cx="3932237" cy="1600200"/>
           </a:xfrm>
         </p:spPr>
         <p:txBody>
           <a:bodyPr anchor="b"/>
           <a:lstStyle>
-            <a:lvl1pPr algn="l">
-              <a:defRPr sz="2000" b="1"/>
+            <a:lvl1pPr>
+              <a:defRPr sz="3200"/>
             </a:lvl1pPr>
           </a:lstStyle>
           <a:p>
             <a:r>
-              <a:rPr lang="zh-CN" altLang="en-US" smtClean="0"/>
+              <a:rPr lang="zh-CN" altLang="en-US"/>
               <a:t>单击此处编辑母版标题样式</a:t>
             </a:r>
-            <a:endParaRPr lang="zh-CN" altLang="en-US"/>
-          </a:p>
-        </p:txBody>
-      </p:sp>
-      <p:sp>
-        <p:nvSpPr>
-          <p:cNvPr id="3" name="图片占位符 2"/>
+          </a:p>
+        </p:txBody>
+      </p:sp>
+      <p:sp>
+        <p:nvSpPr>
+          <p:cNvPr id="3" name="图片占位符 2">
+            <a:extLst>
+              <a:ext uri="{FF2B5EF4-FFF2-40B4-BE49-F238E27FC236}">
+                <a16:creationId xmlns:a16="http://schemas.microsoft.com/office/drawing/2014/main" id="{6F052BD5-959A-4C10-9E87-BCA697651B53}"/>
+              </a:ext>
+            </a:extLst>
+          </p:cNvPr>
           <p:cNvSpPr>
             <a:spLocks noGrp="1"/>
           </p:cNvSpPr>
@@ -2351,8 +2530,8 @@
         </p:nvSpPr>
         <p:spPr>
           <a:xfrm>
-            <a:off x="1792288" y="612775"/>
-            <a:ext cx="5486400" cy="4114800"/>
+            <a:off x="5183188" y="987425"/>
+            <a:ext cx="6172200" cy="4873625"/>
           </a:xfrm>
         </p:spPr>
         <p:txBody>
@@ -2402,7 +2581,13 @@
       </p:sp>
       <p:sp>
         <p:nvSpPr>
-          <p:cNvPr id="4" name="文本占位符 3"/>
+          <p:cNvPr id="4" name="文本占位符 3">
+            <a:extLst>
+              <a:ext uri="{FF2B5EF4-FFF2-40B4-BE49-F238E27FC236}">
+                <a16:creationId xmlns:a16="http://schemas.microsoft.com/office/drawing/2014/main" id="{065F1867-B54B-4F25-A98C-53CB91E20D30}"/>
+              </a:ext>
+            </a:extLst>
+          </p:cNvPr>
           <p:cNvSpPr>
             <a:spLocks noGrp="1"/>
           </p:cNvSpPr>
@@ -2412,8 +2597,8 @@
         </p:nvSpPr>
         <p:spPr>
           <a:xfrm>
-            <a:off x="1792288" y="5367338"/>
-            <a:ext cx="5486400" cy="804862"/>
+            <a:off x="839788" y="2057400"/>
+            <a:ext cx="3932237" cy="3811588"/>
           </a:xfrm>
         </p:spPr>
         <p:txBody>
@@ -2421,53 +2606,59 @@
           <a:lstStyle>
             <a:lvl1pPr marL="0" indent="0">
               <a:buNone/>
-              <a:defRPr sz="1400"/>
+              <a:defRPr sz="1600"/>
             </a:lvl1pPr>
             <a:lvl2pPr marL="457200" indent="0">
               <a:buNone/>
-              <a:defRPr sz="1200"/>
+              <a:defRPr sz="1400"/>
             </a:lvl2pPr>
             <a:lvl3pPr marL="914400" indent="0">
               <a:buNone/>
-              <a:defRPr sz="1000"/>
+              <a:defRPr sz="1200"/>
             </a:lvl3pPr>
             <a:lvl4pPr marL="1371600" indent="0">
               <a:buNone/>
-              <a:defRPr sz="900"/>
+              <a:defRPr sz="1000"/>
             </a:lvl4pPr>
             <a:lvl5pPr marL="1828800" indent="0">
               <a:buNone/>
-              <a:defRPr sz="900"/>
+              <a:defRPr sz="1000"/>
             </a:lvl5pPr>
             <a:lvl6pPr marL="2286000" indent="0">
               <a:buNone/>
-              <a:defRPr sz="900"/>
+              <a:defRPr sz="1000"/>
             </a:lvl6pPr>
             <a:lvl7pPr marL="2743200" indent="0">
               <a:buNone/>
-              <a:defRPr sz="900"/>
+              <a:defRPr sz="1000"/>
             </a:lvl7pPr>
             <a:lvl8pPr marL="3200400" indent="0">
               <a:buNone/>
-              <a:defRPr sz="900"/>
+              <a:defRPr sz="1000"/>
             </a:lvl8pPr>
             <a:lvl9pPr marL="3657600" indent="0">
               <a:buNone/>
-              <a:defRPr sz="900"/>
+              <a:defRPr sz="1000"/>
             </a:lvl9pPr>
           </a:lstStyle>
           <a:p>
             <a:pPr lvl="0"/>
             <a:r>
-              <a:rPr lang="zh-CN" altLang="en-US" smtClean="0"/>
-              <a:t>单击此处编辑母版文本样式</a:t>
-            </a:r>
-          </a:p>
-        </p:txBody>
-      </p:sp>
-      <p:sp>
-        <p:nvSpPr>
-          <p:cNvPr id="5" name="日期占位符 4"/>
+              <a:rPr lang="zh-CN" altLang="en-US"/>
+              <a:t>编辑母版文本样式</a:t>
+            </a:r>
+          </a:p>
+        </p:txBody>
+      </p:sp>
+      <p:sp>
+        <p:nvSpPr>
+          <p:cNvPr id="5" name="日期占位符 4">
+            <a:extLst>
+              <a:ext uri="{FF2B5EF4-FFF2-40B4-BE49-F238E27FC236}">
+                <a16:creationId xmlns:a16="http://schemas.microsoft.com/office/drawing/2014/main" id="{BC3687B0-1ACB-41D6-B290-40129DA06B41}"/>
+              </a:ext>
+            </a:extLst>
+          </p:cNvPr>
           <p:cNvSpPr>
             <a:spLocks noGrp="1"/>
           </p:cNvSpPr>
@@ -2480,10 +2671,9 @@
           <a:bodyPr/>
           <a:lstStyle/>
           <a:p>
-            <a:fld id="{530820CF-B880-4189-942D-D702A7CBA730}" type="datetimeFigureOut">
+            <a:fld id="{25E571D1-9E75-4AD9-8088-DCD141C10560}" type="datetimeFigureOut">
               <a:rPr lang="zh-CN" altLang="en-US" smtClean="0"/>
-              <a:pPr/>
-              <a:t>2018/11/15 Thursday</a:t>
+              <a:t>2019/11/15</a:t>
             </a:fld>
             <a:endParaRPr lang="zh-CN" altLang="en-US"/>
           </a:p>
@@ -2491,7 +2681,13 @@
       </p:sp>
       <p:sp>
         <p:nvSpPr>
-          <p:cNvPr id="6" name="页脚占位符 5"/>
+          <p:cNvPr id="6" name="页脚占位符 5">
+            <a:extLst>
+              <a:ext uri="{FF2B5EF4-FFF2-40B4-BE49-F238E27FC236}">
+                <a16:creationId xmlns:a16="http://schemas.microsoft.com/office/drawing/2014/main" id="{D3470CB1-BC31-4A47-BFC2-01D1DD0AC281}"/>
+              </a:ext>
+            </a:extLst>
+          </p:cNvPr>
           <p:cNvSpPr>
             <a:spLocks noGrp="1"/>
           </p:cNvSpPr>
@@ -2510,7 +2706,13 @@
       </p:sp>
       <p:sp>
         <p:nvSpPr>
-          <p:cNvPr id="7" name="灯片编号占位符 6"/>
+          <p:cNvPr id="7" name="灯片编号占位符 6">
+            <a:extLst>
+              <a:ext uri="{FF2B5EF4-FFF2-40B4-BE49-F238E27FC236}">
+                <a16:creationId xmlns:a16="http://schemas.microsoft.com/office/drawing/2014/main" id="{20B7804F-F66C-4DC2-98FD-3823904FCDCD}"/>
+              </a:ext>
+            </a:extLst>
+          </p:cNvPr>
           <p:cNvSpPr>
             <a:spLocks noGrp="1"/>
           </p:cNvSpPr>
@@ -2523,9 +2725,8 @@
           <a:bodyPr/>
           <a:lstStyle/>
           <a:p>
-            <a:fld id="{0C913308-F349-4B6D-A68A-DD1791B4A57B}" type="slidenum">
+            <a:fld id="{BCAFB0B1-DA11-46E2-9DB7-76A87A1DDAB9}" type="slidenum">
               <a:rPr lang="zh-CN" altLang="en-US" smtClean="0"/>
-              <a:pPr/>
               <a:t>‹#›</a:t>
             </a:fld>
             <a:endParaRPr lang="zh-CN" altLang="en-US"/>
@@ -2533,6 +2734,11 @@
         </p:txBody>
       </p:sp>
     </p:spTree>
+    <p:extLst>
+      <p:ext uri="{BB962C8B-B14F-4D97-AF65-F5344CB8AC3E}">
+        <p14:creationId xmlns:p14="http://schemas.microsoft.com/office/powerpoint/2010/main" val="2623525845"/>
+      </p:ext>
+    </p:extLst>
   </p:cSld>
   <p:clrMapOvr>
     <a:masterClrMapping/>
@@ -2564,7 +2770,13 @@
       </p:grpSpPr>
       <p:sp>
         <p:nvSpPr>
-          <p:cNvPr id="2" name="标题占位符 1"/>
+          <p:cNvPr id="2" name="标题占位符 1">
+            <a:extLst>
+              <a:ext uri="{FF2B5EF4-FFF2-40B4-BE49-F238E27FC236}">
+                <a16:creationId xmlns:a16="http://schemas.microsoft.com/office/drawing/2014/main" id="{124181AF-A6AE-422D-9DEC-D0EED6F893FE}"/>
+              </a:ext>
+            </a:extLst>
+          </p:cNvPr>
           <p:cNvSpPr>
             <a:spLocks noGrp="1"/>
           </p:cNvSpPr>
@@ -2574,8 +2786,8 @@
         </p:nvSpPr>
         <p:spPr>
           <a:xfrm>
-            <a:off x="457200" y="274638"/>
-            <a:ext cx="8229600" cy="1143000"/>
+            <a:off x="838200" y="365125"/>
+            <a:ext cx="10515600" cy="1325563"/>
           </a:xfrm>
           <a:prstGeom prst="rect">
             <a:avLst/>
@@ -2588,16 +2800,21 @@
           <a:lstStyle/>
           <a:p>
             <a:r>
-              <a:rPr lang="zh-CN" altLang="en-US" smtClean="0"/>
+              <a:rPr lang="zh-CN" altLang="en-US"/>
               <a:t>单击此处编辑母版标题样式</a:t>
             </a:r>
-            <a:endParaRPr lang="zh-CN" altLang="en-US"/>
-          </a:p>
-        </p:txBody>
-      </p:sp>
-      <p:sp>
-        <p:nvSpPr>
-          <p:cNvPr id="3" name="文本占位符 2"/>
+          </a:p>
+        </p:txBody>
+      </p:sp>
+      <p:sp>
+        <p:nvSpPr>
+          <p:cNvPr id="3" name="文本占位符 2">
+            <a:extLst>
+              <a:ext uri="{FF2B5EF4-FFF2-40B4-BE49-F238E27FC236}">
+                <a16:creationId xmlns:a16="http://schemas.microsoft.com/office/drawing/2014/main" id="{9400FC55-C0A5-447B-9EA5-BE2240B71FB0}"/>
+              </a:ext>
+            </a:extLst>
+          </p:cNvPr>
           <p:cNvSpPr>
             <a:spLocks noGrp="1"/>
           </p:cNvSpPr>
@@ -2607,8 +2824,8 @@
         </p:nvSpPr>
         <p:spPr>
           <a:xfrm>
-            <a:off x="457200" y="1600200"/>
-            <a:ext cx="8229600" cy="4525963"/>
+            <a:off x="838200" y="1825625"/>
+            <a:ext cx="10515600" cy="4351338"/>
           </a:xfrm>
           <a:prstGeom prst="rect">
             <a:avLst/>
@@ -2622,44 +2839,49 @@
           <a:p>
             <a:pPr lvl="0"/>
             <a:r>
-              <a:rPr lang="zh-CN" altLang="en-US" smtClean="0"/>
-              <a:t>单击此处编辑母版文本样式</a:t>
+              <a:rPr lang="zh-CN" altLang="en-US"/>
+              <a:t>编辑母版文本样式</a:t>
             </a:r>
           </a:p>
           <a:p>
             <a:pPr lvl="1"/>
             <a:r>
-              <a:rPr lang="zh-CN" altLang="en-US" smtClean="0"/>
+              <a:rPr lang="zh-CN" altLang="en-US"/>
               <a:t>第二级</a:t>
             </a:r>
           </a:p>
           <a:p>
             <a:pPr lvl="2"/>
             <a:r>
-              <a:rPr lang="zh-CN" altLang="en-US" smtClean="0"/>
+              <a:rPr lang="zh-CN" altLang="en-US"/>
               <a:t>第三级</a:t>
             </a:r>
           </a:p>
           <a:p>
             <a:pPr lvl="3"/>
             <a:r>
-              <a:rPr lang="zh-CN" altLang="en-US" smtClean="0"/>
+              <a:rPr lang="zh-CN" altLang="en-US"/>
               <a:t>第四级</a:t>
             </a:r>
           </a:p>
           <a:p>
             <a:pPr lvl="4"/>
             <a:r>
-              <a:rPr lang="zh-CN" altLang="en-US" smtClean="0"/>
+              <a:rPr lang="zh-CN" altLang="en-US"/>
               <a:t>第五级</a:t>
             </a:r>
-            <a:endParaRPr lang="zh-CN" altLang="en-US"/>
-          </a:p>
-        </p:txBody>
-      </p:sp>
-      <p:sp>
-        <p:nvSpPr>
-          <p:cNvPr id="4" name="日期占位符 3"/>
+          </a:p>
+        </p:txBody>
+      </p:sp>
+      <p:sp>
+        <p:nvSpPr>
+          <p:cNvPr id="4" name="日期占位符 3">
+            <a:extLst>
+              <a:ext uri="{FF2B5EF4-FFF2-40B4-BE49-F238E27FC236}">
+                <a16:creationId xmlns:a16="http://schemas.microsoft.com/office/drawing/2014/main" id="{A25EF194-70F0-44E5-95CC-4B5496392C5F}"/>
+              </a:ext>
+            </a:extLst>
+          </p:cNvPr>
           <p:cNvSpPr>
             <a:spLocks noGrp="1"/>
           </p:cNvSpPr>
@@ -2669,8 +2891,8 @@
         </p:nvSpPr>
         <p:spPr>
           <a:xfrm>
-            <a:off x="457200" y="6356350"/>
-            <a:ext cx="2133600" cy="365125"/>
+            <a:off x="838200" y="6356350"/>
+            <a:ext cx="2743200" cy="365125"/>
           </a:xfrm>
           <a:prstGeom prst="rect">
             <a:avLst/>
@@ -2690,10 +2912,9 @@
             </a:lvl1pPr>
           </a:lstStyle>
           <a:p>
-            <a:fld id="{530820CF-B880-4189-942D-D702A7CBA730}" type="datetimeFigureOut">
+            <a:fld id="{25E571D1-9E75-4AD9-8088-DCD141C10560}" type="datetimeFigureOut">
               <a:rPr lang="zh-CN" altLang="en-US" smtClean="0"/>
-              <a:pPr/>
-              <a:t>2018/11/15 Thursday</a:t>
+              <a:t>2019/11/15</a:t>
             </a:fld>
             <a:endParaRPr lang="zh-CN" altLang="en-US"/>
           </a:p>
@@ -2701,7 +2922,13 @@
       </p:sp>
       <p:sp>
         <p:nvSpPr>
-          <p:cNvPr id="5" name="页脚占位符 4"/>
+          <p:cNvPr id="5" name="页脚占位符 4">
+            <a:extLst>
+              <a:ext uri="{FF2B5EF4-FFF2-40B4-BE49-F238E27FC236}">
+                <a16:creationId xmlns:a16="http://schemas.microsoft.com/office/drawing/2014/main" id="{4AB6A0BD-BC3F-4460-9B5A-F8AFE8DD5AF4}"/>
+              </a:ext>
+            </a:extLst>
+          </p:cNvPr>
           <p:cNvSpPr>
             <a:spLocks noGrp="1"/>
           </p:cNvSpPr>
@@ -2711,8 +2938,8 @@
         </p:nvSpPr>
         <p:spPr>
           <a:xfrm>
-            <a:off x="3124200" y="6356350"/>
-            <a:ext cx="2895600" cy="365125"/>
+            <a:off x="4038600" y="6356350"/>
+            <a:ext cx="4114800" cy="365125"/>
           </a:xfrm>
           <a:prstGeom prst="rect">
             <a:avLst/>
@@ -2738,7 +2965,13 @@
       </p:sp>
       <p:sp>
         <p:nvSpPr>
-          <p:cNvPr id="6" name="灯片编号占位符 5"/>
+          <p:cNvPr id="6" name="灯片编号占位符 5">
+            <a:extLst>
+              <a:ext uri="{FF2B5EF4-FFF2-40B4-BE49-F238E27FC236}">
+                <a16:creationId xmlns:a16="http://schemas.microsoft.com/office/drawing/2014/main" id="{5C69358C-D102-463E-8C89-8D98C743E260}"/>
+              </a:ext>
+            </a:extLst>
+          </p:cNvPr>
           <p:cNvSpPr>
             <a:spLocks noGrp="1"/>
           </p:cNvSpPr>
@@ -2748,8 +2981,8 @@
         </p:nvSpPr>
         <p:spPr>
           <a:xfrm>
-            <a:off x="6553200" y="6356350"/>
-            <a:ext cx="2133600" cy="365125"/>
+            <a:off x="8610600" y="6356350"/>
+            <a:ext cx="2743200" cy="365125"/>
           </a:xfrm>
           <a:prstGeom prst="rect">
             <a:avLst/>
@@ -2769,9 +3002,8 @@
             </a:lvl1pPr>
           </a:lstStyle>
           <a:p>
-            <a:fld id="{0C913308-F349-4B6D-A68A-DD1791B4A57B}" type="slidenum">
+            <a:fld id="{BCAFB0B1-DA11-46E2-9DB7-76A87A1DDAB9}" type="slidenum">
               <a:rPr lang="zh-CN" altLang="en-US" smtClean="0"/>
-              <a:pPr/>
               <a:t>‹#›</a:t>
             </a:fld>
             <a:endParaRPr lang="zh-CN" altLang="en-US"/>
@@ -2779,6 +3011,11 @@
         </p:txBody>
       </p:sp>
     </p:spTree>
+    <p:extLst>
+      <p:ext uri="{BB962C8B-B14F-4D97-AF65-F5344CB8AC3E}">
+        <p14:creationId xmlns:p14="http://schemas.microsoft.com/office/powerpoint/2010/main" val="1330462636"/>
+      </p:ext>
+    </p:extLst>
   </p:cSld>
   <p:clrMap bg1="lt1" tx1="dk1" bg2="lt2" tx2="dk2" accent1="accent1" accent2="accent2" accent3="accent3" accent4="accent4" accent5="accent5" accent6="accent6" hlink="hlink" folHlink="folHlink"/>
   <p:sldLayoutIdLst>
@@ -2796,7 +3033,10 @@
   </p:sldLayoutIdLst>
   <p:txStyles>
     <p:titleStyle>
-      <a:lvl1pPr algn="ctr" defTabSz="914400" rtl="0" eaLnBrk="1" latinLnBrk="0" hangingPunct="1">
+      <a:lvl1pPr algn="l" defTabSz="914400" rtl="0" eaLnBrk="1" latinLnBrk="0" hangingPunct="1">
+        <a:lnSpc>
+          <a:spcPct val="90000"/>
+        </a:lnSpc>
         <a:spcBef>
           <a:spcPct val="0"/>
         </a:spcBef>
@@ -2812,13 +3052,16 @@
       </a:lvl1pPr>
     </p:titleStyle>
     <p:bodyStyle>
-      <a:lvl1pPr marL="342900" indent="-342900" algn="l" defTabSz="914400" rtl="0" eaLnBrk="1" latinLnBrk="0" hangingPunct="1">
+      <a:lvl1pPr marL="228600" indent="-228600" algn="l" defTabSz="914400" rtl="0" eaLnBrk="1" latinLnBrk="0" hangingPunct="1">
+        <a:lnSpc>
+          <a:spcPct val="90000"/>
+        </a:lnSpc>
         <a:spcBef>
-          <a:spcPct val="20000"/>
+          <a:spcPts val="1000"/>
         </a:spcBef>
-        <a:buFont typeface="Arial" pitchFamily="34" charset="0"/>
+        <a:buFont typeface="Arial" panose="020B0604020202020204" pitchFamily="34" charset="0"/>
         <a:buChar char="•"/>
-        <a:defRPr sz="3200" kern="1200">
+        <a:defRPr sz="2800" kern="1200">
           <a:solidFill>
             <a:schemeClr val="tx1"/>
           </a:solidFill>
@@ -2827,13 +3070,16 @@
           <a:cs typeface="+mn-cs"/>
         </a:defRPr>
       </a:lvl1pPr>
-      <a:lvl2pPr marL="742950" indent="-285750" algn="l" defTabSz="914400" rtl="0" eaLnBrk="1" latinLnBrk="0" hangingPunct="1">
+      <a:lvl2pPr marL="685800" indent="-228600" algn="l" defTabSz="914400" rtl="0" eaLnBrk="1" latinLnBrk="0" hangingPunct="1">
+        <a:lnSpc>
+          <a:spcPct val="90000"/>
+        </a:lnSpc>
         <a:spcBef>
-          <a:spcPct val="20000"/>
+          <a:spcPts val="500"/>
         </a:spcBef>
-        <a:buFont typeface="Arial" pitchFamily="34" charset="0"/>
-        <a:buChar char="–"/>
-        <a:defRPr sz="2800" kern="1200">
+        <a:buFont typeface="Arial" panose="020B0604020202020204" pitchFamily="34" charset="0"/>
+        <a:buChar char="•"/>
+        <a:defRPr sz="2400" kern="1200">
           <a:solidFill>
             <a:schemeClr val="tx1"/>
           </a:solidFill>
@@ -2843,12 +3089,15 @@
         </a:defRPr>
       </a:lvl2pPr>
       <a:lvl3pPr marL="1143000" indent="-228600" algn="l" defTabSz="914400" rtl="0" eaLnBrk="1" latinLnBrk="0" hangingPunct="1">
+        <a:lnSpc>
+          <a:spcPct val="90000"/>
+        </a:lnSpc>
         <a:spcBef>
-          <a:spcPct val="20000"/>
+          <a:spcPts val="500"/>
         </a:spcBef>
-        <a:buFont typeface="Arial" pitchFamily="34" charset="0"/>
+        <a:buFont typeface="Arial" panose="020B0604020202020204" pitchFamily="34" charset="0"/>
         <a:buChar char="•"/>
-        <a:defRPr sz="2400" kern="1200">
+        <a:defRPr sz="2000" kern="1200">
           <a:solidFill>
             <a:schemeClr val="tx1"/>
           </a:solidFill>
@@ -2858,12 +3107,15 @@
         </a:defRPr>
       </a:lvl3pPr>
       <a:lvl4pPr marL="1600200" indent="-228600" algn="l" defTabSz="914400" rtl="0" eaLnBrk="1" latinLnBrk="0" hangingPunct="1">
+        <a:lnSpc>
+          <a:spcPct val="90000"/>
+        </a:lnSpc>
         <a:spcBef>
-          <a:spcPct val="20000"/>
+          <a:spcPts val="500"/>
         </a:spcBef>
-        <a:buFont typeface="Arial" pitchFamily="34" charset="0"/>
-        <a:buChar char="–"/>
-        <a:defRPr sz="2000" kern="1200">
+        <a:buFont typeface="Arial" panose="020B0604020202020204" pitchFamily="34" charset="0"/>
+        <a:buChar char="•"/>
+        <a:defRPr sz="1800" kern="1200">
           <a:solidFill>
             <a:schemeClr val="tx1"/>
           </a:solidFill>
@@ -2873,12 +3125,15 @@
         </a:defRPr>
       </a:lvl4pPr>
       <a:lvl5pPr marL="2057400" indent="-228600" algn="l" defTabSz="914400" rtl="0" eaLnBrk="1" latinLnBrk="0" hangingPunct="1">
+        <a:lnSpc>
+          <a:spcPct val="90000"/>
+        </a:lnSpc>
         <a:spcBef>
-          <a:spcPct val="20000"/>
+          <a:spcPts val="500"/>
         </a:spcBef>
-        <a:buFont typeface="Arial" pitchFamily="34" charset="0"/>
-        <a:buChar char="»"/>
-        <a:defRPr sz="2000" kern="1200">
+        <a:buFont typeface="Arial" panose="020B0604020202020204" pitchFamily="34" charset="0"/>
+        <a:buChar char="•"/>
+        <a:defRPr sz="1800" kern="1200">
           <a:solidFill>
             <a:schemeClr val="tx1"/>
           </a:solidFill>
@@ -2888,12 +3143,15 @@
         </a:defRPr>
       </a:lvl5pPr>
       <a:lvl6pPr marL="2514600" indent="-228600" algn="l" defTabSz="914400" rtl="0" eaLnBrk="1" latinLnBrk="0" hangingPunct="1">
+        <a:lnSpc>
+          <a:spcPct val="90000"/>
+        </a:lnSpc>
         <a:spcBef>
-          <a:spcPct val="20000"/>
+          <a:spcPts val="500"/>
         </a:spcBef>
-        <a:buFont typeface="Arial" pitchFamily="34" charset="0"/>
+        <a:buFont typeface="Arial" panose="020B0604020202020204" pitchFamily="34" charset="0"/>
         <a:buChar char="•"/>
-        <a:defRPr sz="2000" kern="1200">
+        <a:defRPr sz="1800" kern="1200">
           <a:solidFill>
             <a:schemeClr val="tx1"/>
           </a:solidFill>
@@ -2903,12 +3161,15 @@
         </a:defRPr>
       </a:lvl6pPr>
       <a:lvl7pPr marL="2971800" indent="-228600" algn="l" defTabSz="914400" rtl="0" eaLnBrk="1" latinLnBrk="0" hangingPunct="1">
+        <a:lnSpc>
+          <a:spcPct val="90000"/>
+        </a:lnSpc>
         <a:spcBef>
-          <a:spcPct val="20000"/>
+          <a:spcPts val="500"/>
         </a:spcBef>
-        <a:buFont typeface="Arial" pitchFamily="34" charset="0"/>
+        <a:buFont typeface="Arial" panose="020B0604020202020204" pitchFamily="34" charset="0"/>
         <a:buChar char="•"/>
-        <a:defRPr sz="2000" kern="1200">
+        <a:defRPr sz="1800" kern="1200">
           <a:solidFill>
             <a:schemeClr val="tx1"/>
           </a:solidFill>
@@ -2918,12 +3179,15 @@
         </a:defRPr>
       </a:lvl7pPr>
       <a:lvl8pPr marL="3429000" indent="-228600" algn="l" defTabSz="914400" rtl="0" eaLnBrk="1" latinLnBrk="0" hangingPunct="1">
+        <a:lnSpc>
+          <a:spcPct val="90000"/>
+        </a:lnSpc>
         <a:spcBef>
-          <a:spcPct val="20000"/>
+          <a:spcPts val="500"/>
         </a:spcBef>
-        <a:buFont typeface="Arial" pitchFamily="34" charset="0"/>
+        <a:buFont typeface="Arial" panose="020B0604020202020204" pitchFamily="34" charset="0"/>
         <a:buChar char="•"/>
-        <a:defRPr sz="2000" kern="1200">
+        <a:defRPr sz="1800" kern="1200">
           <a:solidFill>
             <a:schemeClr val="tx1"/>
           </a:solidFill>
@@ -2933,12 +3197,15 @@
         </a:defRPr>
       </a:lvl8pPr>
       <a:lvl9pPr marL="3886200" indent="-228600" algn="l" defTabSz="914400" rtl="0" eaLnBrk="1" latinLnBrk="0" hangingPunct="1">
+        <a:lnSpc>
+          <a:spcPct val="90000"/>
+        </a:lnSpc>
         <a:spcBef>
-          <a:spcPct val="20000"/>
+          <a:spcPts val="500"/>
         </a:spcBef>
-        <a:buFont typeface="Arial" pitchFamily="34" charset="0"/>
+        <a:buFont typeface="Arial" panose="020B0604020202020204" pitchFamily="34" charset="0"/>
         <a:buChar char="•"/>
-        <a:defRPr sz="2000" kern="1200">
+        <a:defRPr sz="1800" kern="1200">
           <a:solidFill>
             <a:schemeClr val="tx1"/>
           </a:solidFill>
@@ -3066,7 +3333,13 @@
       </p:grpSpPr>
       <p:sp>
         <p:nvSpPr>
-          <p:cNvPr id="2" name="标题 1"/>
+          <p:cNvPr id="2" name="标题 1">
+            <a:extLst>
+              <a:ext uri="{FF2B5EF4-FFF2-40B4-BE49-F238E27FC236}">
+                <a16:creationId xmlns:a16="http://schemas.microsoft.com/office/drawing/2014/main" id="{3F926E8E-C1A2-480E-AD40-890456A61170}"/>
+              </a:ext>
+            </a:extLst>
+          </p:cNvPr>
           <p:cNvSpPr>
             <a:spLocks noGrp="1"/>
           </p:cNvSpPr>
@@ -3076,8 +3349,8 @@
         </p:nvSpPr>
         <p:spPr>
           <a:xfrm>
-            <a:off x="683568" y="476672"/>
-            <a:ext cx="7772400" cy="1470025"/>
+            <a:off x="2139519" y="1020932"/>
+            <a:ext cx="7543060" cy="1592386"/>
           </a:xfrm>
         </p:spPr>
         <p:txBody>
@@ -3085,14 +3358,19 @@
           <a:lstStyle/>
           <a:p>
             <a:r>
-              <a:rPr lang="en-US" altLang="zh-CN" dirty="0" smtClean="0"/>
-              <a:t>Summary of work</a:t>
+              <a:rPr lang="en-US" altLang="zh-CN" dirty="0"/>
+              <a:t>The summary of work</a:t>
             </a:r>
             <a:endParaRPr lang="zh-CN" altLang="en-US" dirty="0"/>
           </a:p>
         </p:txBody>
       </p:sp>
     </p:spTree>
+    <p:extLst>
+      <p:ext uri="{BB962C8B-B14F-4D97-AF65-F5344CB8AC3E}">
+        <p14:creationId xmlns:p14="http://schemas.microsoft.com/office/powerpoint/2010/main" val="1505153275"/>
+      </p:ext>
+    </p:extLst>
   </p:cSld>
   <p:clrMapOvr>
     <a:masterClrMapping/>
@@ -3117,919 +3395,102 @@
           <a:chExt cx="0" cy="0"/>
         </a:xfrm>
       </p:grpSpPr>
-      <p:pic>
-        <p:nvPicPr>
-          <p:cNvPr id="6" name="図 2"/>
-          <p:cNvPicPr>
-            <a:picLocks noChangeAspect="1"/>
-          </p:cNvPicPr>
-          <p:nvPr/>
-        </p:nvPicPr>
-        <p:blipFill>
-          <a:blip r:embed="rId2" cstate="print"/>
-          <a:stretch>
-            <a:fillRect/>
-          </a:stretch>
-        </p:blipFill>
+      <p:sp>
+        <p:nvSpPr>
+          <p:cNvPr id="2" name="标题 1">
+            <a:extLst>
+              <a:ext uri="{FF2B5EF4-FFF2-40B4-BE49-F238E27FC236}">
+                <a16:creationId xmlns:a16="http://schemas.microsoft.com/office/drawing/2014/main" id="{60584185-8F38-4972-874E-F63D301917C1}"/>
+              </a:ext>
+            </a:extLst>
+          </p:cNvPr>
+          <p:cNvSpPr>
+            <a:spLocks noGrp="1"/>
+          </p:cNvSpPr>
+          <p:nvPr>
+            <p:ph type="title"/>
+          </p:nvPr>
+        </p:nvSpPr>
         <p:spPr>
           <a:xfrm>
-            <a:off x="467544" y="1628800"/>
-            <a:ext cx="4440804" cy="2900654"/>
+            <a:off x="1590675" y="403225"/>
+            <a:ext cx="10515600" cy="1325563"/>
           </a:xfrm>
-          <a:prstGeom prst="rect">
-            <a:avLst/>
-          </a:prstGeom>
         </p:spPr>
-      </p:pic>
-      <p:pic>
-        <p:nvPicPr>
-          <p:cNvPr id="7" name="図 14"/>
-          <p:cNvPicPr>
-            <a:picLocks noChangeAspect="1"/>
-          </p:cNvPicPr>
-          <p:nvPr/>
-        </p:nvPicPr>
-        <p:blipFill>
-          <a:blip r:embed="rId3" cstate="print"/>
-          <a:stretch>
-            <a:fillRect/>
-          </a:stretch>
-        </p:blipFill>
+        <p:txBody>
+          <a:bodyPr>
+            <a:normAutofit/>
+          </a:bodyPr>
+          <a:lstStyle/>
+          <a:p>
+            <a:r>
+              <a:rPr lang="en-US" altLang="zh-CN" sz="3200" b="1" dirty="0"/>
+              <a:t>In the last week, I do four tasks as follows.</a:t>
+            </a:r>
+            <a:endParaRPr lang="zh-CN" altLang="en-US" sz="3200" b="1" dirty="0"/>
+          </a:p>
+        </p:txBody>
+      </p:sp>
+      <p:sp>
+        <p:nvSpPr>
+          <p:cNvPr id="6" name="内容占位符 2">
+            <a:extLst>
+              <a:ext uri="{FF2B5EF4-FFF2-40B4-BE49-F238E27FC236}">
+                <a16:creationId xmlns:a16="http://schemas.microsoft.com/office/drawing/2014/main" id="{A36680E8-D67A-4B5A-B3F2-19A70128188D}"/>
+              </a:ext>
+            </a:extLst>
+          </p:cNvPr>
+          <p:cNvSpPr>
+            <a:spLocks noGrp="1"/>
+          </p:cNvSpPr>
+          <p:nvPr>
+            <p:ph idx="1"/>
+          </p:nvPr>
+        </p:nvSpPr>
         <p:spPr>
           <a:xfrm>
-            <a:off x="5101904" y="1772816"/>
-            <a:ext cx="4042096" cy="3620320"/>
+            <a:off x="630962" y="1916806"/>
+            <a:ext cx="10515600" cy="4351338"/>
           </a:xfrm>
-          <a:prstGeom prst="rect">
-            <a:avLst/>
-          </a:prstGeom>
         </p:spPr>
-      </p:pic>
-      <p:graphicFrame>
-        <p:nvGraphicFramePr>
-          <p:cNvPr id="8" name="表 3"/>
-          <p:cNvGraphicFramePr>
-            <a:graphicFrameLocks noGrp="1"/>
-          </p:cNvGraphicFramePr>
-          <p:nvPr>
-            <p:extLst>
-              <p:ext uri="{D42A27DB-BD31-4B8C-83A1-F6EECF244321}">
-                <p14:modId xmlns:p14="http://schemas.microsoft.com/office/powerpoint/2010/main" xmlns="" val="605539152"/>
-              </p:ext>
-            </p:extLst>
-          </p:nvPr>
-        </p:nvGraphicFramePr>
-        <p:xfrm>
-          <a:off x="467544" y="4797152"/>
-          <a:ext cx="4355976" cy="1529328"/>
-        </p:xfrm>
-        <a:graphic>
-          <a:graphicData uri="http://schemas.openxmlformats.org/drawingml/2006/table">
-            <a:tbl>
-              <a:tblPr firstRow="1" bandRow="1">
-                <a:tableStyleId>{5C22544A-7EE6-4342-B048-85BDC9FD1C3A}</a:tableStyleId>
-              </a:tblPr>
-              <a:tblGrid>
-                <a:gridCol w="1088994">
-                  <a:extLst>
-                    <a:ext uri="{9D8B030D-6E8A-4147-A177-3AD203B41FA5}">
-                      <a16:colId xmlns:a16="http://schemas.microsoft.com/office/drawing/2014/main" xmlns="" val="2298370745"/>
-                    </a:ext>
-                  </a:extLst>
-                </a:gridCol>
-                <a:gridCol w="1088994">
-                  <a:extLst>
-                    <a:ext uri="{9D8B030D-6E8A-4147-A177-3AD203B41FA5}">
-                      <a16:colId xmlns:a16="http://schemas.microsoft.com/office/drawing/2014/main" xmlns="" val="3828974377"/>
-                    </a:ext>
-                  </a:extLst>
-                </a:gridCol>
-                <a:gridCol w="1088994">
-                  <a:extLst>
-                    <a:ext uri="{9D8B030D-6E8A-4147-A177-3AD203B41FA5}">
-                      <a16:colId xmlns:a16="http://schemas.microsoft.com/office/drawing/2014/main" xmlns="" val="1788979827"/>
-                    </a:ext>
-                  </a:extLst>
-                </a:gridCol>
-                <a:gridCol w="1088994">
-                  <a:extLst>
-                    <a:ext uri="{9D8B030D-6E8A-4147-A177-3AD203B41FA5}">
-                      <a16:colId xmlns:a16="http://schemas.microsoft.com/office/drawing/2014/main" xmlns="" val="2789875873"/>
-                    </a:ext>
-                  </a:extLst>
-                </a:gridCol>
-              </a:tblGrid>
-              <a:tr h="552257">
-                <a:tc>
-                  <a:txBody>
-                    <a:bodyPr/>
-                    <a:lstStyle/>
-                    <a:p>
-                      <a:pPr marL="0" marR="0" lvl="0" indent="0" algn="ctr" defTabSz="914400" rtl="0" eaLnBrk="1" fontAlgn="auto" latinLnBrk="0" hangingPunct="1">
-                        <a:lnSpc>
-                          <a:spcPct val="100000"/>
-                        </a:lnSpc>
-                        <a:spcBef>
-                          <a:spcPts val="0"/>
-                        </a:spcBef>
-                        <a:spcAft>
-                          <a:spcPts val="0"/>
-                        </a:spcAft>
-                        <a:buClrTx/>
-                        <a:buSzTx/>
-                        <a:buFontTx/>
-                        <a:buNone/>
-                        <a:tabLst/>
-                        <a:defRPr/>
-                      </a:pPr>
-                      <a:r>
-                        <a:rPr kumimoji="1" lang="en-US" altLang="ja-JP" sz="2000" b="0" i="1" dirty="0">
-                          <a:solidFill>
-                            <a:schemeClr val="tx1"/>
-                          </a:solidFill>
-                          <a:latin typeface="Times New Roman" panose="02020603050405020304" pitchFamily="18" charset="0"/>
-                          <a:cs typeface="Times New Roman" panose="02020603050405020304" pitchFamily="18" charset="0"/>
-                        </a:rPr>
-                        <a:t>l</a:t>
-                      </a:r>
-                      <a:r>
-                        <a:rPr kumimoji="1" lang="en-US" altLang="ja-JP" sz="2000" b="0" baseline="-25000" dirty="0">
-                          <a:solidFill>
-                            <a:schemeClr val="tx1"/>
-                          </a:solidFill>
-                          <a:latin typeface="Times New Roman" panose="02020603050405020304" pitchFamily="18" charset="0"/>
-                          <a:cs typeface="Times New Roman" panose="02020603050405020304" pitchFamily="18" charset="0"/>
-                        </a:rPr>
-                        <a:t>1</a:t>
-                      </a:r>
-                      <a:r>
-                        <a:rPr kumimoji="1" lang="en-US" altLang="ja-JP" sz="2000" b="0" baseline="0" dirty="0">
-                          <a:solidFill>
-                            <a:schemeClr val="tx1"/>
-                          </a:solidFill>
-                          <a:latin typeface="Times New Roman" panose="02020603050405020304" pitchFamily="18" charset="0"/>
-                          <a:cs typeface="Times New Roman" panose="02020603050405020304" pitchFamily="18" charset="0"/>
-                        </a:rPr>
-                        <a:t> (mm)</a:t>
-                      </a:r>
-                      <a:endParaRPr kumimoji="1" lang="ja-JP" altLang="en-US" sz="2000" b="0" baseline="-25000" dirty="0">
-                        <a:solidFill>
-                          <a:schemeClr val="tx1"/>
-                        </a:solidFill>
-                        <a:latin typeface="Times New Roman" panose="02020603050405020304" pitchFamily="18" charset="0"/>
-                        <a:cs typeface="Times New Roman" panose="02020603050405020304" pitchFamily="18" charset="0"/>
-                      </a:endParaRPr>
-                    </a:p>
-                  </a:txBody>
-                  <a:tcPr>
-                    <a:lnL w="12700" cap="flat" cmpd="sng" algn="ctr">
-                      <a:solidFill>
-                        <a:schemeClr val="tx1"/>
-                      </a:solidFill>
-                      <a:prstDash val="solid"/>
-                      <a:round/>
-                      <a:headEnd type="none" w="med" len="med"/>
-                      <a:tailEnd type="none" w="med" len="med"/>
-                    </a:lnL>
-                    <a:lnR w="12700" cap="flat" cmpd="sng" algn="ctr">
-                      <a:solidFill>
-                        <a:schemeClr val="tx1"/>
-                      </a:solidFill>
-                      <a:prstDash val="solid"/>
-                      <a:round/>
-                      <a:headEnd type="none" w="med" len="med"/>
-                      <a:tailEnd type="none" w="med" len="med"/>
-                    </a:lnR>
-                    <a:lnT w="12700" cap="flat" cmpd="sng" algn="ctr">
-                      <a:solidFill>
-                        <a:schemeClr val="tx1"/>
-                      </a:solidFill>
-                      <a:prstDash val="solid"/>
-                      <a:round/>
-                      <a:headEnd type="none" w="med" len="med"/>
-                      <a:tailEnd type="none" w="med" len="med"/>
-                    </a:lnT>
-                    <a:lnB w="12700" cap="flat" cmpd="sng" algn="ctr">
-                      <a:solidFill>
-                        <a:schemeClr val="tx1"/>
-                      </a:solidFill>
-                      <a:prstDash val="solid"/>
-                      <a:round/>
-                      <a:headEnd type="none" w="med" len="med"/>
-                      <a:tailEnd type="none" w="med" len="med"/>
-                    </a:lnB>
-                    <a:lnTlToBr w="12700" cmpd="sng">
-                      <a:noFill/>
-                      <a:prstDash val="solid"/>
-                    </a:lnTlToBr>
-                    <a:lnBlToTr w="12700" cmpd="sng">
-                      <a:noFill/>
-                      <a:prstDash val="solid"/>
-                    </a:lnBlToTr>
-                    <a:solidFill>
-                      <a:schemeClr val="accent5">
-                        <a:lumMod val="20000"/>
-                        <a:lumOff val="80000"/>
-                      </a:schemeClr>
-                    </a:solidFill>
-                  </a:tcPr>
-                </a:tc>
-                <a:tc>
-                  <a:txBody>
-                    <a:bodyPr/>
-                    <a:lstStyle/>
-                    <a:p>
-                      <a:pPr marL="0" marR="0" lvl="0" indent="0" algn="ctr" defTabSz="914400" rtl="0" eaLnBrk="1" fontAlgn="auto" latinLnBrk="0" hangingPunct="1">
-                        <a:lnSpc>
-                          <a:spcPct val="100000"/>
-                        </a:lnSpc>
-                        <a:spcBef>
-                          <a:spcPts val="0"/>
-                        </a:spcBef>
-                        <a:spcAft>
-                          <a:spcPts val="0"/>
-                        </a:spcAft>
-                        <a:buClrTx/>
-                        <a:buSzTx/>
-                        <a:buFontTx/>
-                        <a:buNone/>
-                        <a:tabLst/>
-                        <a:defRPr/>
-                      </a:pPr>
-                      <a:r>
-                        <a:rPr kumimoji="1" lang="en-US" altLang="ja-JP" sz="2000" b="0" i="1" dirty="0">
-                          <a:solidFill>
-                            <a:schemeClr val="tx1"/>
-                          </a:solidFill>
-                          <a:latin typeface="Times New Roman" panose="02020603050405020304" pitchFamily="18" charset="0"/>
-                          <a:cs typeface="Times New Roman" panose="02020603050405020304" pitchFamily="18" charset="0"/>
-                        </a:rPr>
-                        <a:t>l</a:t>
-                      </a:r>
-                      <a:r>
-                        <a:rPr kumimoji="1" lang="en-US" altLang="ja-JP" sz="2000" b="0" baseline="-25000" dirty="0">
-                          <a:solidFill>
-                            <a:schemeClr val="tx1"/>
-                          </a:solidFill>
-                          <a:latin typeface="Times New Roman" panose="02020603050405020304" pitchFamily="18" charset="0"/>
-                          <a:cs typeface="Times New Roman" panose="02020603050405020304" pitchFamily="18" charset="0"/>
-                        </a:rPr>
-                        <a:t>2</a:t>
-                      </a:r>
-                      <a:r>
-                        <a:rPr kumimoji="1" lang="en-US" altLang="ja-JP" sz="2000" b="0" baseline="0" dirty="0">
-                          <a:solidFill>
-                            <a:schemeClr val="tx1"/>
-                          </a:solidFill>
-                          <a:latin typeface="Times New Roman" panose="02020603050405020304" pitchFamily="18" charset="0"/>
-                          <a:cs typeface="Times New Roman" panose="02020603050405020304" pitchFamily="18" charset="0"/>
-                        </a:rPr>
-                        <a:t> (mm)</a:t>
-                      </a:r>
-                      <a:endParaRPr kumimoji="1" lang="ja-JP" altLang="en-US" sz="2000" b="0" baseline="-25000" dirty="0">
-                        <a:solidFill>
-                          <a:schemeClr val="tx1"/>
-                        </a:solidFill>
-                        <a:latin typeface="Times New Roman" panose="02020603050405020304" pitchFamily="18" charset="0"/>
-                        <a:cs typeface="Times New Roman" panose="02020603050405020304" pitchFamily="18" charset="0"/>
-                      </a:endParaRPr>
-                    </a:p>
-                  </a:txBody>
-                  <a:tcPr>
-                    <a:lnL w="12700" cap="flat" cmpd="sng" algn="ctr">
-                      <a:solidFill>
-                        <a:schemeClr val="tx1"/>
-                      </a:solidFill>
-                      <a:prstDash val="solid"/>
-                      <a:round/>
-                      <a:headEnd type="none" w="med" len="med"/>
-                      <a:tailEnd type="none" w="med" len="med"/>
-                    </a:lnL>
-                    <a:lnR w="12700" cap="flat" cmpd="sng" algn="ctr">
-                      <a:solidFill>
-                        <a:schemeClr val="tx1"/>
-                      </a:solidFill>
-                      <a:prstDash val="solid"/>
-                      <a:round/>
-                      <a:headEnd type="none" w="med" len="med"/>
-                      <a:tailEnd type="none" w="med" len="med"/>
-                    </a:lnR>
-                    <a:lnT w="12700" cap="flat" cmpd="sng" algn="ctr">
-                      <a:solidFill>
-                        <a:schemeClr val="tx1"/>
-                      </a:solidFill>
-                      <a:prstDash val="solid"/>
-                      <a:round/>
-                      <a:headEnd type="none" w="med" len="med"/>
-                      <a:tailEnd type="none" w="med" len="med"/>
-                    </a:lnT>
-                    <a:lnB w="12700" cap="flat" cmpd="sng" algn="ctr">
-                      <a:solidFill>
-                        <a:schemeClr val="tx1"/>
-                      </a:solidFill>
-                      <a:prstDash val="solid"/>
-                      <a:round/>
-                      <a:headEnd type="none" w="med" len="med"/>
-                      <a:tailEnd type="none" w="med" len="med"/>
-                    </a:lnB>
-                    <a:lnTlToBr w="12700" cmpd="sng">
-                      <a:noFill/>
-                      <a:prstDash val="solid"/>
-                    </a:lnTlToBr>
-                    <a:lnBlToTr w="12700" cmpd="sng">
-                      <a:noFill/>
-                      <a:prstDash val="solid"/>
-                    </a:lnBlToTr>
-                    <a:solidFill>
-                      <a:schemeClr val="accent5">
-                        <a:lumMod val="20000"/>
-                        <a:lumOff val="80000"/>
-                      </a:schemeClr>
-                    </a:solidFill>
-                  </a:tcPr>
-                </a:tc>
-                <a:tc>
-                  <a:txBody>
-                    <a:bodyPr/>
-                    <a:lstStyle/>
-                    <a:p>
-                      <a:pPr marL="0" marR="0" lvl="0" indent="0" algn="ctr" defTabSz="914400" rtl="0" eaLnBrk="1" fontAlgn="auto" latinLnBrk="0" hangingPunct="1">
-                        <a:lnSpc>
-                          <a:spcPct val="100000"/>
-                        </a:lnSpc>
-                        <a:spcBef>
-                          <a:spcPts val="0"/>
-                        </a:spcBef>
-                        <a:spcAft>
-                          <a:spcPts val="0"/>
-                        </a:spcAft>
-                        <a:buClrTx/>
-                        <a:buSzTx/>
-                        <a:buFontTx/>
-                        <a:buNone/>
-                        <a:tabLst/>
-                        <a:defRPr/>
-                      </a:pPr>
-                      <a:r>
-                        <a:rPr kumimoji="1" lang="en-US" altLang="ja-JP" sz="2000" b="0" i="1" dirty="0">
-                          <a:solidFill>
-                            <a:schemeClr val="tx1"/>
-                          </a:solidFill>
-                          <a:latin typeface="Times New Roman" panose="02020603050405020304" pitchFamily="18" charset="0"/>
-                          <a:cs typeface="Times New Roman" panose="02020603050405020304" pitchFamily="18" charset="0"/>
-                        </a:rPr>
-                        <a:t>g</a:t>
-                      </a:r>
-                      <a:r>
-                        <a:rPr kumimoji="1" lang="en-US" altLang="ja-JP" sz="2000" b="0" baseline="0" dirty="0">
-                          <a:solidFill>
-                            <a:schemeClr val="tx1"/>
-                          </a:solidFill>
-                          <a:latin typeface="Times New Roman" panose="02020603050405020304" pitchFamily="18" charset="0"/>
-                          <a:cs typeface="Times New Roman" panose="02020603050405020304" pitchFamily="18" charset="0"/>
-                        </a:rPr>
-                        <a:t> (mm)</a:t>
-                      </a:r>
-                      <a:endParaRPr kumimoji="1" lang="ja-JP" altLang="en-US" sz="2000" b="0" baseline="-25000" dirty="0">
-                        <a:solidFill>
-                          <a:schemeClr val="tx1"/>
-                        </a:solidFill>
-                        <a:latin typeface="Times New Roman" panose="02020603050405020304" pitchFamily="18" charset="0"/>
-                        <a:cs typeface="Times New Roman" panose="02020603050405020304" pitchFamily="18" charset="0"/>
-                      </a:endParaRPr>
-                    </a:p>
-                  </a:txBody>
-                  <a:tcPr>
-                    <a:lnL w="12700" cap="flat" cmpd="sng" algn="ctr">
-                      <a:solidFill>
-                        <a:schemeClr val="tx1"/>
-                      </a:solidFill>
-                      <a:prstDash val="solid"/>
-                      <a:round/>
-                      <a:headEnd type="none" w="med" len="med"/>
-                      <a:tailEnd type="none" w="med" len="med"/>
-                    </a:lnL>
-                    <a:lnR w="12700" cap="flat" cmpd="sng" algn="ctr">
-                      <a:solidFill>
-                        <a:schemeClr val="tx1"/>
-                      </a:solidFill>
-                      <a:prstDash val="solid"/>
-                      <a:round/>
-                      <a:headEnd type="none" w="med" len="med"/>
-                      <a:tailEnd type="none" w="med" len="med"/>
-                    </a:lnR>
-                    <a:lnT w="12700" cap="flat" cmpd="sng" algn="ctr">
-                      <a:solidFill>
-                        <a:schemeClr val="tx1"/>
-                      </a:solidFill>
-                      <a:prstDash val="solid"/>
-                      <a:round/>
-                      <a:headEnd type="none" w="med" len="med"/>
-                      <a:tailEnd type="none" w="med" len="med"/>
-                    </a:lnT>
-                    <a:lnB w="12700" cap="flat" cmpd="sng" algn="ctr">
-                      <a:solidFill>
-                        <a:schemeClr val="tx1"/>
-                      </a:solidFill>
-                      <a:prstDash val="solid"/>
-                      <a:round/>
-                      <a:headEnd type="none" w="med" len="med"/>
-                      <a:tailEnd type="none" w="med" len="med"/>
-                    </a:lnB>
-                    <a:lnTlToBr w="12700" cmpd="sng">
-                      <a:noFill/>
-                      <a:prstDash val="solid"/>
-                    </a:lnTlToBr>
-                    <a:lnBlToTr w="12700" cmpd="sng">
-                      <a:noFill/>
-                      <a:prstDash val="solid"/>
-                    </a:lnBlToTr>
-                    <a:solidFill>
-                      <a:schemeClr val="accent5">
-                        <a:lumMod val="20000"/>
-                        <a:lumOff val="80000"/>
-                      </a:schemeClr>
-                    </a:solidFill>
-                  </a:tcPr>
-                </a:tc>
-                <a:tc>
-                  <a:txBody>
-                    <a:bodyPr/>
-                    <a:lstStyle/>
-                    <a:p>
-                      <a:pPr marL="0" marR="0" lvl="0" indent="0" algn="ctr" defTabSz="914400" rtl="0" eaLnBrk="1" fontAlgn="auto" latinLnBrk="0" hangingPunct="1">
-                        <a:lnSpc>
-                          <a:spcPct val="100000"/>
-                        </a:lnSpc>
-                        <a:spcBef>
-                          <a:spcPts val="0"/>
-                        </a:spcBef>
-                        <a:spcAft>
-                          <a:spcPts val="0"/>
-                        </a:spcAft>
-                        <a:buClrTx/>
-                        <a:buSzTx/>
-                        <a:buFontTx/>
-                        <a:buNone/>
-                        <a:tabLst/>
-                        <a:defRPr/>
-                      </a:pPr>
-                      <a:r>
-                        <a:rPr kumimoji="1" lang="en-US" altLang="ja-JP" sz="2000" b="0" i="1" dirty="0" err="1">
-                          <a:solidFill>
-                            <a:schemeClr val="tx1"/>
-                          </a:solidFill>
-                          <a:latin typeface="Times New Roman" panose="02020603050405020304" pitchFamily="18" charset="0"/>
-                          <a:cs typeface="Times New Roman" panose="02020603050405020304" pitchFamily="18" charset="0"/>
-                        </a:rPr>
-                        <a:t>l</a:t>
-                      </a:r>
-                      <a:r>
-                        <a:rPr kumimoji="1" lang="en-US" altLang="ja-JP" sz="2000" b="0" i="1" baseline="-25000" dirty="0" err="1">
-                          <a:solidFill>
-                            <a:schemeClr val="tx1"/>
-                          </a:solidFill>
-                          <a:latin typeface="Times New Roman" panose="02020603050405020304" pitchFamily="18" charset="0"/>
-                          <a:cs typeface="Times New Roman" panose="02020603050405020304" pitchFamily="18" charset="0"/>
-                        </a:rPr>
-                        <a:t>q</a:t>
-                      </a:r>
-                      <a:r>
-                        <a:rPr kumimoji="1" lang="en-US" altLang="ja-JP" sz="2000" b="0" baseline="0" dirty="0">
-                          <a:solidFill>
-                            <a:schemeClr val="tx1"/>
-                          </a:solidFill>
-                          <a:latin typeface="Times New Roman" panose="02020603050405020304" pitchFamily="18" charset="0"/>
-                          <a:cs typeface="Times New Roman" panose="02020603050405020304" pitchFamily="18" charset="0"/>
-                        </a:rPr>
-                        <a:t> (mm)</a:t>
-                      </a:r>
-                      <a:endParaRPr kumimoji="1" lang="ja-JP" altLang="en-US" sz="2000" b="0" i="1" baseline="-25000" dirty="0">
-                        <a:solidFill>
-                          <a:schemeClr val="tx1"/>
-                        </a:solidFill>
-                        <a:latin typeface="Times New Roman" panose="02020603050405020304" pitchFamily="18" charset="0"/>
-                        <a:cs typeface="Times New Roman" panose="02020603050405020304" pitchFamily="18" charset="0"/>
-                      </a:endParaRPr>
-                    </a:p>
-                  </a:txBody>
-                  <a:tcPr>
-                    <a:lnL w="12700" cap="flat" cmpd="sng" algn="ctr">
-                      <a:solidFill>
-                        <a:schemeClr val="tx1"/>
-                      </a:solidFill>
-                      <a:prstDash val="solid"/>
-                      <a:round/>
-                      <a:headEnd type="none" w="med" len="med"/>
-                      <a:tailEnd type="none" w="med" len="med"/>
-                    </a:lnL>
-                    <a:lnR w="12700" cap="flat" cmpd="sng" algn="ctr">
-                      <a:solidFill>
-                        <a:schemeClr val="tx1"/>
-                      </a:solidFill>
-                      <a:prstDash val="solid"/>
-                      <a:round/>
-                      <a:headEnd type="none" w="med" len="med"/>
-                      <a:tailEnd type="none" w="med" len="med"/>
-                    </a:lnR>
-                    <a:lnT w="12700" cap="flat" cmpd="sng" algn="ctr">
-                      <a:solidFill>
-                        <a:schemeClr val="tx1"/>
-                      </a:solidFill>
-                      <a:prstDash val="solid"/>
-                      <a:round/>
-                      <a:headEnd type="none" w="med" len="med"/>
-                      <a:tailEnd type="none" w="med" len="med"/>
-                    </a:lnT>
-                    <a:lnB w="12700" cap="flat" cmpd="sng" algn="ctr">
-                      <a:solidFill>
-                        <a:schemeClr val="tx1"/>
-                      </a:solidFill>
-                      <a:prstDash val="solid"/>
-                      <a:round/>
-                      <a:headEnd type="none" w="med" len="med"/>
-                      <a:tailEnd type="none" w="med" len="med"/>
-                    </a:lnB>
-                    <a:lnTlToBr w="12700" cmpd="sng">
-                      <a:noFill/>
-                      <a:prstDash val="solid"/>
-                    </a:lnTlToBr>
-                    <a:lnBlToTr w="12700" cmpd="sng">
-                      <a:noFill/>
-                      <a:prstDash val="solid"/>
-                    </a:lnBlToTr>
-                    <a:solidFill>
-                      <a:schemeClr val="accent5">
-                        <a:lumMod val="20000"/>
-                        <a:lumOff val="80000"/>
-                      </a:schemeClr>
-                    </a:solidFill>
-                  </a:tcPr>
-                </a:tc>
-                <a:extLst>
-                  <a:ext uri="{0D108BD9-81ED-4DB2-BD59-A6C34878D82A}">
-                    <a16:rowId xmlns:a16="http://schemas.microsoft.com/office/drawing/2014/main" xmlns="" val="11510778"/>
-                  </a:ext>
-                </a:extLst>
-              </a:tr>
-              <a:tr h="977071">
-                <a:tc>
-                  <a:txBody>
-                    <a:bodyPr/>
-                    <a:lstStyle/>
-                    <a:p>
-                      <a:pPr marL="0" marR="0" lvl="0" indent="0" algn="ctr" defTabSz="914400" rtl="0" eaLnBrk="1" fontAlgn="auto" latinLnBrk="0" hangingPunct="1">
-                        <a:lnSpc>
-                          <a:spcPct val="100000"/>
-                        </a:lnSpc>
-                        <a:spcBef>
-                          <a:spcPts val="0"/>
-                        </a:spcBef>
-                        <a:spcAft>
-                          <a:spcPts val="0"/>
-                        </a:spcAft>
-                        <a:buClrTx/>
-                        <a:buSzTx/>
-                        <a:buFontTx/>
-                        <a:buNone/>
-                        <a:tabLst/>
-                        <a:defRPr/>
-                      </a:pPr>
-                      <a:r>
-                        <a:rPr kumimoji="1" lang="en-US" altLang="ja-JP" sz="2000" dirty="0"/>
-                        <a:t>32.5~35.5</a:t>
-                      </a:r>
-                      <a:endParaRPr kumimoji="1" lang="ja-JP" altLang="en-US" sz="2000" dirty="0"/>
-                    </a:p>
-                  </a:txBody>
-                  <a:tcPr>
-                    <a:lnL w="12700" cap="flat" cmpd="sng" algn="ctr">
-                      <a:solidFill>
-                        <a:schemeClr val="tx1"/>
-                      </a:solidFill>
-                      <a:prstDash val="solid"/>
-                      <a:round/>
-                      <a:headEnd type="none" w="med" len="med"/>
-                      <a:tailEnd type="none" w="med" len="med"/>
-                    </a:lnL>
-                    <a:lnR w="12700" cap="flat" cmpd="sng" algn="ctr">
-                      <a:solidFill>
-                        <a:schemeClr val="tx1"/>
-                      </a:solidFill>
-                      <a:prstDash val="solid"/>
-                      <a:round/>
-                      <a:headEnd type="none" w="med" len="med"/>
-                      <a:tailEnd type="none" w="med" len="med"/>
-                    </a:lnR>
-                    <a:lnT w="12700" cap="flat" cmpd="sng" algn="ctr">
-                      <a:solidFill>
-                        <a:schemeClr val="tx1"/>
-                      </a:solidFill>
-                      <a:prstDash val="solid"/>
-                      <a:round/>
-                      <a:headEnd type="none" w="med" len="med"/>
-                      <a:tailEnd type="none" w="med" len="med"/>
-                    </a:lnT>
-                    <a:lnB w="12700" cap="flat" cmpd="sng" algn="ctr">
-                      <a:solidFill>
-                        <a:schemeClr val="tx1"/>
-                      </a:solidFill>
-                      <a:prstDash val="solid"/>
-                      <a:round/>
-                      <a:headEnd type="none" w="med" len="med"/>
-                      <a:tailEnd type="none" w="med" len="med"/>
-                    </a:lnB>
-                    <a:lnTlToBr w="12700" cmpd="sng">
-                      <a:noFill/>
-                      <a:prstDash val="solid"/>
-                    </a:lnTlToBr>
-                    <a:lnBlToTr w="12700" cmpd="sng">
-                      <a:noFill/>
-                      <a:prstDash val="solid"/>
-                    </a:lnBlToTr>
-                    <a:noFill/>
-                  </a:tcPr>
-                </a:tc>
-                <a:tc>
-                  <a:txBody>
-                    <a:bodyPr/>
-                    <a:lstStyle/>
-                    <a:p>
-                      <a:pPr marL="0" marR="0" lvl="0" indent="0" algn="ctr" defTabSz="914400" rtl="0" eaLnBrk="1" fontAlgn="auto" latinLnBrk="0" hangingPunct="1">
-                        <a:lnSpc>
-                          <a:spcPct val="100000"/>
-                        </a:lnSpc>
-                        <a:spcBef>
-                          <a:spcPts val="0"/>
-                        </a:spcBef>
-                        <a:spcAft>
-                          <a:spcPts val="0"/>
-                        </a:spcAft>
-                        <a:buClrTx/>
-                        <a:buSzTx/>
-                        <a:buFontTx/>
-                        <a:buNone/>
-                        <a:tabLst/>
-                        <a:defRPr/>
-                      </a:pPr>
-                      <a:r>
-                        <a:rPr kumimoji="1" lang="en-US" altLang="ja-JP" sz="2000" dirty="0"/>
-                        <a:t>32.5~35.5</a:t>
-                      </a:r>
-                      <a:endParaRPr kumimoji="1" lang="ja-JP" altLang="en-US" sz="2000" dirty="0"/>
-                    </a:p>
-                  </a:txBody>
-                  <a:tcPr>
-                    <a:lnL w="12700" cap="flat" cmpd="sng" algn="ctr">
-                      <a:solidFill>
-                        <a:schemeClr val="tx1"/>
-                      </a:solidFill>
-                      <a:prstDash val="solid"/>
-                      <a:round/>
-                      <a:headEnd type="none" w="med" len="med"/>
-                      <a:tailEnd type="none" w="med" len="med"/>
-                    </a:lnL>
-                    <a:lnR w="12700" cap="flat" cmpd="sng" algn="ctr">
-                      <a:solidFill>
-                        <a:schemeClr val="tx1"/>
-                      </a:solidFill>
-                      <a:prstDash val="solid"/>
-                      <a:round/>
-                      <a:headEnd type="none" w="med" len="med"/>
-                      <a:tailEnd type="none" w="med" len="med"/>
-                    </a:lnR>
-                    <a:lnT w="12700" cap="flat" cmpd="sng" algn="ctr">
-                      <a:solidFill>
-                        <a:schemeClr val="tx1"/>
-                      </a:solidFill>
-                      <a:prstDash val="solid"/>
-                      <a:round/>
-                      <a:headEnd type="none" w="med" len="med"/>
-                      <a:tailEnd type="none" w="med" len="med"/>
-                    </a:lnT>
-                    <a:lnB w="12700" cap="flat" cmpd="sng" algn="ctr">
-                      <a:solidFill>
-                        <a:schemeClr val="tx1"/>
-                      </a:solidFill>
-                      <a:prstDash val="solid"/>
-                      <a:round/>
-                      <a:headEnd type="none" w="med" len="med"/>
-                      <a:tailEnd type="none" w="med" len="med"/>
-                    </a:lnB>
-                    <a:lnTlToBr w="12700" cmpd="sng">
-                      <a:noFill/>
-                      <a:prstDash val="solid"/>
-                    </a:lnTlToBr>
-                    <a:lnBlToTr w="12700" cmpd="sng">
-                      <a:noFill/>
-                      <a:prstDash val="solid"/>
-                    </a:lnBlToTr>
-                    <a:noFill/>
-                  </a:tcPr>
-                </a:tc>
-                <a:tc>
-                  <a:txBody>
-                    <a:bodyPr/>
-                    <a:lstStyle/>
-                    <a:p>
-                      <a:pPr marL="0" marR="0" lvl="0" indent="0" algn="ctr" defTabSz="914400" rtl="0" eaLnBrk="1" fontAlgn="auto" latinLnBrk="0" hangingPunct="1">
-                        <a:lnSpc>
-                          <a:spcPct val="100000"/>
-                        </a:lnSpc>
-                        <a:spcBef>
-                          <a:spcPts val="0"/>
-                        </a:spcBef>
-                        <a:spcAft>
-                          <a:spcPts val="0"/>
-                        </a:spcAft>
-                        <a:buClrTx/>
-                        <a:buSzTx/>
-                        <a:buFontTx/>
-                        <a:buNone/>
-                        <a:tabLst/>
-                        <a:defRPr/>
-                      </a:pPr>
-                      <a:r>
-                        <a:rPr kumimoji="1" lang="en-US" altLang="ja-JP" sz="2000" dirty="0"/>
-                        <a:t>0.5~3.5</a:t>
-                      </a:r>
-                      <a:endParaRPr kumimoji="1" lang="ja-JP" altLang="en-US" sz="2000" dirty="0"/>
-                    </a:p>
-                  </a:txBody>
-                  <a:tcPr>
-                    <a:lnL w="12700" cap="flat" cmpd="sng" algn="ctr">
-                      <a:solidFill>
-                        <a:schemeClr val="tx1"/>
-                      </a:solidFill>
-                      <a:prstDash val="solid"/>
-                      <a:round/>
-                      <a:headEnd type="none" w="med" len="med"/>
-                      <a:tailEnd type="none" w="med" len="med"/>
-                    </a:lnL>
-                    <a:lnR w="12700" cap="flat" cmpd="sng" algn="ctr">
-                      <a:solidFill>
-                        <a:schemeClr val="tx1"/>
-                      </a:solidFill>
-                      <a:prstDash val="solid"/>
-                      <a:round/>
-                      <a:headEnd type="none" w="med" len="med"/>
-                      <a:tailEnd type="none" w="med" len="med"/>
-                    </a:lnR>
-                    <a:lnT w="12700" cap="flat" cmpd="sng" algn="ctr">
-                      <a:solidFill>
-                        <a:schemeClr val="tx1"/>
-                      </a:solidFill>
-                      <a:prstDash val="solid"/>
-                      <a:round/>
-                      <a:headEnd type="none" w="med" len="med"/>
-                      <a:tailEnd type="none" w="med" len="med"/>
-                    </a:lnT>
-                    <a:lnB w="12700" cap="flat" cmpd="sng" algn="ctr">
-                      <a:solidFill>
-                        <a:schemeClr val="tx1"/>
-                      </a:solidFill>
-                      <a:prstDash val="solid"/>
-                      <a:round/>
-                      <a:headEnd type="none" w="med" len="med"/>
-                      <a:tailEnd type="none" w="med" len="med"/>
-                    </a:lnB>
-                    <a:lnTlToBr w="12700" cmpd="sng">
-                      <a:noFill/>
-                      <a:prstDash val="solid"/>
-                    </a:lnTlToBr>
-                    <a:lnBlToTr w="12700" cmpd="sng">
-                      <a:noFill/>
-                      <a:prstDash val="solid"/>
-                    </a:lnBlToTr>
-                    <a:noFill/>
-                  </a:tcPr>
-                </a:tc>
-                <a:tc>
-                  <a:txBody>
-                    <a:bodyPr/>
-                    <a:lstStyle/>
-                    <a:p>
-                      <a:pPr marL="0" marR="0" lvl="0" indent="0" algn="ctr" defTabSz="914400" rtl="0" eaLnBrk="1" fontAlgn="auto" latinLnBrk="0" hangingPunct="1">
-                        <a:lnSpc>
-                          <a:spcPct val="100000"/>
-                        </a:lnSpc>
-                        <a:spcBef>
-                          <a:spcPts val="0"/>
-                        </a:spcBef>
-                        <a:spcAft>
-                          <a:spcPts val="0"/>
-                        </a:spcAft>
-                        <a:buClrTx/>
-                        <a:buSzTx/>
-                        <a:buFontTx/>
-                        <a:buNone/>
-                        <a:tabLst/>
-                        <a:defRPr/>
-                      </a:pPr>
-                      <a:r>
-                        <a:rPr kumimoji="1" lang="en-US" altLang="ja-JP" sz="2000" dirty="0"/>
-                        <a:t>11.0~15.0</a:t>
-                      </a:r>
-                      <a:endParaRPr kumimoji="1" lang="ja-JP" altLang="en-US" sz="2000" dirty="0"/>
-                    </a:p>
-                  </a:txBody>
-                  <a:tcPr>
-                    <a:lnL w="12700" cap="flat" cmpd="sng" algn="ctr">
-                      <a:solidFill>
-                        <a:schemeClr val="tx1"/>
-                      </a:solidFill>
-                      <a:prstDash val="solid"/>
-                      <a:round/>
-                      <a:headEnd type="none" w="med" len="med"/>
-                      <a:tailEnd type="none" w="med" len="med"/>
-                    </a:lnL>
-                    <a:lnR w="12700" cap="flat" cmpd="sng" algn="ctr">
-                      <a:solidFill>
-                        <a:schemeClr val="tx1"/>
-                      </a:solidFill>
-                      <a:prstDash val="solid"/>
-                      <a:round/>
-                      <a:headEnd type="none" w="med" len="med"/>
-                      <a:tailEnd type="none" w="med" len="med"/>
-                    </a:lnR>
-                    <a:lnT w="12700" cap="flat" cmpd="sng" algn="ctr">
-                      <a:solidFill>
-                        <a:schemeClr val="tx1"/>
-                      </a:solidFill>
-                      <a:prstDash val="solid"/>
-                      <a:round/>
-                      <a:headEnd type="none" w="med" len="med"/>
-                      <a:tailEnd type="none" w="med" len="med"/>
-                    </a:lnT>
-                    <a:lnB w="12700" cap="flat" cmpd="sng" algn="ctr">
-                      <a:solidFill>
-                        <a:schemeClr val="tx1"/>
-                      </a:solidFill>
-                      <a:prstDash val="solid"/>
-                      <a:round/>
-                      <a:headEnd type="none" w="med" len="med"/>
-                      <a:tailEnd type="none" w="med" len="med"/>
-                    </a:lnB>
-                    <a:lnTlToBr w="12700" cmpd="sng">
-                      <a:noFill/>
-                      <a:prstDash val="solid"/>
-                    </a:lnTlToBr>
-                    <a:lnBlToTr w="12700" cmpd="sng">
-                      <a:noFill/>
-                      <a:prstDash val="solid"/>
-                    </a:lnBlToTr>
-                    <a:noFill/>
-                  </a:tcPr>
-                </a:tc>
-                <a:extLst>
-                  <a:ext uri="{0D108BD9-81ED-4DB2-BD59-A6C34878D82A}">
-                    <a16:rowId xmlns:a16="http://schemas.microsoft.com/office/drawing/2014/main" xmlns="" val="3453884648"/>
-                  </a:ext>
-                </a:extLst>
-              </a:tr>
-            </a:tbl>
-          </a:graphicData>
-        </a:graphic>
-      </p:graphicFrame>
-      <p:sp>
-        <p:nvSpPr>
-          <p:cNvPr id="5" name="TextBox 4"/>
-          <p:cNvSpPr txBox="1"/>
-          <p:nvPr/>
-        </p:nvSpPr>
-        <p:spPr>
-          <a:xfrm>
-            <a:off x="971600" y="548680"/>
-            <a:ext cx="7632848" cy="646331"/>
-          </a:xfrm>
-          <a:prstGeom prst="rect">
-            <a:avLst/>
-          </a:prstGeom>
-          <a:noFill/>
-        </p:spPr>
-        <p:txBody>
-          <a:bodyPr wrap="square" rtlCol="0">
-            <a:spAutoFit/>
-          </a:bodyPr>
+        <p:txBody>
+          <a:bodyPr/>
           <a:lstStyle/>
           <a:p>
             <a:r>
-              <a:rPr lang="en-US" altLang="zh-CN" sz="3600" dirty="0" smtClean="0"/>
-              <a:t>It is the </a:t>
-            </a:r>
-            <a:r>
-              <a:rPr lang="en-US" altLang="zh-CN" sz="3600" dirty="0" err="1" smtClean="0"/>
-              <a:t>physicial</a:t>
-            </a:r>
-            <a:r>
-              <a:rPr lang="en-US" altLang="zh-CN" sz="3600" dirty="0" smtClean="0"/>
-              <a:t> model</a:t>
-            </a:r>
-            <a:endParaRPr lang="zh-CN" altLang="en-US" sz="3600" dirty="0"/>
+              <a:rPr lang="en-US" altLang="zh-CN" sz="4000" dirty="0"/>
+              <a:t>retrain the model with new datasets</a:t>
+            </a:r>
+          </a:p>
+          <a:p>
+            <a:r>
+              <a:rPr lang="en-US" altLang="zh-CN" sz="4000" dirty="0"/>
+              <a:t>pick the misclassified pictures</a:t>
+            </a:r>
+          </a:p>
+          <a:p>
+            <a:r>
+              <a:rPr lang="en-US" altLang="zh-CN" sz="4000" dirty="0"/>
+              <a:t>visualize what convnets learn</a:t>
+            </a:r>
+          </a:p>
+          <a:p>
+            <a:r>
+              <a:rPr lang="en-US" altLang="zh-CN" sz="4000" dirty="0"/>
+              <a:t>read the paper</a:t>
+            </a:r>
+          </a:p>
+          <a:p>
+            <a:endParaRPr lang="en-US" altLang="zh-CN" dirty="0"/>
           </a:p>
         </p:txBody>
       </p:sp>
     </p:spTree>
+    <p:extLst>
+      <p:ext uri="{BB962C8B-B14F-4D97-AF65-F5344CB8AC3E}">
+        <p14:creationId xmlns:p14="http://schemas.microsoft.com/office/powerpoint/2010/main" val="1800428115"/>
+      </p:ext>
+    </p:extLst>
   </p:cSld>
   <p:clrMapOvr>
     <a:masterClrMapping/>
@@ -4056,73 +3517,118 @@
       </p:grpSpPr>
       <p:sp>
         <p:nvSpPr>
-          <p:cNvPr id="3" name="内容占位符 2"/>
-          <p:cNvSpPr>
-            <a:spLocks noGrp="1"/>
-          </p:cNvSpPr>
-          <p:nvPr>
-            <p:ph idx="1"/>
-          </p:nvPr>
+          <p:cNvPr id="4" name="文本框 3">
+            <a:extLst>
+              <a:ext uri="{FF2B5EF4-FFF2-40B4-BE49-F238E27FC236}">
+                <a16:creationId xmlns:a16="http://schemas.microsoft.com/office/drawing/2014/main" id="{F31B0DD3-F3E5-4261-B864-00FB8AAA78C7}"/>
+              </a:ext>
+            </a:extLst>
+          </p:cNvPr>
+          <p:cNvSpPr txBox="1"/>
+          <p:nvPr/>
         </p:nvSpPr>
         <p:spPr>
           <a:xfrm>
-            <a:off x="683568" y="620688"/>
-            <a:ext cx="8136904" cy="5400600"/>
+            <a:off x="933449" y="561975"/>
+            <a:ext cx="11020425" cy="830997"/>
           </a:xfrm>
+          <a:prstGeom prst="rect">
+            <a:avLst/>
+          </a:prstGeom>
+          <a:noFill/>
         </p:spPr>
         <p:txBody>
-          <a:bodyPr>
-            <a:normAutofit/>
+          <a:bodyPr wrap="square" rtlCol="0">
+            <a:spAutoFit/>
           </a:bodyPr>
           <a:lstStyle/>
           <a:p>
             <a:r>
-              <a:rPr lang="zh-CN" altLang="en-US" sz="2400" dirty="0" smtClean="0"/>
+              <a:rPr lang="en-US" altLang="zh-CN" sz="4800" dirty="0">
+                <a:latin typeface="+mj-ea"/>
+                <a:ea typeface="+mj-ea"/>
+              </a:rPr>
+              <a:t>Retrain the model with new datasets</a:t>
+            </a:r>
+          </a:p>
+        </p:txBody>
+      </p:sp>
+      <p:sp>
+        <p:nvSpPr>
+          <p:cNvPr id="6" name="文本框 5">
+            <a:extLst>
+              <a:ext uri="{FF2B5EF4-FFF2-40B4-BE49-F238E27FC236}">
+                <a16:creationId xmlns:a16="http://schemas.microsoft.com/office/drawing/2014/main" id="{10A49BF9-BA3A-4424-A077-22F0F9652876}"/>
+              </a:ext>
+            </a:extLst>
+          </p:cNvPr>
+          <p:cNvSpPr txBox="1"/>
+          <p:nvPr/>
+        </p:nvSpPr>
+        <p:spPr>
+          <a:xfrm>
+            <a:off x="828674" y="1724025"/>
+            <a:ext cx="8420101" cy="1384995"/>
+          </a:xfrm>
+          <a:prstGeom prst="rect">
+            <a:avLst/>
+          </a:prstGeom>
+          <a:noFill/>
+        </p:spPr>
+        <p:txBody>
+          <a:bodyPr wrap="square" rtlCol="0">
+            <a:spAutoFit/>
+          </a:bodyPr>
+          <a:lstStyle/>
+          <a:p>
+            <a:r>
+              <a:rPr lang="en-US" altLang="zh-CN" sz="2400" dirty="0"/>
+              <a:t>This week I adjust the </a:t>
+            </a:r>
+            <a:r>
+              <a:rPr lang="en-US" altLang="zh-CN" sz="2400" dirty="0" err="1"/>
+              <a:t>the</a:t>
+            </a:r>
+            <a:r>
+              <a:rPr lang="en-US" altLang="zh-CN" sz="2400" dirty="0"/>
+              <a:t> composition of the data set, include internal datasets and external datasets</a:t>
+            </a:r>
+          </a:p>
+          <a:p>
+            <a:endParaRPr lang="en-US" altLang="zh-CN" dirty="0"/>
+          </a:p>
+          <a:p>
+            <a:r>
+              <a:rPr lang="en-US" altLang="zh-CN" dirty="0"/>
               <a:t> </a:t>
             </a:r>
-            <a:r>
-              <a:rPr lang="en-US" altLang="zh-CN" sz="2400" dirty="0" smtClean="0"/>
-              <a:t>0,     0.450819,    0.3850784,    0.5928939,            0</a:t>
-            </a:r>
-          </a:p>
-          <a:p>
-            <a:r>
-              <a:rPr lang="en-US" altLang="zh-CN" sz="2400" dirty="0" smtClean="0"/>
-              <a:t> 0.450819,    0.2277666,            0,            0,     0.450819</a:t>
-            </a:r>
-          </a:p>
-          <a:p>
-            <a:r>
-              <a:rPr lang="en-US" altLang="zh-CN" sz="2400" dirty="0" smtClean="0"/>
-              <a:t> 0.3850784,            0,    -1.516766,            0,    0.3850784</a:t>
-            </a:r>
-          </a:p>
-          <a:p>
-            <a:r>
-              <a:rPr lang="en-US" altLang="zh-CN" sz="2400" dirty="0" smtClean="0"/>
-              <a:t> 0.5928939,            0,            0,   -0.7525186,   -0.5928939</a:t>
-            </a:r>
-          </a:p>
-          <a:p>
-            <a:r>
-              <a:rPr lang="en-US" altLang="zh-CN" sz="2400" dirty="0" smtClean="0"/>
-              <a:t> 0,     0.450819,    0.3850784,   -0.5928939,            0</a:t>
-            </a:r>
-            <a:endParaRPr lang="zh-CN" altLang="en-US" sz="2400" dirty="0"/>
+            <a:endParaRPr lang="zh-CN" altLang="en-US" dirty="0"/>
           </a:p>
         </p:txBody>
       </p:sp>
       <p:graphicFrame>
         <p:nvGraphicFramePr>
-          <p:cNvPr id="5" name="表格 4"/>
+          <p:cNvPr id="13" name="表格 12">
+            <a:extLst>
+              <a:ext uri="{FF2B5EF4-FFF2-40B4-BE49-F238E27FC236}">
+                <a16:creationId xmlns:a16="http://schemas.microsoft.com/office/drawing/2014/main" id="{C380D6FA-8E80-4042-961C-3F50228438E5}"/>
+              </a:ext>
+            </a:extLst>
+          </p:cNvPr>
           <p:cNvGraphicFramePr>
             <a:graphicFrameLocks noGrp="1"/>
           </p:cNvGraphicFramePr>
-          <p:nvPr/>
+          <p:nvPr>
+            <p:extLst>
+              <p:ext uri="{D42A27DB-BD31-4B8C-83A1-F6EECF244321}">
+                <p14:modId xmlns:p14="http://schemas.microsoft.com/office/powerpoint/2010/main" val="4105629787"/>
+              </p:ext>
+            </p:extLst>
+          </p:nvPr>
         </p:nvGraphicFramePr>
         <p:xfrm>
-          <a:off x="611560" y="3140968"/>
-          <a:ext cx="5328592" cy="3356995"/>
+          <a:off x="271462" y="3017461"/>
+          <a:ext cx="11649075" cy="1463040"/>
         </p:xfrm>
         <a:graphic>
           <a:graphicData uri="http://schemas.openxmlformats.org/drawingml/2006/table">
@@ -4131,32 +3637,330 @@
                 <a:tableStyleId>{5C22544A-7EE6-4342-B048-85BDC9FD1C3A}</a:tableStyleId>
               </a:tblPr>
               <a:tblGrid>
-                <a:gridCol w="1080120"/>
-                <a:gridCol w="1080120"/>
-                <a:gridCol w="1080120"/>
-                <a:gridCol w="1080120"/>
-                <a:gridCol w="1008112"/>
+                <a:gridCol w="2329815">
+                  <a:extLst>
+                    <a:ext uri="{9D8B030D-6E8A-4147-A177-3AD203B41FA5}">
+                      <a16:colId xmlns:a16="http://schemas.microsoft.com/office/drawing/2014/main" val="1693781685"/>
+                    </a:ext>
+                  </a:extLst>
+                </a:gridCol>
+                <a:gridCol w="2329815">
+                  <a:extLst>
+                    <a:ext uri="{9D8B030D-6E8A-4147-A177-3AD203B41FA5}">
+                      <a16:colId xmlns:a16="http://schemas.microsoft.com/office/drawing/2014/main" val="1579798818"/>
+                    </a:ext>
+                  </a:extLst>
+                </a:gridCol>
+                <a:gridCol w="2329815">
+                  <a:extLst>
+                    <a:ext uri="{9D8B030D-6E8A-4147-A177-3AD203B41FA5}">
+                      <a16:colId xmlns:a16="http://schemas.microsoft.com/office/drawing/2014/main" val="3445829017"/>
+                    </a:ext>
+                  </a:extLst>
+                </a:gridCol>
+                <a:gridCol w="2329815">
+                  <a:extLst>
+                    <a:ext uri="{9D8B030D-6E8A-4147-A177-3AD203B41FA5}">
+                      <a16:colId xmlns:a16="http://schemas.microsoft.com/office/drawing/2014/main" val="2339781183"/>
+                    </a:ext>
+                  </a:extLst>
+                </a:gridCol>
+                <a:gridCol w="2329815">
+                  <a:extLst>
+                    <a:ext uri="{9D8B030D-6E8A-4147-A177-3AD203B41FA5}">
+                      <a16:colId xmlns:a16="http://schemas.microsoft.com/office/drawing/2014/main" val="4089118580"/>
+                    </a:ext>
+                  </a:extLst>
+                </a:gridCol>
               </a:tblGrid>
-              <a:tr h="671399">
+              <a:tr h="174947">
+                <a:tc gridSpan="5">
+                  <a:txBody>
+                    <a:bodyPr/>
+                    <a:lstStyle/>
+                    <a:p>
+                      <a:pPr marL="0" marR="0" lvl="0" indent="0" algn="ctr" defTabSz="914400" rtl="0" eaLnBrk="1" fontAlgn="auto" latinLnBrk="0" hangingPunct="1">
+                        <a:lnSpc>
+                          <a:spcPct val="100000"/>
+                        </a:lnSpc>
+                        <a:spcBef>
+                          <a:spcPts val="0"/>
+                        </a:spcBef>
+                        <a:spcAft>
+                          <a:spcPts val="0"/>
+                        </a:spcAft>
+                        <a:buClrTx/>
+                        <a:buSzTx/>
+                        <a:buFontTx/>
+                        <a:buNone/>
+                        <a:tabLst/>
+                        <a:defRPr/>
+                      </a:pPr>
+                      <a:r>
+                        <a:rPr lang="en-US" altLang="zh-CN" dirty="0">
+                          <a:solidFill>
+                            <a:schemeClr val="tx1"/>
+                          </a:solidFill>
+                        </a:rPr>
+                        <a:t>Internal datasets</a:t>
+                      </a:r>
+                    </a:p>
+                  </a:txBody>
+                  <a:tcPr>
+                    <a:lnL w="12700" cap="flat" cmpd="sng" algn="ctr">
+                      <a:solidFill>
+                        <a:schemeClr val="tx1"/>
+                      </a:solidFill>
+                      <a:prstDash val="solid"/>
+                      <a:round/>
+                      <a:headEnd type="none" w="med" len="med"/>
+                      <a:tailEnd type="none" w="med" len="med"/>
+                    </a:lnL>
+                    <a:lnR w="12700" cap="flat" cmpd="sng" algn="ctr">
+                      <a:solidFill>
+                        <a:schemeClr val="tx1"/>
+                      </a:solidFill>
+                      <a:prstDash val="solid"/>
+                      <a:round/>
+                      <a:headEnd type="none" w="med" len="med"/>
+                      <a:tailEnd type="none" w="med" len="med"/>
+                    </a:lnR>
+                    <a:lnT w="12700" cap="flat" cmpd="sng" algn="ctr">
+                      <a:solidFill>
+                        <a:schemeClr val="tx1"/>
+                      </a:solidFill>
+                      <a:prstDash val="solid"/>
+                      <a:round/>
+                      <a:headEnd type="none" w="med" len="med"/>
+                      <a:tailEnd type="none" w="med" len="med"/>
+                    </a:lnT>
+                    <a:lnB w="12700" cap="flat" cmpd="sng" algn="ctr">
+                      <a:solidFill>
+                        <a:schemeClr val="tx1"/>
+                      </a:solidFill>
+                      <a:prstDash val="solid"/>
+                      <a:round/>
+                      <a:headEnd type="none" w="med" len="med"/>
+                      <a:tailEnd type="none" w="med" len="med"/>
+                    </a:lnB>
+                    <a:solidFill>
+                      <a:schemeClr val="bg1"/>
+                    </a:solidFill>
+                  </a:tcPr>
+                </a:tc>
+                <a:tc hMerge="1">
+                  <a:txBody>
+                    <a:bodyPr/>
+                    <a:lstStyle/>
+                    <a:p>
+                      <a:endParaRPr lang="zh-CN" altLang="en-US"/>
+                    </a:p>
+                  </a:txBody>
+                  <a:tcPr>
+                    <a:lnL w="12700" cap="flat" cmpd="sng" algn="ctr">
+                      <a:solidFill>
+                        <a:schemeClr val="tx1"/>
+                      </a:solidFill>
+                      <a:prstDash val="solid"/>
+                      <a:round/>
+                      <a:headEnd type="none" w="med" len="med"/>
+                      <a:tailEnd type="none" w="med" len="med"/>
+                    </a:lnL>
+                    <a:lnR w="12700" cap="flat" cmpd="sng" algn="ctr">
+                      <a:solidFill>
+                        <a:schemeClr val="tx1"/>
+                      </a:solidFill>
+                      <a:prstDash val="solid"/>
+                      <a:round/>
+                      <a:headEnd type="none" w="med" len="med"/>
+                      <a:tailEnd type="none" w="med" len="med"/>
+                    </a:lnR>
+                    <a:lnT w="12700" cap="flat" cmpd="sng" algn="ctr">
+                      <a:solidFill>
+                        <a:schemeClr val="tx1"/>
+                      </a:solidFill>
+                      <a:prstDash val="solid"/>
+                      <a:round/>
+                      <a:headEnd type="none" w="med" len="med"/>
+                      <a:tailEnd type="none" w="med" len="med"/>
+                    </a:lnT>
+                    <a:lnB w="12700" cap="flat" cmpd="sng" algn="ctr">
+                      <a:solidFill>
+                        <a:schemeClr val="tx1"/>
+                      </a:solidFill>
+                      <a:prstDash val="solid"/>
+                      <a:round/>
+                      <a:headEnd type="none" w="med" len="med"/>
+                      <a:tailEnd type="none" w="med" len="med"/>
+                    </a:lnB>
+                    <a:solidFill>
+                      <a:schemeClr val="bg1"/>
+                    </a:solidFill>
+                  </a:tcPr>
+                </a:tc>
+                <a:tc hMerge="1">
+                  <a:txBody>
+                    <a:bodyPr/>
+                    <a:lstStyle/>
+                    <a:p>
+                      <a:endParaRPr lang="zh-CN" altLang="en-US" dirty="0"/>
+                    </a:p>
+                  </a:txBody>
+                  <a:tcPr>
+                    <a:lnL w="12700" cap="flat" cmpd="sng" algn="ctr">
+                      <a:solidFill>
+                        <a:schemeClr val="tx1"/>
+                      </a:solidFill>
+                      <a:prstDash val="solid"/>
+                      <a:round/>
+                      <a:headEnd type="none" w="med" len="med"/>
+                      <a:tailEnd type="none" w="med" len="med"/>
+                    </a:lnL>
+                    <a:lnR w="12700" cap="flat" cmpd="sng" algn="ctr">
+                      <a:solidFill>
+                        <a:schemeClr val="tx1"/>
+                      </a:solidFill>
+                      <a:prstDash val="solid"/>
+                      <a:round/>
+                      <a:headEnd type="none" w="med" len="med"/>
+                      <a:tailEnd type="none" w="med" len="med"/>
+                    </a:lnR>
+                    <a:lnT w="12700" cap="flat" cmpd="sng" algn="ctr">
+                      <a:solidFill>
+                        <a:schemeClr val="tx1"/>
+                      </a:solidFill>
+                      <a:prstDash val="solid"/>
+                      <a:round/>
+                      <a:headEnd type="none" w="med" len="med"/>
+                      <a:tailEnd type="none" w="med" len="med"/>
+                    </a:lnT>
+                    <a:lnB w="12700" cap="flat" cmpd="sng" algn="ctr">
+                      <a:solidFill>
+                        <a:schemeClr val="tx1"/>
+                      </a:solidFill>
+                      <a:prstDash val="solid"/>
+                      <a:round/>
+                      <a:headEnd type="none" w="med" len="med"/>
+                      <a:tailEnd type="none" w="med" len="med"/>
+                    </a:lnB>
+                    <a:solidFill>
+                      <a:schemeClr val="bg1"/>
+                    </a:solidFill>
+                  </a:tcPr>
+                </a:tc>
+                <a:tc hMerge="1">
+                  <a:txBody>
+                    <a:bodyPr/>
+                    <a:lstStyle/>
+                    <a:p>
+                      <a:endParaRPr lang="zh-CN" altLang="en-US"/>
+                    </a:p>
+                  </a:txBody>
+                  <a:tcPr>
+                    <a:lnL w="12700" cap="flat" cmpd="sng" algn="ctr">
+                      <a:solidFill>
+                        <a:schemeClr val="tx1"/>
+                      </a:solidFill>
+                      <a:prstDash val="solid"/>
+                      <a:round/>
+                      <a:headEnd type="none" w="med" len="med"/>
+                      <a:tailEnd type="none" w="med" len="med"/>
+                    </a:lnL>
+                    <a:lnR w="12700" cap="flat" cmpd="sng" algn="ctr">
+                      <a:solidFill>
+                        <a:schemeClr val="tx1"/>
+                      </a:solidFill>
+                      <a:prstDash val="solid"/>
+                      <a:round/>
+                      <a:headEnd type="none" w="med" len="med"/>
+                      <a:tailEnd type="none" w="med" len="med"/>
+                    </a:lnR>
+                    <a:lnT w="12700" cap="flat" cmpd="sng" algn="ctr">
+                      <a:solidFill>
+                        <a:schemeClr val="tx1"/>
+                      </a:solidFill>
+                      <a:prstDash val="solid"/>
+                      <a:round/>
+                      <a:headEnd type="none" w="med" len="med"/>
+                      <a:tailEnd type="none" w="med" len="med"/>
+                    </a:lnT>
+                    <a:lnB w="12700" cap="flat" cmpd="sng" algn="ctr">
+                      <a:solidFill>
+                        <a:schemeClr val="tx1"/>
+                      </a:solidFill>
+                      <a:prstDash val="solid"/>
+                      <a:round/>
+                      <a:headEnd type="none" w="med" len="med"/>
+                      <a:tailEnd type="none" w="med" len="med"/>
+                    </a:lnB>
+                    <a:solidFill>
+                      <a:schemeClr val="bg1"/>
+                    </a:solidFill>
+                  </a:tcPr>
+                </a:tc>
+                <a:tc hMerge="1">
+                  <a:txBody>
+                    <a:bodyPr/>
+                    <a:lstStyle/>
+                    <a:p>
+                      <a:endParaRPr lang="zh-CN" altLang="en-US" dirty="0"/>
+                    </a:p>
+                  </a:txBody>
+                  <a:tcPr>
+                    <a:lnL w="12700" cap="flat" cmpd="sng" algn="ctr">
+                      <a:solidFill>
+                        <a:schemeClr val="tx1"/>
+                      </a:solidFill>
+                      <a:prstDash val="solid"/>
+                      <a:round/>
+                      <a:headEnd type="none" w="med" len="med"/>
+                      <a:tailEnd type="none" w="med" len="med"/>
+                    </a:lnL>
+                    <a:lnR w="12700" cap="flat" cmpd="sng" algn="ctr">
+                      <a:solidFill>
+                        <a:schemeClr val="tx1"/>
+                      </a:solidFill>
+                      <a:prstDash val="solid"/>
+                      <a:round/>
+                      <a:headEnd type="none" w="med" len="med"/>
+                      <a:tailEnd type="none" w="med" len="med"/>
+                    </a:lnR>
+                    <a:lnT w="12700" cap="flat" cmpd="sng" algn="ctr">
+                      <a:solidFill>
+                        <a:schemeClr val="tx1"/>
+                      </a:solidFill>
+                      <a:prstDash val="solid"/>
+                      <a:round/>
+                      <a:headEnd type="none" w="med" len="med"/>
+                      <a:tailEnd type="none" w="med" len="med"/>
+                    </a:lnT>
+                    <a:lnB w="12700" cap="flat" cmpd="sng" algn="ctr">
+                      <a:solidFill>
+                        <a:schemeClr val="tx1"/>
+                      </a:solidFill>
+                      <a:prstDash val="solid"/>
+                      <a:round/>
+                      <a:headEnd type="none" w="med" len="med"/>
+                      <a:tailEnd type="none" w="med" len="med"/>
+                    </a:lnB>
+                    <a:solidFill>
+                      <a:schemeClr val="bg1"/>
+                    </a:solidFill>
+                  </a:tcPr>
+                </a:tc>
+                <a:extLst>
+                  <a:ext uri="{0D108BD9-81ED-4DB2-BD59-A6C34878D82A}">
+                    <a16:rowId xmlns:a16="http://schemas.microsoft.com/office/drawing/2014/main" val="1983682037"/>
+                  </a:ext>
+                </a:extLst>
+              </a:tr>
+              <a:tr h="306157">
                 <a:tc>
                   <a:txBody>
                     <a:bodyPr/>
                     <a:lstStyle/>
                     <a:p>
-                      <a:pPr algn="ctr"/>
-                      <a:r>
-                        <a:rPr lang="en-US" altLang="zh-CN" b="0" dirty="0" smtClean="0">
-                          <a:solidFill>
-                            <a:schemeClr val="tx1"/>
-                          </a:solidFill>
-                        </a:rPr>
-                        <a:t>0</a:t>
-                      </a:r>
-                      <a:endParaRPr lang="zh-CN" altLang="en-US" b="0" dirty="0">
-                        <a:solidFill>
-                          <a:schemeClr val="tx1"/>
-                        </a:solidFill>
-                      </a:endParaRPr>
+                      <a:endParaRPr lang="zh-CN" altLang="en-US"/>
                     </a:p>
                   </a:txBody>
                   <a:tcPr>
@@ -4196,7 +4000,9 @@
                       <a:headEnd type="none" w="med" len="med"/>
                       <a:tailEnd type="none" w="med" len="med"/>
                     </a:lnB>
-                    <a:noFill/>
+                    <a:solidFill>
+                      <a:schemeClr val="bg1"/>
+                    </a:solidFill>
                   </a:tcPr>
                 </a:tc>
                 <a:tc>
@@ -4204,28 +4010,28 @@
                     <a:bodyPr/>
                     <a:lstStyle/>
                     <a:p>
-                      <a:pPr algn="ctr"/>
+                      <a:pPr marL="0" marR="0" lvl="0" indent="0" algn="l" defTabSz="914400" rtl="0" eaLnBrk="1" fontAlgn="auto" latinLnBrk="0" hangingPunct="1">
+                        <a:lnSpc>
+                          <a:spcPct val="100000"/>
+                        </a:lnSpc>
+                        <a:spcBef>
+                          <a:spcPts val="0"/>
+                        </a:spcBef>
+                        <a:spcAft>
+                          <a:spcPts val="0"/>
+                        </a:spcAft>
+                        <a:buClrTx/>
+                        <a:buSzTx/>
+                        <a:buFontTx/>
+                        <a:buNone/>
+                        <a:tabLst/>
+                        <a:defRPr/>
+                      </a:pPr>
                       <a:r>
-                        <a:rPr lang="en-US" altLang="zh-CN" b="0" dirty="0" smtClean="0">
-                          <a:solidFill>
-                            <a:schemeClr val="tx1"/>
-                          </a:solidFill>
-                        </a:rPr>
-                        <a:t>M</a:t>
+                        <a:rPr lang="en-US" altLang="zh-CN" dirty="0"/>
+                        <a:t>Training pictures</a:t>
                       </a:r>
-                      <a:r>
-                        <a:rPr lang="en-US" altLang="zh-CN" b="0" baseline="-25000" dirty="0" smtClean="0">
-                          <a:solidFill>
-                            <a:schemeClr val="tx1"/>
-                          </a:solidFill>
-                        </a:rPr>
-                        <a:t>S1</a:t>
-                      </a:r>
-                      <a:endParaRPr lang="zh-CN" altLang="en-US" b="0" dirty="0">
-                        <a:solidFill>
-                          <a:schemeClr val="tx1"/>
-                        </a:solidFill>
-                      </a:endParaRPr>
+                      <a:endParaRPr lang="zh-CN" altLang="en-US" dirty="0"/>
                     </a:p>
                   </a:txBody>
                   <a:tcPr>
@@ -4265,7 +4071,9 @@
                       <a:headEnd type="none" w="med" len="med"/>
                       <a:tailEnd type="none" w="med" len="med"/>
                     </a:lnB>
-                    <a:noFill/>
+                    <a:solidFill>
+                      <a:schemeClr val="bg1"/>
+                    </a:solidFill>
                   </a:tcPr>
                 </a:tc>
                 <a:tc>
@@ -4273,28 +4081,28 @@
                     <a:bodyPr/>
                     <a:lstStyle/>
                     <a:p>
-                      <a:pPr algn="ctr"/>
+                      <a:pPr marL="0" marR="0" lvl="0" indent="0" algn="l" defTabSz="914400" rtl="0" eaLnBrk="1" fontAlgn="auto" latinLnBrk="0" hangingPunct="1">
+                        <a:lnSpc>
+                          <a:spcPct val="100000"/>
+                        </a:lnSpc>
+                        <a:spcBef>
+                          <a:spcPts val="0"/>
+                        </a:spcBef>
+                        <a:spcAft>
+                          <a:spcPts val="0"/>
+                        </a:spcAft>
+                        <a:buClrTx/>
+                        <a:buSzTx/>
+                        <a:buFontTx/>
+                        <a:buNone/>
+                        <a:tabLst/>
+                        <a:defRPr/>
+                      </a:pPr>
                       <a:r>
-                        <a:rPr lang="en-US" altLang="zh-CN" b="0" dirty="0" smtClean="0">
-                          <a:solidFill>
-                            <a:schemeClr val="tx1"/>
-                          </a:solidFill>
-                        </a:rPr>
-                        <a:t>M</a:t>
+                        <a:rPr lang="en-US" altLang="zh-CN" dirty="0"/>
+                        <a:t>Validation pictures</a:t>
                       </a:r>
-                      <a:r>
-                        <a:rPr lang="en-US" altLang="zh-CN" b="0" baseline="-25000" dirty="0" smtClean="0">
-                          <a:solidFill>
-                            <a:schemeClr val="tx1"/>
-                          </a:solidFill>
-                        </a:rPr>
-                        <a:t>S2</a:t>
-                      </a:r>
-                      <a:endParaRPr lang="zh-CN" altLang="en-US" b="0" dirty="0">
-                        <a:solidFill>
-                          <a:schemeClr val="tx1"/>
-                        </a:solidFill>
-                      </a:endParaRPr>
+                      <a:endParaRPr lang="zh-CN" altLang="en-US" dirty="0"/>
                     </a:p>
                   </a:txBody>
                   <a:tcPr>
@@ -4334,7 +4142,9 @@
                       <a:headEnd type="none" w="med" len="med"/>
                       <a:tailEnd type="none" w="med" len="med"/>
                     </a:lnB>
-                    <a:noFill/>
+                    <a:solidFill>
+                      <a:schemeClr val="bg1"/>
+                    </a:solidFill>
                   </a:tcPr>
                 </a:tc>
                 <a:tc>
@@ -4342,28 +4152,28 @@
                     <a:bodyPr/>
                     <a:lstStyle/>
                     <a:p>
-                      <a:pPr algn="ctr"/>
+                      <a:pPr marL="0" marR="0" lvl="0" indent="0" algn="l" defTabSz="914400" rtl="0" eaLnBrk="1" fontAlgn="auto" latinLnBrk="0" hangingPunct="1">
+                        <a:lnSpc>
+                          <a:spcPct val="100000"/>
+                        </a:lnSpc>
+                        <a:spcBef>
+                          <a:spcPts val="0"/>
+                        </a:spcBef>
+                        <a:spcAft>
+                          <a:spcPts val="0"/>
+                        </a:spcAft>
+                        <a:buClrTx/>
+                        <a:buSzTx/>
+                        <a:buFontTx/>
+                        <a:buNone/>
+                        <a:tabLst/>
+                        <a:defRPr/>
+                      </a:pPr>
                       <a:r>
-                        <a:rPr lang="en-US" altLang="zh-CN" b="0" dirty="0" smtClean="0">
-                          <a:solidFill>
-                            <a:schemeClr val="tx1"/>
-                          </a:solidFill>
-                        </a:rPr>
-                        <a:t>M</a:t>
+                        <a:rPr lang="en-US" altLang="zh-CN" dirty="0"/>
+                        <a:t>Testing pictures</a:t>
                       </a:r>
-                      <a:r>
-                        <a:rPr lang="en-US" altLang="zh-CN" b="0" baseline="-25000" dirty="0" smtClean="0">
-                          <a:solidFill>
-                            <a:schemeClr val="tx1"/>
-                          </a:solidFill>
-                        </a:rPr>
-                        <a:t>S3</a:t>
-                      </a:r>
-                      <a:endParaRPr lang="zh-CN" altLang="en-US" b="0" dirty="0">
-                        <a:solidFill>
-                          <a:schemeClr val="tx1"/>
-                        </a:solidFill>
-                      </a:endParaRPr>
+                      <a:endParaRPr lang="zh-CN" altLang="en-US" dirty="0"/>
                     </a:p>
                   </a:txBody>
                   <a:tcPr>
@@ -4403,7 +4213,9 @@
                       <a:headEnd type="none" w="med" len="med"/>
                       <a:tailEnd type="none" w="med" len="med"/>
                     </a:lnB>
-                    <a:noFill/>
+                    <a:solidFill>
+                      <a:schemeClr val="bg1"/>
+                    </a:solidFill>
                   </a:tcPr>
                 </a:tc>
                 <a:tc>
@@ -4411,85 +4223,9 @@
                     <a:bodyPr/>
                     <a:lstStyle/>
                     <a:p>
-                      <a:pPr algn="ctr"/>
                       <a:r>
-                        <a:rPr lang="en-US" altLang="zh-CN" b="0" dirty="0" smtClean="0">
-                          <a:solidFill>
-                            <a:schemeClr val="tx1"/>
-                          </a:solidFill>
-                        </a:rPr>
-                        <a:t>M</a:t>
-                      </a:r>
-                      <a:r>
-                        <a:rPr lang="en-US" altLang="zh-CN" b="0" baseline="-25000" dirty="0" smtClean="0">
-                          <a:solidFill>
-                            <a:schemeClr val="tx1"/>
-                          </a:solidFill>
-                        </a:rPr>
-                        <a:t>SL</a:t>
-                      </a:r>
-                      <a:endParaRPr lang="zh-CN" altLang="en-US" b="0" dirty="0">
-                        <a:solidFill>
-                          <a:schemeClr val="tx1"/>
-                        </a:solidFill>
-                      </a:endParaRPr>
-                    </a:p>
-                  </a:txBody>
-                  <a:tcPr>
-                    <a:lnL w="12700" cap="flat" cmpd="sng" algn="ctr">
-                      <a:solidFill>
-                        <a:schemeClr val="tx1"/>
-                      </a:solidFill>
-                      <a:prstDash val="solid"/>
-                      <a:round/>
-                      <a:headEnd type="none" w="med" len="med"/>
-                      <a:tailEnd type="none" w="med" len="med"/>
-                    </a:lnL>
-                    <a:lnR w="12700" cap="flat" cmpd="sng" algn="ctr">
-                      <a:solidFill>
-                        <a:schemeClr val="tx1"/>
-                      </a:solidFill>
-                      <a:prstDash val="solid"/>
-                      <a:round/>
-                      <a:headEnd type="none" w="med" len="med"/>
-                      <a:tailEnd type="none" w="med" len="med"/>
-                    </a:lnR>
-                    <a:lnT w="12700" cap="flat" cmpd="sng" algn="ctr">
-                      <a:solidFill>
-                        <a:schemeClr val="tx1"/>
-                      </a:solidFill>
-                      <a:prstDash val="solid"/>
-                      <a:round/>
-                      <a:headEnd type="none" w="med" len="med"/>
-                      <a:tailEnd type="none" w="med" len="med"/>
-                    </a:lnT>
-                    <a:lnB w="12700" cap="flat" cmpd="sng" algn="ctr">
-                      <a:solidFill>
-                        <a:schemeClr val="tx1"/>
-                      </a:solidFill>
-                      <a:prstDash val="solid"/>
-                      <a:round/>
-                      <a:headEnd type="none" w="med" len="med"/>
-                      <a:tailEnd type="none" w="med" len="med"/>
-                    </a:lnB>
-                    <a:noFill/>
-                  </a:tcPr>
-                </a:tc>
-              </a:tr>
-              <a:tr h="671399">
-                <a:tc>
-                  <a:txBody>
-                    <a:bodyPr/>
-                    <a:lstStyle/>
-                    <a:p>
-                      <a:pPr algn="ctr"/>
-                      <a:r>
-                        <a:rPr lang="en-US" altLang="zh-CN" dirty="0" smtClean="0"/>
-                        <a:t>M</a:t>
-                      </a:r>
-                      <a:r>
-                        <a:rPr lang="en-US" altLang="zh-CN" baseline="-25000" dirty="0" smtClean="0"/>
-                        <a:t>1s</a:t>
+                        <a:rPr lang="en-US" altLang="zh-CN" dirty="0"/>
+                        <a:t>Number of patients</a:t>
                       </a:r>
                       <a:endParaRPr lang="zh-CN" altLang="en-US" dirty="0"/>
                     </a:p>
@@ -4531,7 +4267,70 @@
                       <a:headEnd type="none" w="med" len="med"/>
                       <a:tailEnd type="none" w="med" len="med"/>
                     </a:lnB>
-                    <a:noFill/>
+                    <a:solidFill>
+                      <a:schemeClr val="bg1"/>
+                    </a:solidFill>
+                  </a:tcPr>
+                </a:tc>
+                <a:extLst>
+                  <a:ext uri="{0D108BD9-81ED-4DB2-BD59-A6C34878D82A}">
+                    <a16:rowId xmlns:a16="http://schemas.microsoft.com/office/drawing/2014/main" val="764707260"/>
+                  </a:ext>
+                </a:extLst>
+              </a:tr>
+              <a:tr h="174947">
+                <a:tc>
+                  <a:txBody>
+                    <a:bodyPr/>
+                    <a:lstStyle/>
+                    <a:p>
+                      <a:r>
+                        <a:rPr lang="en-US" altLang="zh-CN" dirty="0"/>
+                        <a:t>Abnormal</a:t>
+                      </a:r>
+                      <a:endParaRPr lang="zh-CN" altLang="en-US" dirty="0"/>
+                    </a:p>
+                  </a:txBody>
+                  <a:tcPr>
+                    <a:lnL w="12700" cap="flat" cmpd="sng" algn="ctr">
+                      <a:solidFill>
+                        <a:schemeClr val="tx1"/>
+                      </a:solidFill>
+                      <a:prstDash val="solid"/>
+                      <a:round/>
+                      <a:headEnd type="none" w="med" len="med"/>
+                      <a:tailEnd type="none" w="med" len="med"/>
+                    </a:lnL>
+                    <a:lnR w="12700" cap="flat" cmpd="sng" algn="ctr">
+                      <a:solidFill>
+                        <a:schemeClr val="tx1"/>
+                      </a:solidFill>
+                      <a:prstDash val="solid"/>
+                      <a:round/>
+                      <a:headEnd type="none" w="med" len="med"/>
+                      <a:tailEnd type="none" w="med" len="med"/>
+                    </a:lnR>
+                    <a:lnT w="12700" cap="flat" cmpd="sng" algn="ctr">
+                      <a:solidFill>
+                        <a:schemeClr val="tx1"/>
+                      </a:solidFill>
+                      <a:prstDash val="solid"/>
+                      <a:round/>
+                      <a:headEnd type="none" w="med" len="med"/>
+                      <a:tailEnd type="none" w="med" len="med"/>
+                    </a:lnT>
+                    <a:lnB w="12700" cap="flat" cmpd="sng" algn="ctr">
+                      <a:solidFill>
+                        <a:schemeClr val="tx1"/>
+                      </a:solidFill>
+                      <a:prstDash val="solid"/>
+                      <a:round/>
+                      <a:headEnd type="none" w="med" len="med"/>
+                      <a:tailEnd type="none" w="med" len="med"/>
+                    </a:lnB>
+                    <a:solidFill>
+                      <a:schemeClr val="bg1"/>
+                    </a:solidFill>
                   </a:tcPr>
                 </a:tc>
                 <a:tc>
@@ -4539,16 +4338,11 @@
                     <a:bodyPr/>
                     <a:lstStyle/>
                     <a:p>
-                      <a:pPr algn="ctr"/>
                       <a:r>
-                        <a:rPr lang="en-US" altLang="zh-CN" baseline="0" dirty="0" smtClean="0"/>
-                        <a:t>M</a:t>
+                        <a:rPr lang="en-US" altLang="zh-CN" dirty="0"/>
+                        <a:t>6747</a:t>
                       </a:r>
-                      <a:r>
-                        <a:rPr lang="en-US" altLang="zh-CN" baseline="-25000" dirty="0" smtClean="0"/>
-                        <a:t>11</a:t>
-                      </a:r>
-                      <a:endParaRPr lang="zh-CN" altLang="en-US" baseline="0" dirty="0"/>
+                      <a:endParaRPr lang="zh-CN" altLang="en-US" dirty="0"/>
                     </a:p>
                   </a:txBody>
                   <a:tcPr>
@@ -4588,7 +4382,9 @@
                       <a:headEnd type="none" w="med" len="med"/>
                       <a:tailEnd type="none" w="med" len="med"/>
                     </a:lnB>
-                    <a:noFill/>
+                    <a:solidFill>
+                      <a:schemeClr val="bg1"/>
+                    </a:solidFill>
                   </a:tcPr>
                 </a:tc>
                 <a:tc>
@@ -4596,14 +4392,9 @@
                     <a:bodyPr/>
                     <a:lstStyle/>
                     <a:p>
-                      <a:pPr algn="ctr"/>
                       <a:r>
-                        <a:rPr lang="en-US" altLang="zh-CN" dirty="0" smtClean="0"/>
-                        <a:t>M</a:t>
-                      </a:r>
-                      <a:r>
-                        <a:rPr lang="en-US" altLang="zh-CN" baseline="-25000" dirty="0" smtClean="0"/>
-                        <a:t>12</a:t>
+                        <a:rPr lang="en-US" altLang="zh-CN" dirty="0"/>
+                        <a:t>771</a:t>
                       </a:r>
                       <a:endParaRPr lang="zh-CN" altLang="en-US" dirty="0"/>
                     </a:p>
@@ -4645,7 +4436,9 @@
                       <a:headEnd type="none" w="med" len="med"/>
                       <a:tailEnd type="none" w="med" len="med"/>
                     </a:lnB>
-                    <a:noFill/>
+                    <a:solidFill>
+                      <a:schemeClr val="bg1"/>
+                    </a:solidFill>
                   </a:tcPr>
                 </a:tc>
                 <a:tc>
@@ -4653,14 +4446,9 @@
                     <a:bodyPr/>
                     <a:lstStyle/>
                     <a:p>
-                      <a:pPr algn="ctr"/>
                       <a:r>
-                        <a:rPr lang="en-US" altLang="zh-CN" dirty="0" smtClean="0"/>
-                        <a:t>M</a:t>
-                      </a:r>
-                      <a:r>
-                        <a:rPr lang="en-US" altLang="zh-CN" baseline="-25000" dirty="0" smtClean="0"/>
-                        <a:t>13</a:t>
+                        <a:rPr lang="en-US" altLang="zh-CN" dirty="0"/>
+                        <a:t>1912</a:t>
                       </a:r>
                       <a:endParaRPr lang="zh-CN" altLang="en-US" dirty="0"/>
                     </a:p>
@@ -4702,7 +4490,9 @@
                       <a:headEnd type="none" w="med" len="med"/>
                       <a:tailEnd type="none" w="med" len="med"/>
                     </a:lnB>
-                    <a:noFill/>
+                    <a:solidFill>
+                      <a:schemeClr val="bg1"/>
+                    </a:solidFill>
                   </a:tcPr>
                 </a:tc>
                 <a:tc>
@@ -4710,14 +4500,9 @@
                     <a:bodyPr/>
                     <a:lstStyle/>
                     <a:p>
-                      <a:pPr algn="ctr"/>
                       <a:r>
-                        <a:rPr lang="en-US" altLang="zh-CN" dirty="0" smtClean="0"/>
-                        <a:t>M</a:t>
-                      </a:r>
-                      <a:r>
-                        <a:rPr lang="en-US" altLang="zh-CN" baseline="-25000" dirty="0" smtClean="0"/>
-                        <a:t>1L</a:t>
+                        <a:rPr lang="en-US" altLang="zh-CN" dirty="0"/>
+                        <a:t>150</a:t>
                       </a:r>
                       <a:endParaRPr lang="zh-CN" altLang="en-US" dirty="0"/>
                     </a:p>
@@ -4759,24 +4544,26 @@
                       <a:headEnd type="none" w="med" len="med"/>
                       <a:tailEnd type="none" w="med" len="med"/>
                     </a:lnB>
-                    <a:noFill/>
+                    <a:solidFill>
+                      <a:schemeClr val="bg1"/>
+                    </a:solidFill>
                   </a:tcPr>
                 </a:tc>
+                <a:extLst>
+                  <a:ext uri="{0D108BD9-81ED-4DB2-BD59-A6C34878D82A}">
+                    <a16:rowId xmlns:a16="http://schemas.microsoft.com/office/drawing/2014/main" val="2246434192"/>
+                  </a:ext>
+                </a:extLst>
               </a:tr>
-              <a:tr h="671399">
+              <a:tr h="174947">
                 <a:tc>
                   <a:txBody>
                     <a:bodyPr/>
                     <a:lstStyle/>
                     <a:p>
-                      <a:pPr algn="ctr"/>
                       <a:r>
-                        <a:rPr lang="en-US" altLang="zh-CN" dirty="0" smtClean="0"/>
-                        <a:t>M</a:t>
-                      </a:r>
-                      <a:r>
-                        <a:rPr lang="en-US" altLang="zh-CN" baseline="-25000" dirty="0" smtClean="0"/>
-                        <a:t>2s</a:t>
+                        <a:rPr lang="en-US" altLang="zh-CN" dirty="0"/>
+                        <a:t>Normal</a:t>
                       </a:r>
                       <a:endParaRPr lang="zh-CN" altLang="en-US" dirty="0"/>
                     </a:p>
@@ -4818,7 +4605,9 @@
                       <a:headEnd type="none" w="med" len="med"/>
                       <a:tailEnd type="none" w="med" len="med"/>
                     </a:lnB>
-                    <a:noFill/>
+                    <a:solidFill>
+                      <a:schemeClr val="bg1"/>
+                    </a:solidFill>
                   </a:tcPr>
                 </a:tc>
                 <a:tc>
@@ -4826,14 +4615,9 @@
                     <a:bodyPr/>
                     <a:lstStyle/>
                     <a:p>
-                      <a:pPr algn="ctr"/>
                       <a:r>
-                        <a:rPr lang="en-US" altLang="zh-CN" dirty="0" smtClean="0"/>
-                        <a:t>M</a:t>
-                      </a:r>
-                      <a:r>
-                        <a:rPr lang="en-US" altLang="zh-CN" baseline="-25000" dirty="0" smtClean="0"/>
-                        <a:t>21</a:t>
+                        <a:rPr lang="en-US" altLang="zh-CN" dirty="0"/>
+                        <a:t>8636</a:t>
                       </a:r>
                       <a:endParaRPr lang="zh-CN" altLang="en-US" dirty="0"/>
                     </a:p>
@@ -4875,7 +4659,9 @@
                       <a:headEnd type="none" w="med" len="med"/>
                       <a:tailEnd type="none" w="med" len="med"/>
                     </a:lnB>
-                    <a:noFill/>
+                    <a:solidFill>
+                      <a:schemeClr val="bg1"/>
+                    </a:solidFill>
                   </a:tcPr>
                 </a:tc>
                 <a:tc>
@@ -4883,14 +4669,9 @@
                     <a:bodyPr/>
                     <a:lstStyle/>
                     <a:p>
-                      <a:pPr algn="ctr"/>
                       <a:r>
-                        <a:rPr lang="en-US" altLang="zh-CN" dirty="0" smtClean="0"/>
-                        <a:t>M</a:t>
-                      </a:r>
-                      <a:r>
-                        <a:rPr lang="en-US" altLang="zh-CN" baseline="-25000" dirty="0" smtClean="0"/>
-                        <a:t>22</a:t>
+                        <a:rPr lang="en-US" altLang="zh-CN" dirty="0"/>
+                        <a:t>930</a:t>
                       </a:r>
                       <a:endParaRPr lang="zh-CN" altLang="en-US" dirty="0"/>
                     </a:p>
@@ -4932,7 +4713,9 @@
                       <a:headEnd type="none" w="med" len="med"/>
                       <a:tailEnd type="none" w="med" len="med"/>
                     </a:lnB>
-                    <a:noFill/>
+                    <a:solidFill>
+                      <a:schemeClr val="bg1"/>
+                    </a:solidFill>
                   </a:tcPr>
                 </a:tc>
                 <a:tc>
@@ -4940,14 +4723,9 @@
                     <a:bodyPr/>
                     <a:lstStyle/>
                     <a:p>
-                      <a:pPr algn="ctr"/>
                       <a:r>
-                        <a:rPr lang="en-US" altLang="zh-CN" dirty="0" smtClean="0"/>
-                        <a:t>M</a:t>
-                      </a:r>
-                      <a:r>
-                        <a:rPr lang="en-US" altLang="zh-CN" baseline="-25000" dirty="0" smtClean="0"/>
-                        <a:t>23</a:t>
+                        <a:rPr lang="en-US" altLang="zh-CN" dirty="0"/>
+                        <a:t>2363</a:t>
                       </a:r>
                       <a:endParaRPr lang="zh-CN" altLang="en-US" dirty="0"/>
                     </a:p>
@@ -4989,7 +4767,9 @@
                       <a:headEnd type="none" w="med" len="med"/>
                       <a:tailEnd type="none" w="med" len="med"/>
                     </a:lnB>
-                    <a:noFill/>
+                    <a:solidFill>
+                      <a:schemeClr val="bg1"/>
+                    </a:solidFill>
                   </a:tcPr>
                 </a:tc>
                 <a:tc>
@@ -4997,14 +4777,9 @@
                     <a:bodyPr/>
                     <a:lstStyle/>
                     <a:p>
-                      <a:pPr algn="ctr"/>
                       <a:r>
-                        <a:rPr lang="en-US" altLang="zh-CN" dirty="0" smtClean="0"/>
-                        <a:t>M</a:t>
-                      </a:r>
-                      <a:r>
-                        <a:rPr lang="en-US" altLang="zh-CN" baseline="-25000" dirty="0" smtClean="0"/>
-                        <a:t>2L</a:t>
+                        <a:rPr lang="en-US" altLang="zh-CN" dirty="0"/>
+                        <a:t>79</a:t>
                       </a:r>
                       <a:endParaRPr lang="zh-CN" altLang="en-US" dirty="0"/>
                     </a:p>
@@ -5046,25 +4821,143 @@
                       <a:headEnd type="none" w="med" len="med"/>
                       <a:tailEnd type="none" w="med" len="med"/>
                     </a:lnB>
-                    <a:noFill/>
+                    <a:solidFill>
+                      <a:schemeClr val="bg1"/>
+                    </a:solidFill>
                   </a:tcPr>
                 </a:tc>
+                <a:extLst>
+                  <a:ext uri="{0D108BD9-81ED-4DB2-BD59-A6C34878D82A}">
+                    <a16:rowId xmlns:a16="http://schemas.microsoft.com/office/drawing/2014/main" val="938182619"/>
+                  </a:ext>
+                </a:extLst>
               </a:tr>
-              <a:tr h="671399">
-                <a:tc>
+            </a:tbl>
+          </a:graphicData>
+        </a:graphic>
+      </p:graphicFrame>
+      <p:graphicFrame>
+        <p:nvGraphicFramePr>
+          <p:cNvPr id="14" name="表格 13">
+            <a:extLst>
+              <a:ext uri="{FF2B5EF4-FFF2-40B4-BE49-F238E27FC236}">
+                <a16:creationId xmlns:a16="http://schemas.microsoft.com/office/drawing/2014/main" id="{7B789CC3-0E4B-43E5-9DC8-50BF08B57993}"/>
+              </a:ext>
+            </a:extLst>
+          </p:cNvPr>
+          <p:cNvGraphicFramePr>
+            <a:graphicFrameLocks noGrp="1"/>
+          </p:cNvGraphicFramePr>
+          <p:nvPr>
+            <p:extLst>
+              <p:ext uri="{D42A27DB-BD31-4B8C-83A1-F6EECF244321}">
+                <p14:modId xmlns:p14="http://schemas.microsoft.com/office/powerpoint/2010/main" val="860749043"/>
+              </p:ext>
+            </p:extLst>
+          </p:nvPr>
+        </p:nvGraphicFramePr>
+        <p:xfrm>
+          <a:off x="1651000" y="5032257"/>
+          <a:ext cx="9083676" cy="1483360"/>
+        </p:xfrm>
+        <a:graphic>
+          <a:graphicData uri="http://schemas.openxmlformats.org/drawingml/2006/table">
+            <a:tbl>
+              <a:tblPr firstRow="1" bandRow="1">
+                <a:tableStyleId>{5C22544A-7EE6-4342-B048-85BDC9FD1C3A}</a:tableStyleId>
+              </a:tblPr>
+              <a:tblGrid>
+                <a:gridCol w="3027892">
+                  <a:extLst>
+                    <a:ext uri="{9D8B030D-6E8A-4147-A177-3AD203B41FA5}">
+                      <a16:colId xmlns:a16="http://schemas.microsoft.com/office/drawing/2014/main" val="448658996"/>
+                    </a:ext>
+                  </a:extLst>
+                </a:gridCol>
+                <a:gridCol w="3027892">
+                  <a:extLst>
+                    <a:ext uri="{9D8B030D-6E8A-4147-A177-3AD203B41FA5}">
+                      <a16:colId xmlns:a16="http://schemas.microsoft.com/office/drawing/2014/main" val="2524536934"/>
+                    </a:ext>
+                  </a:extLst>
+                </a:gridCol>
+                <a:gridCol w="3027892">
+                  <a:extLst>
+                    <a:ext uri="{9D8B030D-6E8A-4147-A177-3AD203B41FA5}">
+                      <a16:colId xmlns:a16="http://schemas.microsoft.com/office/drawing/2014/main" val="3016503267"/>
+                    </a:ext>
+                  </a:extLst>
+                </a:gridCol>
+              </a:tblGrid>
+              <a:tr h="370840">
+                <a:tc gridSpan="3">
                   <a:txBody>
                     <a:bodyPr/>
                     <a:lstStyle/>
                     <a:p>
                       <a:pPr algn="ctr"/>
                       <a:r>
-                        <a:rPr lang="en-US" altLang="zh-CN" dirty="0" smtClean="0"/>
-                        <a:t>M</a:t>
+                        <a:rPr lang="en-US" altLang="zh-CN" dirty="0">
+                          <a:solidFill>
+                            <a:sysClr val="windowText" lastClr="000000"/>
+                          </a:solidFill>
+                        </a:rPr>
+                        <a:t>External datasets</a:t>
                       </a:r>
-                      <a:r>
-                        <a:rPr lang="en-US" altLang="zh-CN" baseline="-25000" dirty="0" smtClean="0"/>
-                        <a:t>3s</a:t>
-                      </a:r>
+                      <a:endParaRPr lang="zh-CN" altLang="en-US" dirty="0">
+                        <a:solidFill>
+                          <a:sysClr val="windowText" lastClr="000000"/>
+                        </a:solidFill>
+                      </a:endParaRPr>
+                    </a:p>
+                  </a:txBody>
+                  <a:tcPr>
+                    <a:lnL w="12700" cap="flat" cmpd="sng" algn="ctr">
+                      <a:solidFill>
+                        <a:schemeClr val="tx1"/>
+                      </a:solidFill>
+                      <a:prstDash val="solid"/>
+                      <a:round/>
+                      <a:headEnd type="none" w="med" len="med"/>
+                      <a:tailEnd type="none" w="med" len="med"/>
+                    </a:lnL>
+                    <a:lnR w="12700" cap="flat" cmpd="sng" algn="ctr">
+                      <a:solidFill>
+                        <a:schemeClr val="tx1"/>
+                      </a:solidFill>
+                      <a:prstDash val="solid"/>
+                      <a:round/>
+                      <a:headEnd type="none" w="med" len="med"/>
+                      <a:tailEnd type="none" w="med" len="med"/>
+                    </a:lnR>
+                    <a:lnT w="12700" cap="flat" cmpd="sng" algn="ctr">
+                      <a:solidFill>
+                        <a:schemeClr val="tx1"/>
+                      </a:solidFill>
+                      <a:prstDash val="solid"/>
+                      <a:round/>
+                      <a:headEnd type="none" w="med" len="med"/>
+                      <a:tailEnd type="none" w="med" len="med"/>
+                    </a:lnT>
+                    <a:lnB w="12700" cap="flat" cmpd="sng" algn="ctr">
+                      <a:solidFill>
+                        <a:schemeClr val="tx1"/>
+                      </a:solidFill>
+                      <a:prstDash val="solid"/>
+                      <a:round/>
+                      <a:headEnd type="none" w="med" len="med"/>
+                      <a:tailEnd type="none" w="med" len="med"/>
+                    </a:lnB>
+                    <a:solidFill>
+                      <a:schemeClr val="bg1"/>
+                    </a:solidFill>
+                  </a:tcPr>
+                </a:tc>
+                <a:tc hMerge="1">
+                  <a:txBody>
+                    <a:bodyPr/>
+                    <a:lstStyle/>
+                    <a:p>
                       <a:endParaRPr lang="zh-CN" altLang="en-US" dirty="0"/>
                     </a:p>
                   </a:txBody>
@@ -5105,7 +4998,116 @@
                       <a:headEnd type="none" w="med" len="med"/>
                       <a:tailEnd type="none" w="med" len="med"/>
                     </a:lnB>
-                    <a:noFill/>
+                    <a:solidFill>
+                      <a:schemeClr val="bg1"/>
+                    </a:solidFill>
+                  </a:tcPr>
+                </a:tc>
+                <a:tc hMerge="1">
+                  <a:txBody>
+                    <a:bodyPr/>
+                    <a:lstStyle/>
+                    <a:p>
+                      <a:endParaRPr lang="zh-CN" altLang="en-US" dirty="0"/>
+                    </a:p>
+                  </a:txBody>
+                  <a:tcPr>
+                    <a:lnL w="12700" cap="flat" cmpd="sng" algn="ctr">
+                      <a:solidFill>
+                        <a:schemeClr val="tx1"/>
+                      </a:solidFill>
+                      <a:prstDash val="solid"/>
+                      <a:round/>
+                      <a:headEnd type="none" w="med" len="med"/>
+                      <a:tailEnd type="none" w="med" len="med"/>
+                    </a:lnL>
+                    <a:lnR w="12700" cap="flat" cmpd="sng" algn="ctr">
+                      <a:solidFill>
+                        <a:schemeClr val="tx1"/>
+                      </a:solidFill>
+                      <a:prstDash val="solid"/>
+                      <a:round/>
+                      <a:headEnd type="none" w="med" len="med"/>
+                      <a:tailEnd type="none" w="med" len="med"/>
+                    </a:lnR>
+                    <a:lnT w="12700" cap="flat" cmpd="sng" algn="ctr">
+                      <a:solidFill>
+                        <a:schemeClr val="tx1"/>
+                      </a:solidFill>
+                      <a:prstDash val="solid"/>
+                      <a:round/>
+                      <a:headEnd type="none" w="med" len="med"/>
+                      <a:tailEnd type="none" w="med" len="med"/>
+                    </a:lnT>
+                    <a:lnB w="12700" cap="flat" cmpd="sng" algn="ctr">
+                      <a:solidFill>
+                        <a:schemeClr val="tx1"/>
+                      </a:solidFill>
+                      <a:prstDash val="solid"/>
+                      <a:round/>
+                      <a:headEnd type="none" w="med" len="med"/>
+                      <a:tailEnd type="none" w="med" len="med"/>
+                    </a:lnB>
+                    <a:solidFill>
+                      <a:schemeClr val="bg1"/>
+                    </a:solidFill>
+                  </a:tcPr>
+                </a:tc>
+                <a:extLst>
+                  <a:ext uri="{0D108BD9-81ED-4DB2-BD59-A6C34878D82A}">
+                    <a16:rowId xmlns:a16="http://schemas.microsoft.com/office/drawing/2014/main" val="2700152798"/>
+                  </a:ext>
+                </a:extLst>
+              </a:tr>
+              <a:tr h="370840">
+                <a:tc>
+                  <a:txBody>
+                    <a:bodyPr/>
+                    <a:lstStyle/>
+                    <a:p>
+                      <a:endParaRPr lang="zh-CN" altLang="en-US" dirty="0"/>
+                    </a:p>
+                  </a:txBody>
+                  <a:tcPr>
+                    <a:lnL w="12700" cap="flat" cmpd="sng" algn="ctr">
+                      <a:solidFill>
+                        <a:schemeClr val="tx1"/>
+                      </a:solidFill>
+                      <a:prstDash val="solid"/>
+                      <a:round/>
+                      <a:headEnd type="none" w="med" len="med"/>
+                      <a:tailEnd type="none" w="med" len="med"/>
+                    </a:lnL>
+                    <a:lnR w="12700" cap="flat" cmpd="sng" algn="ctr">
+                      <a:solidFill>
+                        <a:schemeClr val="tx1"/>
+                      </a:solidFill>
+                      <a:prstDash val="solid"/>
+                      <a:round/>
+                      <a:headEnd type="none" w="med" len="med"/>
+                      <a:tailEnd type="none" w="med" len="med"/>
+                    </a:lnR>
+                    <a:lnT w="12700" cap="flat" cmpd="sng" algn="ctr">
+                      <a:solidFill>
+                        <a:schemeClr val="tx1"/>
+                      </a:solidFill>
+                      <a:prstDash val="solid"/>
+                      <a:round/>
+                      <a:headEnd type="none" w="med" len="med"/>
+                      <a:tailEnd type="none" w="med" len="med"/>
+                    </a:lnT>
+                    <a:lnB w="12700" cap="flat" cmpd="sng" algn="ctr">
+                      <a:solidFill>
+                        <a:schemeClr val="tx1"/>
+                      </a:solidFill>
+                      <a:prstDash val="solid"/>
+                      <a:round/>
+                      <a:headEnd type="none" w="med" len="med"/>
+                      <a:tailEnd type="none" w="med" len="med"/>
+                    </a:lnB>
+                    <a:solidFill>
+                      <a:schemeClr val="bg1"/>
+                    </a:solidFill>
                   </a:tcPr>
                 </a:tc>
                 <a:tc>
@@ -5113,14 +5115,26 @@
                     <a:bodyPr/>
                     <a:lstStyle/>
                     <a:p>
-                      <a:pPr algn="ctr"/>
+                      <a:pPr marL="0" marR="0" lvl="0" indent="0" algn="l" defTabSz="914400" rtl="0" eaLnBrk="1" fontAlgn="auto" latinLnBrk="0" hangingPunct="1">
+                        <a:lnSpc>
+                          <a:spcPct val="100000"/>
+                        </a:lnSpc>
+                        <a:spcBef>
+                          <a:spcPts val="0"/>
+                        </a:spcBef>
+                        <a:spcAft>
+                          <a:spcPts val="0"/>
+                        </a:spcAft>
+                        <a:buClrTx/>
+                        <a:buSzTx/>
+                        <a:buFontTx/>
+                        <a:buNone/>
+                        <a:tabLst/>
+                        <a:defRPr/>
+                      </a:pPr>
                       <a:r>
-                        <a:rPr lang="en-US" altLang="zh-CN" dirty="0" smtClean="0"/>
-                        <a:t>M</a:t>
-                      </a:r>
-                      <a:r>
-                        <a:rPr lang="en-US" altLang="zh-CN" baseline="-25000" dirty="0" smtClean="0"/>
-                        <a:t>31</a:t>
+                        <a:rPr lang="en-US" altLang="zh-CN" dirty="0"/>
+                        <a:t>Testing pictures</a:t>
                       </a:r>
                       <a:endParaRPr lang="zh-CN" altLang="en-US" dirty="0"/>
                     </a:p>
@@ -5162,7 +5176,9 @@
                       <a:headEnd type="none" w="med" len="med"/>
                       <a:tailEnd type="none" w="med" len="med"/>
                     </a:lnB>
-                    <a:noFill/>
+                    <a:solidFill>
+                      <a:schemeClr val="bg1"/>
+                    </a:solidFill>
                   </a:tcPr>
                 </a:tc>
                 <a:tc>
@@ -5170,14 +5186,17 @@
                     <a:bodyPr/>
                     <a:lstStyle/>
                     <a:p>
-                      <a:pPr algn="ctr"/>
                       <a:r>
-                        <a:rPr lang="en-US" altLang="zh-CN" dirty="0" smtClean="0"/>
-                        <a:t>M</a:t>
+                        <a:rPr lang="en-US" altLang="zh-CN" dirty="0"/>
+                        <a:t>Number of</a:t>
                       </a:r>
                       <a:r>
-                        <a:rPr lang="en-US" altLang="zh-CN" baseline="-25000" dirty="0" smtClean="0"/>
-                        <a:t>32</a:t>
+                        <a:rPr lang="zh-CN" altLang="en-US" dirty="0"/>
+                        <a:t> </a:t>
+                      </a:r>
+                      <a:r>
+                        <a:rPr lang="en-US" altLang="zh-CN" dirty="0"/>
+                        <a:t>patients</a:t>
                       </a:r>
                       <a:endParaRPr lang="zh-CN" altLang="en-US" dirty="0"/>
                     </a:p>
@@ -5219,7 +5238,70 @@
                       <a:headEnd type="none" w="med" len="med"/>
                       <a:tailEnd type="none" w="med" len="med"/>
                     </a:lnB>
-                    <a:noFill/>
+                    <a:solidFill>
+                      <a:schemeClr val="bg1"/>
+                    </a:solidFill>
+                  </a:tcPr>
+                </a:tc>
+                <a:extLst>
+                  <a:ext uri="{0D108BD9-81ED-4DB2-BD59-A6C34878D82A}">
+                    <a16:rowId xmlns:a16="http://schemas.microsoft.com/office/drawing/2014/main" val="2100242817"/>
+                  </a:ext>
+                </a:extLst>
+              </a:tr>
+              <a:tr h="370840">
+                <a:tc>
+                  <a:txBody>
+                    <a:bodyPr/>
+                    <a:lstStyle/>
+                    <a:p>
+                      <a:r>
+                        <a:rPr lang="en-US" altLang="zh-CN" dirty="0"/>
+                        <a:t>Abnormal</a:t>
+                      </a:r>
+                      <a:endParaRPr lang="zh-CN" altLang="en-US" dirty="0"/>
+                    </a:p>
+                  </a:txBody>
+                  <a:tcPr>
+                    <a:lnL w="12700" cap="flat" cmpd="sng" algn="ctr">
+                      <a:solidFill>
+                        <a:schemeClr val="tx1"/>
+                      </a:solidFill>
+                      <a:prstDash val="solid"/>
+                      <a:round/>
+                      <a:headEnd type="none" w="med" len="med"/>
+                      <a:tailEnd type="none" w="med" len="med"/>
+                    </a:lnL>
+                    <a:lnR w="12700" cap="flat" cmpd="sng" algn="ctr">
+                      <a:solidFill>
+                        <a:schemeClr val="tx1"/>
+                      </a:solidFill>
+                      <a:prstDash val="solid"/>
+                      <a:round/>
+                      <a:headEnd type="none" w="med" len="med"/>
+                      <a:tailEnd type="none" w="med" len="med"/>
+                    </a:lnR>
+                    <a:lnT w="12700" cap="flat" cmpd="sng" algn="ctr">
+                      <a:solidFill>
+                        <a:schemeClr val="tx1"/>
+                      </a:solidFill>
+                      <a:prstDash val="solid"/>
+                      <a:round/>
+                      <a:headEnd type="none" w="med" len="med"/>
+                      <a:tailEnd type="none" w="med" len="med"/>
+                    </a:lnT>
+                    <a:lnB w="12700" cap="flat" cmpd="sng" algn="ctr">
+                      <a:solidFill>
+                        <a:schemeClr val="tx1"/>
+                      </a:solidFill>
+                      <a:prstDash val="solid"/>
+                      <a:round/>
+                      <a:headEnd type="none" w="med" len="med"/>
+                      <a:tailEnd type="none" w="med" len="med"/>
+                    </a:lnB>
+                    <a:solidFill>
+                      <a:schemeClr val="bg1"/>
+                    </a:solidFill>
                   </a:tcPr>
                 </a:tc>
                 <a:tc>
@@ -5227,14 +5309,9 @@
                     <a:bodyPr/>
                     <a:lstStyle/>
                     <a:p>
-                      <a:pPr algn="ctr"/>
                       <a:r>
-                        <a:rPr lang="en-US" altLang="zh-CN" dirty="0" smtClean="0"/>
-                        <a:t>M</a:t>
-                      </a:r>
-                      <a:r>
-                        <a:rPr lang="en-US" altLang="zh-CN" baseline="-25000" dirty="0" smtClean="0"/>
-                        <a:t>33</a:t>
+                        <a:rPr lang="en-US" altLang="zh-CN" dirty="0"/>
+                        <a:t>3764</a:t>
                       </a:r>
                       <a:endParaRPr lang="zh-CN" altLang="en-US" dirty="0"/>
                     </a:p>
@@ -5276,7 +5353,9 @@
                       <a:headEnd type="none" w="med" len="med"/>
                       <a:tailEnd type="none" w="med" len="med"/>
                     </a:lnB>
-                    <a:noFill/>
+                    <a:solidFill>
+                      <a:schemeClr val="bg1"/>
+                    </a:solidFill>
                   </a:tcPr>
                 </a:tc>
                 <a:tc>
@@ -5284,14 +5363,9 @@
                     <a:bodyPr/>
                     <a:lstStyle/>
                     <a:p>
-                      <a:pPr algn="ctr"/>
                       <a:r>
-                        <a:rPr lang="en-US" altLang="zh-CN" dirty="0" smtClean="0"/>
-                        <a:t>M</a:t>
-                      </a:r>
-                      <a:r>
-                        <a:rPr lang="en-US" altLang="zh-CN" baseline="-25000" dirty="0" smtClean="0"/>
-                        <a:t>3L</a:t>
+                        <a:rPr lang="en-US" altLang="zh-CN" dirty="0"/>
+                        <a:t>20</a:t>
                       </a:r>
                       <a:endParaRPr lang="zh-CN" altLang="en-US" dirty="0"/>
                     </a:p>
@@ -5333,24 +5407,26 @@
                       <a:headEnd type="none" w="med" len="med"/>
                       <a:tailEnd type="none" w="med" len="med"/>
                     </a:lnB>
-                    <a:noFill/>
+                    <a:solidFill>
+                      <a:schemeClr val="bg1"/>
+                    </a:solidFill>
                   </a:tcPr>
                 </a:tc>
+                <a:extLst>
+                  <a:ext uri="{0D108BD9-81ED-4DB2-BD59-A6C34878D82A}">
+                    <a16:rowId xmlns:a16="http://schemas.microsoft.com/office/drawing/2014/main" val="1935027388"/>
+                  </a:ext>
+                </a:extLst>
               </a:tr>
-              <a:tr h="671399">
+              <a:tr h="370840">
                 <a:tc>
                   <a:txBody>
                     <a:bodyPr/>
                     <a:lstStyle/>
                     <a:p>
-                      <a:pPr algn="ctr"/>
                       <a:r>
-                        <a:rPr lang="en-US" altLang="zh-CN" dirty="0" smtClean="0"/>
-                        <a:t>M</a:t>
-                      </a:r>
-                      <a:r>
-                        <a:rPr lang="en-US" altLang="zh-CN" baseline="-25000" dirty="0" smtClean="0"/>
-                        <a:t>LS</a:t>
+                        <a:rPr lang="en-US" altLang="zh-CN" dirty="0"/>
+                        <a:t>Normal</a:t>
                       </a:r>
                       <a:endParaRPr lang="zh-CN" altLang="en-US" dirty="0"/>
                     </a:p>
@@ -5392,7 +5468,9 @@
                       <a:headEnd type="none" w="med" len="med"/>
                       <a:tailEnd type="none" w="med" len="med"/>
                     </a:lnB>
-                    <a:noFill/>
+                    <a:solidFill>
+                      <a:schemeClr val="bg1"/>
+                    </a:solidFill>
                   </a:tcPr>
                 </a:tc>
                 <a:tc>
@@ -5400,14 +5478,9 @@
                     <a:bodyPr/>
                     <a:lstStyle/>
                     <a:p>
-                      <a:pPr algn="ctr"/>
                       <a:r>
-                        <a:rPr lang="en-US" altLang="zh-CN" dirty="0" smtClean="0"/>
-                        <a:t>M</a:t>
-                      </a:r>
-                      <a:r>
-                        <a:rPr lang="en-US" altLang="zh-CN" baseline="-25000" dirty="0" smtClean="0"/>
-                        <a:t>L1</a:t>
+                        <a:rPr lang="en-US" altLang="zh-CN" dirty="0"/>
+                        <a:t>1195</a:t>
                       </a:r>
                       <a:endParaRPr lang="zh-CN" altLang="en-US" dirty="0"/>
                     </a:p>
@@ -5449,7 +5522,9 @@
                       <a:headEnd type="none" w="med" len="med"/>
                       <a:tailEnd type="none" w="med" len="med"/>
                     </a:lnB>
-                    <a:noFill/>
+                    <a:solidFill>
+                      <a:schemeClr val="bg1"/>
+                    </a:solidFill>
                   </a:tcPr>
                 </a:tc>
                 <a:tc>
@@ -5457,14 +5532,9 @@
                     <a:bodyPr/>
                     <a:lstStyle/>
                     <a:p>
-                      <a:pPr algn="ctr"/>
                       <a:r>
-                        <a:rPr lang="en-US" altLang="zh-CN" dirty="0" smtClean="0"/>
-                        <a:t>M</a:t>
-                      </a:r>
-                      <a:r>
-                        <a:rPr lang="en-US" altLang="zh-CN" baseline="-25000" dirty="0" smtClean="0"/>
-                        <a:t>L2</a:t>
+                        <a:rPr lang="en-US" altLang="zh-CN" dirty="0"/>
+                        <a:t>17</a:t>
                       </a:r>
                       <a:endParaRPr lang="zh-CN" altLang="en-US" dirty="0"/>
                     </a:p>
@@ -5506,231 +5576,27 @@
                       <a:headEnd type="none" w="med" len="med"/>
                       <a:tailEnd type="none" w="med" len="med"/>
                     </a:lnB>
-                    <a:noFill/>
+                    <a:solidFill>
+                      <a:schemeClr val="bg1"/>
+                    </a:solidFill>
                   </a:tcPr>
                 </a:tc>
-                <a:tc>
-                  <a:txBody>
-                    <a:bodyPr/>
-                    <a:lstStyle/>
-                    <a:p>
-                      <a:pPr algn="ctr"/>
-                      <a:r>
-                        <a:rPr lang="en-US" altLang="zh-CN" dirty="0" smtClean="0"/>
-                        <a:t>M</a:t>
-                      </a:r>
-                      <a:r>
-                        <a:rPr lang="en-US" altLang="zh-CN" baseline="-25000" dirty="0" smtClean="0"/>
-                        <a:t>L3</a:t>
-                      </a:r>
-                      <a:endParaRPr lang="zh-CN" altLang="en-US" dirty="0"/>
-                    </a:p>
-                  </a:txBody>
-                  <a:tcPr>
-                    <a:lnL w="12700" cap="flat" cmpd="sng" algn="ctr">
-                      <a:solidFill>
-                        <a:schemeClr val="tx1"/>
-                      </a:solidFill>
-                      <a:prstDash val="solid"/>
-                      <a:round/>
-                      <a:headEnd type="none" w="med" len="med"/>
-                      <a:tailEnd type="none" w="med" len="med"/>
-                    </a:lnL>
-                    <a:lnR w="12700" cap="flat" cmpd="sng" algn="ctr">
-                      <a:solidFill>
-                        <a:schemeClr val="tx1"/>
-                      </a:solidFill>
-                      <a:prstDash val="solid"/>
-                      <a:round/>
-                      <a:headEnd type="none" w="med" len="med"/>
-                      <a:tailEnd type="none" w="med" len="med"/>
-                    </a:lnR>
-                    <a:lnT w="12700" cap="flat" cmpd="sng" algn="ctr">
-                      <a:solidFill>
-                        <a:schemeClr val="tx1"/>
-                      </a:solidFill>
-                      <a:prstDash val="solid"/>
-                      <a:round/>
-                      <a:headEnd type="none" w="med" len="med"/>
-                      <a:tailEnd type="none" w="med" len="med"/>
-                    </a:lnT>
-                    <a:lnB w="12700" cap="flat" cmpd="sng" algn="ctr">
-                      <a:solidFill>
-                        <a:schemeClr val="tx1"/>
-                      </a:solidFill>
-                      <a:prstDash val="solid"/>
-                      <a:round/>
-                      <a:headEnd type="none" w="med" len="med"/>
-                      <a:tailEnd type="none" w="med" len="med"/>
-                    </a:lnB>
-                    <a:noFill/>
-                  </a:tcPr>
-                </a:tc>
-                <a:tc>
-                  <a:txBody>
-                    <a:bodyPr/>
-                    <a:lstStyle/>
-                    <a:p>
-                      <a:pPr algn="ctr"/>
-                      <a:r>
-                        <a:rPr lang="en-US" altLang="zh-CN" dirty="0" smtClean="0"/>
-                        <a:t>0</a:t>
-                      </a:r>
-                      <a:endParaRPr lang="zh-CN" altLang="en-US" dirty="0"/>
-                    </a:p>
-                  </a:txBody>
-                  <a:tcPr>
-                    <a:lnL w="12700" cap="flat" cmpd="sng" algn="ctr">
-                      <a:solidFill>
-                        <a:schemeClr val="tx1"/>
-                      </a:solidFill>
-                      <a:prstDash val="solid"/>
-                      <a:round/>
-                      <a:headEnd type="none" w="med" len="med"/>
-                      <a:tailEnd type="none" w="med" len="med"/>
-                    </a:lnL>
-                    <a:lnR w="12700" cap="flat" cmpd="sng" algn="ctr">
-                      <a:solidFill>
-                        <a:schemeClr val="tx1"/>
-                      </a:solidFill>
-                      <a:prstDash val="solid"/>
-                      <a:round/>
-                      <a:headEnd type="none" w="med" len="med"/>
-                      <a:tailEnd type="none" w="med" len="med"/>
-                    </a:lnR>
-                    <a:lnT w="12700" cap="flat" cmpd="sng" algn="ctr">
-                      <a:solidFill>
-                        <a:schemeClr val="tx1"/>
-                      </a:solidFill>
-                      <a:prstDash val="solid"/>
-                      <a:round/>
-                      <a:headEnd type="none" w="med" len="med"/>
-                      <a:tailEnd type="none" w="med" len="med"/>
-                    </a:lnT>
-                    <a:lnB w="12700" cap="flat" cmpd="sng" algn="ctr">
-                      <a:solidFill>
-                        <a:schemeClr val="tx1"/>
-                      </a:solidFill>
-                      <a:prstDash val="solid"/>
-                      <a:round/>
-                      <a:headEnd type="none" w="med" len="med"/>
-                      <a:tailEnd type="none" w="med" len="med"/>
-                    </a:lnB>
-                    <a:noFill/>
-                  </a:tcPr>
-                </a:tc>
+                <a:extLst>
+                  <a:ext uri="{0D108BD9-81ED-4DB2-BD59-A6C34878D82A}">
+                    <a16:rowId xmlns:a16="http://schemas.microsoft.com/office/drawing/2014/main" val="1691264387"/>
+                  </a:ext>
+                </a:extLst>
               </a:tr>
             </a:tbl>
           </a:graphicData>
         </a:graphic>
       </p:graphicFrame>
-      <p:sp>
-        <p:nvSpPr>
-          <p:cNvPr id="4" name="TextBox 3"/>
-          <p:cNvSpPr txBox="1"/>
-          <p:nvPr/>
-        </p:nvSpPr>
-        <p:spPr>
-          <a:xfrm>
-            <a:off x="5940152" y="3429000"/>
-            <a:ext cx="3203848" cy="1754326"/>
-          </a:xfrm>
-          <a:prstGeom prst="rect">
-            <a:avLst/>
-          </a:prstGeom>
-          <a:noFill/>
-        </p:spPr>
-        <p:txBody>
-          <a:bodyPr wrap="square" rtlCol="0">
-            <a:spAutoFit/>
-          </a:bodyPr>
-          <a:lstStyle/>
-          <a:p>
-            <a:pPr fontAlgn="t"/>
-            <a:r>
-              <a:rPr lang="en-US" altLang="zh-CN" dirty="0" smtClean="0"/>
-              <a:t>the input data is originated from the </a:t>
-            </a:r>
-            <a:r>
-              <a:rPr lang="en-US" altLang="zh-CN" dirty="0" err="1" smtClean="0"/>
-              <a:t>matrix.And</a:t>
-            </a:r>
-            <a:r>
-              <a:rPr lang="en-US" altLang="zh-CN" dirty="0" smtClean="0"/>
-              <a:t> it is [M</a:t>
-            </a:r>
-            <a:r>
-              <a:rPr lang="en-US" altLang="zh-CN" baseline="-25000" dirty="0" smtClean="0"/>
-              <a:t>S1</a:t>
-            </a:r>
-            <a:r>
-              <a:rPr lang="en-US" altLang="zh-CN" dirty="0" smtClean="0"/>
-              <a:t>M</a:t>
-            </a:r>
-            <a:r>
-              <a:rPr lang="en-US" altLang="zh-CN" baseline="-25000" dirty="0" smtClean="0"/>
-              <a:t>S2</a:t>
-            </a:r>
-            <a:r>
-              <a:rPr lang="en-US" altLang="zh-CN" dirty="0" smtClean="0"/>
-              <a:t>M</a:t>
-            </a:r>
-            <a:r>
-              <a:rPr lang="en-US" altLang="zh-CN" baseline="-25000" dirty="0" smtClean="0"/>
-              <a:t>S3</a:t>
-            </a:r>
-            <a:r>
-              <a:rPr lang="en-US" altLang="zh-CN" dirty="0" smtClean="0"/>
-              <a:t> M</a:t>
-            </a:r>
-            <a:r>
-              <a:rPr lang="en-US" altLang="zh-CN" baseline="-25000" dirty="0" smtClean="0"/>
-              <a:t>11</a:t>
-            </a:r>
-            <a:r>
-              <a:rPr lang="en-US" altLang="zh-CN" dirty="0" smtClean="0"/>
-              <a:t> </a:t>
-            </a:r>
-            <a:r>
-              <a:rPr lang="en-US" altLang="zh-CN" dirty="0" smtClean="0"/>
-              <a:t>M</a:t>
-            </a:r>
-            <a:r>
-              <a:rPr lang="en-US" altLang="zh-CN" baseline="-25000" dirty="0" smtClean="0"/>
-              <a:t>22</a:t>
-            </a:r>
-            <a:r>
-              <a:rPr lang="en-US" altLang="zh-CN" dirty="0" smtClean="0"/>
-              <a:t> </a:t>
-            </a:r>
-            <a:r>
-              <a:rPr lang="en-US" altLang="zh-CN" dirty="0" smtClean="0"/>
-              <a:t>M</a:t>
-            </a:r>
-            <a:r>
-              <a:rPr lang="en-US" altLang="zh-CN" baseline="-25000" dirty="0" smtClean="0"/>
-              <a:t>33]</a:t>
-            </a:r>
-            <a:endParaRPr lang="zh-CN" altLang="en-US" dirty="0" smtClean="0"/>
-          </a:p>
-          <a:p>
-            <a:pPr fontAlgn="t"/>
-            <a:endParaRPr lang="zh-CN" altLang="en-US" dirty="0" smtClean="0"/>
-          </a:p>
-          <a:p>
-            <a:pPr fontAlgn="t"/>
-            <a:endParaRPr lang="zh-CN" altLang="zh-CN" dirty="0" smtClean="0"/>
-          </a:p>
-          <a:p>
-            <a:r>
-              <a:rPr lang="en-US" altLang="zh-CN" dirty="0" smtClean="0"/>
-              <a:t>]</a:t>
-            </a:r>
-            <a:endParaRPr lang="zh-CN" altLang="en-US" dirty="0"/>
-          </a:p>
-        </p:txBody>
-      </p:sp>
     </p:spTree>
+    <p:extLst>
+      <p:ext uri="{BB962C8B-B14F-4D97-AF65-F5344CB8AC3E}">
+        <p14:creationId xmlns:p14="http://schemas.microsoft.com/office/powerpoint/2010/main" val="1284131730"/>
+      </p:ext>
+    </p:extLst>
   </p:cSld>
   <p:clrMapOvr>
     <a:masterClrMapping/>
@@ -5757,14 +5623,20 @@
       </p:grpSpPr>
       <p:sp>
         <p:nvSpPr>
-          <p:cNvPr id="8" name="TextBox 7"/>
+          <p:cNvPr id="4" name="文本框 3">
+            <a:extLst>
+              <a:ext uri="{FF2B5EF4-FFF2-40B4-BE49-F238E27FC236}">
+                <a16:creationId xmlns:a16="http://schemas.microsoft.com/office/drawing/2014/main" id="{F31B0DD3-F3E5-4261-B864-00FB8AAA78C7}"/>
+              </a:ext>
+            </a:extLst>
+          </p:cNvPr>
           <p:cNvSpPr txBox="1"/>
           <p:nvPr/>
         </p:nvSpPr>
         <p:spPr>
           <a:xfrm>
-            <a:off x="0" y="1988840"/>
-            <a:ext cx="9324528" cy="5016758"/>
+            <a:off x="933449" y="561975"/>
+            <a:ext cx="11020425" cy="830997"/>
           </a:xfrm>
           <a:prstGeom prst="rect">
             <a:avLst/>
@@ -5778,222 +5650,61 @@
           <a:lstStyle/>
           <a:p>
             <a:r>
-              <a:rPr lang="en-US" altLang="zh-CN" sz="3200" dirty="0" smtClean="0"/>
-              <a:t>def </a:t>
-            </a:r>
-            <a:r>
-              <a:rPr lang="en-US" altLang="zh-CN" sz="3200" dirty="0" err="1" smtClean="0"/>
-              <a:t>build_model</a:t>
-            </a:r>
-            <a:r>
-              <a:rPr lang="en-US" altLang="zh-CN" sz="3200" dirty="0" smtClean="0"/>
-              <a:t>():</a:t>
-            </a:r>
-          </a:p>
-          <a:p>
-            <a:r>
-              <a:rPr lang="en-US" altLang="zh-CN" sz="3200" dirty="0" smtClean="0"/>
-              <a:t>       model = </a:t>
-            </a:r>
-            <a:r>
-              <a:rPr lang="en-US" altLang="zh-CN" sz="3200" dirty="0" err="1" smtClean="0"/>
-              <a:t>models.Sequential</a:t>
-            </a:r>
-            <a:r>
-              <a:rPr lang="en-US" altLang="zh-CN" sz="3200" dirty="0" smtClean="0"/>
-              <a:t>()</a:t>
-            </a:r>
-          </a:p>
-          <a:p>
-            <a:r>
-              <a:rPr lang="en-US" altLang="zh-CN" sz="3200" dirty="0" smtClean="0"/>
-              <a:t>       </a:t>
-            </a:r>
-            <a:r>
-              <a:rPr lang="en-US" altLang="zh-CN" sz="3200" dirty="0" err="1" smtClean="0"/>
-              <a:t>model.add</a:t>
-            </a:r>
-            <a:r>
-              <a:rPr lang="en-US" altLang="zh-CN" sz="3200" dirty="0" smtClean="0"/>
-              <a:t>(</a:t>
-            </a:r>
-            <a:r>
-              <a:rPr lang="en-US" altLang="zh-CN" sz="3200" dirty="0" err="1" smtClean="0"/>
-              <a:t>layers.Dense</a:t>
-            </a:r>
-            <a:r>
-              <a:rPr lang="en-US" altLang="zh-CN" sz="3200" dirty="0" smtClean="0"/>
-              <a:t>(64,activation='</a:t>
-            </a:r>
-            <a:r>
-              <a:rPr lang="en-US" altLang="zh-CN" sz="3200" dirty="0" err="1" smtClean="0"/>
-              <a:t>relu</a:t>
-            </a:r>
-            <a:r>
-              <a:rPr lang="en-US" altLang="zh-CN" sz="3200" dirty="0" smtClean="0"/>
-              <a:t>',</a:t>
-            </a:r>
-          </a:p>
-          <a:p>
-            <a:r>
-              <a:rPr lang="en-US" altLang="zh-CN" sz="3200" dirty="0" smtClean="0"/>
-              <a:t>                          </a:t>
-            </a:r>
-            <a:r>
-              <a:rPr lang="en-US" altLang="zh-CN" sz="3200" dirty="0" err="1" smtClean="0"/>
-              <a:t>input_shape</a:t>
-            </a:r>
-            <a:r>
-              <a:rPr lang="en-US" altLang="zh-CN" sz="3200" dirty="0" smtClean="0"/>
-              <a:t>=(</a:t>
-            </a:r>
-            <a:r>
-              <a:rPr lang="en-US" altLang="zh-CN" sz="3200" dirty="0" err="1" smtClean="0"/>
-              <a:t>train_data.shape</a:t>
-            </a:r>
-            <a:r>
-              <a:rPr lang="en-US" altLang="zh-CN" sz="3200" dirty="0" smtClean="0"/>
-              <a:t>[1],)))</a:t>
-            </a:r>
-          </a:p>
-          <a:p>
-            <a:r>
-              <a:rPr lang="en-US" altLang="zh-CN" sz="3200" dirty="0" smtClean="0"/>
-              <a:t>       </a:t>
-            </a:r>
-            <a:r>
-              <a:rPr lang="en-US" altLang="zh-CN" sz="3200" dirty="0" err="1" smtClean="0"/>
-              <a:t>model.add</a:t>
-            </a:r>
-            <a:r>
-              <a:rPr lang="en-US" altLang="zh-CN" sz="3200" dirty="0" smtClean="0"/>
-              <a:t>(</a:t>
-            </a:r>
-            <a:r>
-              <a:rPr lang="en-US" altLang="zh-CN" sz="3200" dirty="0" err="1" smtClean="0"/>
-              <a:t>layers.Dense</a:t>
-            </a:r>
-            <a:r>
-              <a:rPr lang="en-US" altLang="zh-CN" sz="3200" dirty="0" smtClean="0"/>
-              <a:t>(64,activation='</a:t>
-            </a:r>
-            <a:r>
-              <a:rPr lang="en-US" altLang="zh-CN" sz="3200" dirty="0" err="1" smtClean="0"/>
-              <a:t>relu</a:t>
-            </a:r>
-            <a:r>
-              <a:rPr lang="en-US" altLang="zh-CN" sz="3200" dirty="0" smtClean="0"/>
-              <a:t>'))</a:t>
-            </a:r>
-          </a:p>
-          <a:p>
-            <a:r>
-              <a:rPr lang="en-US" altLang="zh-CN" sz="3200" dirty="0" smtClean="0"/>
-              <a:t>       </a:t>
-            </a:r>
-            <a:r>
-              <a:rPr lang="en-US" altLang="zh-CN" sz="3200" dirty="0" err="1" smtClean="0"/>
-              <a:t>model.add</a:t>
-            </a:r>
-            <a:r>
-              <a:rPr lang="en-US" altLang="zh-CN" sz="3200" dirty="0" smtClean="0"/>
-              <a:t>(</a:t>
-            </a:r>
-            <a:r>
-              <a:rPr lang="en-US" altLang="zh-CN" sz="3200" dirty="0" err="1" smtClean="0"/>
-              <a:t>layers.Dense</a:t>
-            </a:r>
-            <a:r>
-              <a:rPr lang="en-US" altLang="zh-CN" sz="3200" dirty="0" smtClean="0"/>
-              <a:t>(1))</a:t>
-            </a:r>
-          </a:p>
-          <a:p>
-            <a:r>
-              <a:rPr lang="en-US" altLang="zh-CN" sz="3200" dirty="0" smtClean="0"/>
-              <a:t>              </a:t>
-            </a:r>
-            <a:r>
-              <a:rPr lang="en-US" altLang="zh-CN" sz="3200" dirty="0" err="1" smtClean="0"/>
-              <a:t>model.compile</a:t>
-            </a:r>
-            <a:r>
-              <a:rPr lang="en-US" altLang="zh-CN" sz="3200" dirty="0" smtClean="0"/>
-              <a:t>(optimizer='</a:t>
-            </a:r>
-            <a:r>
-              <a:rPr lang="en-US" altLang="zh-CN" sz="3200" dirty="0" err="1" smtClean="0"/>
-              <a:t>rmsprop',loss</a:t>
-            </a:r>
-            <a:r>
-              <a:rPr lang="en-US" altLang="zh-CN" sz="3200" dirty="0" smtClean="0"/>
-              <a:t>='</a:t>
-            </a:r>
-            <a:r>
-              <a:rPr lang="en-US" altLang="zh-CN" sz="3200" dirty="0" err="1" smtClean="0"/>
-              <a:t>mse',metrics</a:t>
-            </a:r>
-            <a:r>
-              <a:rPr lang="en-US" altLang="zh-CN" sz="3200" dirty="0" smtClean="0"/>
-              <a:t>    =['</a:t>
-            </a:r>
-            <a:r>
-              <a:rPr lang="en-US" altLang="zh-CN" sz="3200" dirty="0" err="1" smtClean="0"/>
-              <a:t>mae</a:t>
-            </a:r>
-            <a:r>
-              <a:rPr lang="en-US" altLang="zh-CN" sz="3200" dirty="0" smtClean="0"/>
-              <a:t>'])</a:t>
-            </a:r>
-          </a:p>
-          <a:p>
-            <a:r>
-              <a:rPr lang="en-US" altLang="zh-CN" sz="3200" dirty="0" smtClean="0"/>
-              <a:t>    return model</a:t>
-            </a:r>
-            <a:endParaRPr lang="zh-CN" altLang="en-US" sz="3200" dirty="0"/>
-          </a:p>
-        </p:txBody>
-      </p:sp>
-      <p:sp>
-        <p:nvSpPr>
-          <p:cNvPr id="4" name="标题 1"/>
-          <p:cNvSpPr>
-            <a:spLocks noGrp="1"/>
-          </p:cNvSpPr>
-          <p:nvPr>
-            <p:ph type="title"/>
-          </p:nvPr>
+              <a:rPr lang="en-US" altLang="zh-CN" sz="4800" dirty="0">
+                <a:latin typeface="+mj-ea"/>
+                <a:ea typeface="+mj-ea"/>
+              </a:rPr>
+              <a:t>Pick the misclassified pictures</a:t>
+            </a:r>
+          </a:p>
+        </p:txBody>
+      </p:sp>
+      <p:sp>
+        <p:nvSpPr>
+          <p:cNvPr id="2" name="文本框 1">
+            <a:extLst>
+              <a:ext uri="{FF2B5EF4-FFF2-40B4-BE49-F238E27FC236}">
+                <a16:creationId xmlns:a16="http://schemas.microsoft.com/office/drawing/2014/main" id="{242BCB9E-14FB-4CCF-AB55-7F5CFEC72F0E}"/>
+              </a:ext>
+            </a:extLst>
+          </p:cNvPr>
+          <p:cNvSpPr txBox="1"/>
+          <p:nvPr/>
         </p:nvSpPr>
         <p:spPr>
           <a:xfrm>
-            <a:off x="0" y="260648"/>
-            <a:ext cx="8867328" cy="1143000"/>
+            <a:off x="847725" y="2171700"/>
+            <a:ext cx="10229850" cy="1077218"/>
           </a:xfrm>
+          <a:prstGeom prst="rect">
+            <a:avLst/>
+          </a:prstGeom>
+          <a:noFill/>
         </p:spPr>
         <p:txBody>
-          <a:bodyPr>
-            <a:normAutofit fontScale="90000"/>
+          <a:bodyPr wrap="square" rtlCol="0">
+            <a:spAutoFit/>
           </a:bodyPr>
           <a:lstStyle/>
           <a:p>
             <a:r>
-              <a:rPr lang="en-US" altLang="zh-CN" dirty="0" smtClean="0"/>
-              <a:t>use the </a:t>
-            </a:r>
-            <a:r>
-              <a:rPr lang="en-US" altLang="zh-CN" dirty="0" err="1" smtClean="0"/>
-              <a:t>keras</a:t>
-            </a:r>
-            <a:r>
-              <a:rPr lang="en-US" altLang="zh-CN" dirty="0" smtClean="0"/>
-              <a:t> to build the neural network</a:t>
-            </a:r>
-            <a:endParaRPr lang="zh-CN" altLang="en-US" dirty="0"/>
+              <a:rPr lang="en-US" altLang="zh-CN" sz="3200" dirty="0">
+                <a:latin typeface="+mn-ea"/>
+              </a:rPr>
+              <a:t>When I pick the misclassified pictures , I find most of the pictures belong the same patient</a:t>
+            </a:r>
+            <a:endParaRPr lang="zh-CN" altLang="en-US" sz="3200" dirty="0">
+              <a:latin typeface="+mn-ea"/>
+            </a:endParaRPr>
           </a:p>
         </p:txBody>
       </p:sp>
     </p:spTree>
+    <p:extLst>
+      <p:ext uri="{BB962C8B-B14F-4D97-AF65-F5344CB8AC3E}">
+        <p14:creationId xmlns:p14="http://schemas.microsoft.com/office/powerpoint/2010/main" val="2959341622"/>
+      </p:ext>
+    </p:extLst>
   </p:cSld>
   <p:clrMapOvr>
     <a:masterClrMapping/>
@@ -6020,14 +5731,20 @@
       </p:grpSpPr>
       <p:sp>
         <p:nvSpPr>
-          <p:cNvPr id="4" name="TextBox 3"/>
+          <p:cNvPr id="4" name="文本框 3">
+            <a:extLst>
+              <a:ext uri="{FF2B5EF4-FFF2-40B4-BE49-F238E27FC236}">
+                <a16:creationId xmlns:a16="http://schemas.microsoft.com/office/drawing/2014/main" id="{F31B0DD3-F3E5-4261-B864-00FB8AAA78C7}"/>
+              </a:ext>
+            </a:extLst>
+          </p:cNvPr>
           <p:cNvSpPr txBox="1"/>
           <p:nvPr/>
         </p:nvSpPr>
         <p:spPr>
           <a:xfrm>
-            <a:off x="683568" y="620688"/>
-            <a:ext cx="8892480" cy="5262979"/>
+            <a:off x="933449" y="561975"/>
+            <a:ext cx="11020425" cy="830997"/>
           </a:xfrm>
           <a:prstGeom prst="rect">
             <a:avLst/>
@@ -6041,330 +5758,213 @@
           <a:lstStyle/>
           <a:p>
             <a:r>
-              <a:rPr lang="en-US" altLang="zh-CN" sz="2400" dirty="0" smtClean="0"/>
-              <a:t>for </a:t>
-            </a:r>
-            <a:r>
-              <a:rPr lang="en-US" altLang="zh-CN" sz="2400" dirty="0" err="1" smtClean="0"/>
-              <a:t>i</a:t>
-            </a:r>
-            <a:r>
-              <a:rPr lang="en-US" altLang="zh-CN" sz="2400" dirty="0" smtClean="0"/>
-              <a:t> in range(k):</a:t>
-            </a:r>
-          </a:p>
-          <a:p>
-            <a:r>
-              <a:rPr lang="en-US" altLang="zh-CN" sz="2400" dirty="0" smtClean="0"/>
-              <a:t>    print('processing fold #',</a:t>
-            </a:r>
-            <a:r>
-              <a:rPr lang="en-US" altLang="zh-CN" sz="2400" dirty="0" err="1" smtClean="0"/>
-              <a:t>i</a:t>
-            </a:r>
-            <a:r>
-              <a:rPr lang="en-US" altLang="zh-CN" sz="2400" dirty="0" smtClean="0"/>
-              <a:t>)</a:t>
-            </a:r>
-          </a:p>
-          <a:p>
-            <a:r>
-              <a:rPr lang="en-US" altLang="zh-CN" sz="2400" dirty="0" smtClean="0"/>
-              <a:t>    </a:t>
-            </a:r>
-            <a:r>
-              <a:rPr lang="en-US" altLang="zh-CN" sz="2400" dirty="0" err="1" smtClean="0"/>
-              <a:t>val_data</a:t>
-            </a:r>
-            <a:r>
-              <a:rPr lang="en-US" altLang="zh-CN" sz="2400" dirty="0" smtClean="0"/>
-              <a:t> = </a:t>
-            </a:r>
-            <a:r>
-              <a:rPr lang="en-US" altLang="zh-CN" sz="2400" dirty="0" err="1" smtClean="0"/>
-              <a:t>train_data</a:t>
-            </a:r>
-            <a:r>
-              <a:rPr lang="en-US" altLang="zh-CN" sz="2400" dirty="0" smtClean="0"/>
-              <a:t>[</a:t>
-            </a:r>
-            <a:r>
-              <a:rPr lang="en-US" altLang="zh-CN" sz="2400" dirty="0" err="1" smtClean="0"/>
-              <a:t>i</a:t>
-            </a:r>
-            <a:r>
-              <a:rPr lang="en-US" altLang="zh-CN" sz="2400" dirty="0" smtClean="0"/>
-              <a:t> * </a:t>
-            </a:r>
-            <a:r>
-              <a:rPr lang="en-US" altLang="zh-CN" sz="2400" dirty="0" err="1" smtClean="0"/>
-              <a:t>num_val_samples</a:t>
-            </a:r>
-            <a:r>
-              <a:rPr lang="en-US" altLang="zh-CN" sz="2400" dirty="0" smtClean="0"/>
-              <a:t>: (</a:t>
-            </a:r>
-            <a:r>
-              <a:rPr lang="en-US" altLang="zh-CN" sz="2400" dirty="0" err="1" smtClean="0"/>
-              <a:t>i</a:t>
-            </a:r>
-            <a:r>
-              <a:rPr lang="en-US" altLang="zh-CN" sz="2400" dirty="0" smtClean="0"/>
-              <a:t> + 1) * </a:t>
-            </a:r>
-            <a:r>
-              <a:rPr lang="en-US" altLang="zh-CN" sz="2400" dirty="0" err="1" smtClean="0"/>
-              <a:t>num_val_samples</a:t>
-            </a:r>
-            <a:r>
-              <a:rPr lang="en-US" altLang="zh-CN" sz="2400" dirty="0" smtClean="0"/>
-              <a:t>]</a:t>
-            </a:r>
-          </a:p>
-          <a:p>
-            <a:r>
-              <a:rPr lang="en-US" altLang="zh-CN" sz="2400" dirty="0" smtClean="0"/>
-              <a:t>    </a:t>
-            </a:r>
-            <a:r>
-              <a:rPr lang="en-US" altLang="zh-CN" sz="2400" dirty="0" err="1" smtClean="0"/>
-              <a:t>val_targets</a:t>
-            </a:r>
-            <a:r>
-              <a:rPr lang="en-US" altLang="zh-CN" sz="2400" dirty="0" smtClean="0"/>
-              <a:t> = </a:t>
-            </a:r>
-            <a:r>
-              <a:rPr lang="en-US" altLang="zh-CN" sz="2400" dirty="0" err="1" smtClean="0"/>
-              <a:t>train_targets</a:t>
-            </a:r>
-            <a:r>
-              <a:rPr lang="en-US" altLang="zh-CN" sz="2400" dirty="0" smtClean="0"/>
-              <a:t>[</a:t>
-            </a:r>
-            <a:r>
-              <a:rPr lang="en-US" altLang="zh-CN" sz="2400" dirty="0" err="1" smtClean="0"/>
-              <a:t>i</a:t>
-            </a:r>
-            <a:r>
-              <a:rPr lang="en-US" altLang="zh-CN" sz="2400" dirty="0" smtClean="0"/>
-              <a:t> * </a:t>
-            </a:r>
-            <a:r>
-              <a:rPr lang="en-US" altLang="zh-CN" sz="2400" dirty="0" err="1" smtClean="0"/>
-              <a:t>num_val_samples</a:t>
-            </a:r>
-            <a:r>
-              <a:rPr lang="en-US" altLang="zh-CN" sz="2400" dirty="0" smtClean="0"/>
-              <a:t>: (</a:t>
-            </a:r>
-            <a:r>
-              <a:rPr lang="en-US" altLang="zh-CN" sz="2400" dirty="0" err="1" smtClean="0"/>
-              <a:t>i</a:t>
-            </a:r>
-            <a:r>
-              <a:rPr lang="en-US" altLang="zh-CN" sz="2400" dirty="0" smtClean="0"/>
-              <a:t> + 1) * </a:t>
-            </a:r>
-            <a:r>
-              <a:rPr lang="en-US" altLang="zh-CN" sz="2400" dirty="0" err="1" smtClean="0"/>
-              <a:t>num_val_samples</a:t>
-            </a:r>
-            <a:r>
-              <a:rPr lang="en-US" altLang="zh-CN" sz="2400" dirty="0" smtClean="0"/>
-              <a:t>]</a:t>
-            </a:r>
-          </a:p>
-          <a:p>
-            <a:r>
-              <a:rPr lang="en-US" altLang="zh-CN" sz="2400" dirty="0" smtClean="0"/>
-              <a:t>    </a:t>
-            </a:r>
-            <a:r>
-              <a:rPr lang="en-US" altLang="zh-CN" sz="2400" dirty="0" err="1" smtClean="0"/>
-              <a:t>partial_train_data</a:t>
-            </a:r>
-            <a:r>
-              <a:rPr lang="en-US" altLang="zh-CN" sz="2400" dirty="0" smtClean="0"/>
-              <a:t> = </a:t>
-            </a:r>
-            <a:r>
-              <a:rPr lang="en-US" altLang="zh-CN" sz="2400" dirty="0" err="1" smtClean="0"/>
-              <a:t>np.concatenate</a:t>
-            </a:r>
-            <a:r>
-              <a:rPr lang="en-US" altLang="zh-CN" sz="2400" dirty="0" smtClean="0"/>
-              <a:t>(</a:t>
-            </a:r>
-          </a:p>
-          <a:p>
-            <a:r>
-              <a:rPr lang="en-US" altLang="zh-CN" sz="2400" dirty="0" smtClean="0"/>
-              <a:t>        [</a:t>
-            </a:r>
-            <a:r>
-              <a:rPr lang="en-US" altLang="zh-CN" sz="2400" dirty="0" err="1" smtClean="0"/>
-              <a:t>train_data</a:t>
-            </a:r>
-            <a:r>
-              <a:rPr lang="en-US" altLang="zh-CN" sz="2400" dirty="0" smtClean="0"/>
-              <a:t>[:</a:t>
-            </a:r>
-            <a:r>
-              <a:rPr lang="en-US" altLang="zh-CN" sz="2400" dirty="0" err="1" smtClean="0"/>
-              <a:t>i</a:t>
-            </a:r>
-            <a:r>
-              <a:rPr lang="en-US" altLang="zh-CN" sz="2400" dirty="0" smtClean="0"/>
-              <a:t> * </a:t>
-            </a:r>
-            <a:r>
-              <a:rPr lang="en-US" altLang="zh-CN" sz="2400" dirty="0" err="1" smtClean="0"/>
-              <a:t>num_val_samples</a:t>
-            </a:r>
-            <a:r>
-              <a:rPr lang="en-US" altLang="zh-CN" sz="2400" dirty="0" smtClean="0"/>
-              <a:t>],</a:t>
-            </a:r>
-          </a:p>
-          <a:p>
-            <a:r>
-              <a:rPr lang="en-US" altLang="zh-CN" sz="2400" dirty="0" smtClean="0"/>
-              <a:t>        </a:t>
-            </a:r>
-            <a:r>
-              <a:rPr lang="en-US" altLang="zh-CN" sz="2400" dirty="0" err="1" smtClean="0"/>
-              <a:t>train_data</a:t>
-            </a:r>
-            <a:r>
-              <a:rPr lang="en-US" altLang="zh-CN" sz="2400" dirty="0" smtClean="0"/>
-              <a:t>[(</a:t>
-            </a:r>
-            <a:r>
-              <a:rPr lang="en-US" altLang="zh-CN" sz="2400" dirty="0" err="1" smtClean="0"/>
-              <a:t>i</a:t>
-            </a:r>
-            <a:r>
-              <a:rPr lang="en-US" altLang="zh-CN" sz="2400" dirty="0" smtClean="0"/>
-              <a:t> + 1) * </a:t>
-            </a:r>
-            <a:r>
-              <a:rPr lang="en-US" altLang="zh-CN" sz="2400" dirty="0" err="1" smtClean="0"/>
-              <a:t>num_val_samples</a:t>
-            </a:r>
-            <a:r>
-              <a:rPr lang="en-US" altLang="zh-CN" sz="2400" dirty="0" smtClean="0"/>
-              <a:t>:]],</a:t>
-            </a:r>
-          </a:p>
-          <a:p>
-            <a:r>
-              <a:rPr lang="en-US" altLang="zh-CN" sz="2400" dirty="0" smtClean="0"/>
-              <a:t>        axis=0)</a:t>
-            </a:r>
-          </a:p>
-          <a:p>
-            <a:r>
-              <a:rPr lang="en-US" altLang="zh-CN" sz="2400" dirty="0" smtClean="0"/>
-              <a:t>    </a:t>
-            </a:r>
-            <a:r>
-              <a:rPr lang="en-US" altLang="zh-CN" sz="2400" dirty="0" err="1" smtClean="0"/>
-              <a:t>partial_train_targets</a:t>
-            </a:r>
-            <a:r>
-              <a:rPr lang="en-US" altLang="zh-CN" sz="2400" dirty="0" smtClean="0"/>
-              <a:t> = </a:t>
-            </a:r>
-            <a:r>
-              <a:rPr lang="en-US" altLang="zh-CN" sz="2400" dirty="0" err="1" smtClean="0"/>
-              <a:t>np.concatenate</a:t>
-            </a:r>
-            <a:r>
-              <a:rPr lang="en-US" altLang="zh-CN" sz="2400" dirty="0" smtClean="0"/>
-              <a:t>(</a:t>
-            </a:r>
-          </a:p>
-          <a:p>
-            <a:r>
-              <a:rPr lang="en-US" altLang="zh-CN" sz="2400" dirty="0" smtClean="0"/>
-              <a:t>        [</a:t>
-            </a:r>
-            <a:r>
-              <a:rPr lang="en-US" altLang="zh-CN" sz="2400" dirty="0" err="1" smtClean="0"/>
-              <a:t>train_targets</a:t>
-            </a:r>
-            <a:r>
-              <a:rPr lang="en-US" altLang="zh-CN" sz="2400" dirty="0" smtClean="0"/>
-              <a:t>[:</a:t>
-            </a:r>
-            <a:r>
-              <a:rPr lang="en-US" altLang="zh-CN" sz="2400" dirty="0" err="1" smtClean="0"/>
-              <a:t>i</a:t>
-            </a:r>
-            <a:r>
-              <a:rPr lang="en-US" altLang="zh-CN" sz="2400" dirty="0" smtClean="0"/>
-              <a:t> * </a:t>
-            </a:r>
-            <a:r>
-              <a:rPr lang="en-US" altLang="zh-CN" sz="2400" dirty="0" err="1" smtClean="0"/>
-              <a:t>num_val_samples</a:t>
-            </a:r>
-            <a:r>
-              <a:rPr lang="en-US" altLang="zh-CN" sz="2400" dirty="0" smtClean="0"/>
-              <a:t>],</a:t>
-            </a:r>
-          </a:p>
-          <a:p>
-            <a:r>
-              <a:rPr lang="en-US" altLang="zh-CN" sz="2400" dirty="0" smtClean="0"/>
-              <a:t>        </a:t>
-            </a:r>
-            <a:r>
-              <a:rPr lang="en-US" altLang="zh-CN" sz="2400" dirty="0" err="1" smtClean="0"/>
-              <a:t>train_targets</a:t>
-            </a:r>
-            <a:r>
-              <a:rPr lang="en-US" altLang="zh-CN" sz="2400" dirty="0" smtClean="0"/>
-              <a:t>[(</a:t>
-            </a:r>
-            <a:r>
-              <a:rPr lang="en-US" altLang="zh-CN" sz="2400" dirty="0" err="1" smtClean="0"/>
-              <a:t>i</a:t>
-            </a:r>
-            <a:r>
-              <a:rPr lang="en-US" altLang="zh-CN" sz="2400" dirty="0" smtClean="0"/>
-              <a:t> + 1) * </a:t>
-            </a:r>
-            <a:r>
-              <a:rPr lang="en-US" altLang="zh-CN" sz="2400" dirty="0" err="1" smtClean="0"/>
-              <a:t>num_val_samples</a:t>
-            </a:r>
-            <a:r>
-              <a:rPr lang="en-US" altLang="zh-CN" sz="2400" dirty="0" smtClean="0"/>
-              <a:t> :]],</a:t>
-            </a:r>
-          </a:p>
-          <a:p>
-            <a:r>
-              <a:rPr lang="en-US" altLang="zh-CN" sz="2400" dirty="0" smtClean="0"/>
-              <a:t>        axis=0)</a:t>
-            </a:r>
-          </a:p>
-        </p:txBody>
-      </p:sp>
+              <a:rPr lang="en-US" altLang="zh-CN" sz="4800" dirty="0">
+                <a:latin typeface="+mj-ea"/>
+                <a:ea typeface="+mj-ea"/>
+              </a:rPr>
+              <a:t>Visualize what convnets learn</a:t>
+            </a:r>
+          </a:p>
+        </p:txBody>
+      </p:sp>
+      <p:pic>
+        <p:nvPicPr>
+          <p:cNvPr id="1026" name="Picture 2">
+            <a:extLst>
+              <a:ext uri="{FF2B5EF4-FFF2-40B4-BE49-F238E27FC236}">
+                <a16:creationId xmlns:a16="http://schemas.microsoft.com/office/drawing/2014/main" id="{BC130214-7D69-4975-BC9A-1251AD36CFF7}"/>
+              </a:ext>
+            </a:extLst>
+          </p:cNvPr>
+          <p:cNvPicPr>
+            <a:picLocks noChangeAspect="1" noChangeArrowheads="1"/>
+          </p:cNvPicPr>
+          <p:nvPr/>
+        </p:nvPicPr>
+        <p:blipFill>
+          <a:blip r:embed="rId2">
+            <a:extLst>
+              <a:ext uri="{28A0092B-C50C-407E-A947-70E740481C1C}">
+                <a14:useLocalDpi xmlns:a14="http://schemas.microsoft.com/office/drawing/2010/main" val="0"/>
+              </a:ext>
+            </a:extLst>
+          </a:blip>
+          <a:srcRect/>
+          <a:stretch>
+            <a:fillRect/>
+          </a:stretch>
+        </p:blipFill>
+        <p:spPr bwMode="auto">
+          <a:xfrm>
+            <a:off x="852488" y="1962150"/>
+            <a:ext cx="2486025" cy="2400300"/>
+          </a:xfrm>
+          <a:prstGeom prst="rect">
+            <a:avLst/>
+          </a:prstGeom>
+          <a:noFill/>
+          <a:extLst>
+            <a:ext uri="{909E8E84-426E-40DD-AFC4-6F175D3DCCD1}">
+              <a14:hiddenFill xmlns:a14="http://schemas.microsoft.com/office/drawing/2010/main">
+                <a:solidFill>
+                  <a:srgbClr val="FFFFFF"/>
+                </a:solidFill>
+              </a14:hiddenFill>
+            </a:ext>
+          </a:extLst>
+        </p:spPr>
+      </p:pic>
+      <p:pic>
+        <p:nvPicPr>
+          <p:cNvPr id="1028" name="Picture 4">
+            <a:extLst>
+              <a:ext uri="{FF2B5EF4-FFF2-40B4-BE49-F238E27FC236}">
+                <a16:creationId xmlns:a16="http://schemas.microsoft.com/office/drawing/2014/main" id="{8BFE8E52-A5A2-4A66-8841-6E3927724B2C}"/>
+              </a:ext>
+            </a:extLst>
+          </p:cNvPr>
+          <p:cNvPicPr>
+            <a:picLocks noChangeAspect="1" noChangeArrowheads="1"/>
+          </p:cNvPicPr>
+          <p:nvPr/>
+        </p:nvPicPr>
+        <p:blipFill>
+          <a:blip r:embed="rId3">
+            <a:extLst>
+              <a:ext uri="{28A0092B-C50C-407E-A947-70E740481C1C}">
+                <a14:useLocalDpi xmlns:a14="http://schemas.microsoft.com/office/drawing/2010/main" val="0"/>
+              </a:ext>
+            </a:extLst>
+          </a:blip>
+          <a:srcRect/>
+          <a:stretch>
+            <a:fillRect/>
+          </a:stretch>
+        </p:blipFill>
+        <p:spPr bwMode="auto">
+          <a:xfrm>
+            <a:off x="3776663" y="1905000"/>
+            <a:ext cx="2543175" cy="2457450"/>
+          </a:xfrm>
+          <a:prstGeom prst="rect">
+            <a:avLst/>
+          </a:prstGeom>
+          <a:noFill/>
+          <a:extLst>
+            <a:ext uri="{909E8E84-426E-40DD-AFC4-6F175D3DCCD1}">
+              <a14:hiddenFill xmlns:a14="http://schemas.microsoft.com/office/drawing/2010/main">
+                <a:solidFill>
+                  <a:srgbClr val="FFFFFF"/>
+                </a:solidFill>
+              </a14:hiddenFill>
+            </a:ext>
+          </a:extLst>
+        </p:spPr>
+      </p:pic>
+      <p:pic>
+        <p:nvPicPr>
+          <p:cNvPr id="1030" name="Picture 6">
+            <a:extLst>
+              <a:ext uri="{FF2B5EF4-FFF2-40B4-BE49-F238E27FC236}">
+                <a16:creationId xmlns:a16="http://schemas.microsoft.com/office/drawing/2014/main" id="{7353E354-D11F-4EE7-A2F0-2A432AC69354}"/>
+              </a:ext>
+            </a:extLst>
+          </p:cNvPr>
+          <p:cNvPicPr>
+            <a:picLocks noChangeAspect="1" noChangeArrowheads="1"/>
+          </p:cNvPicPr>
+          <p:nvPr/>
+        </p:nvPicPr>
+        <p:blipFill>
+          <a:blip r:embed="rId4">
+            <a:extLst>
+              <a:ext uri="{28A0092B-C50C-407E-A947-70E740481C1C}">
+                <a14:useLocalDpi xmlns:a14="http://schemas.microsoft.com/office/drawing/2010/main" val="0"/>
+              </a:ext>
+            </a:extLst>
+          </a:blip>
+          <a:srcRect/>
+          <a:stretch>
+            <a:fillRect/>
+          </a:stretch>
+        </p:blipFill>
+        <p:spPr bwMode="auto">
+          <a:xfrm>
+            <a:off x="7224713" y="1905000"/>
+            <a:ext cx="2543175" cy="2457450"/>
+          </a:xfrm>
+          <a:prstGeom prst="rect">
+            <a:avLst/>
+          </a:prstGeom>
+          <a:noFill/>
+          <a:extLst>
+            <a:ext uri="{909E8E84-426E-40DD-AFC4-6F175D3DCCD1}">
+              <a14:hiddenFill xmlns:a14="http://schemas.microsoft.com/office/drawing/2010/main">
+                <a:solidFill>
+                  <a:srgbClr val="FFFFFF"/>
+                </a:solidFill>
+              </a14:hiddenFill>
+            </a:ext>
+          </a:extLst>
+        </p:spPr>
+      </p:pic>
+      <p:pic>
+        <p:nvPicPr>
+          <p:cNvPr id="1032" name="Picture 8">
+            <a:extLst>
+              <a:ext uri="{FF2B5EF4-FFF2-40B4-BE49-F238E27FC236}">
+                <a16:creationId xmlns:a16="http://schemas.microsoft.com/office/drawing/2014/main" id="{63B9673B-E961-413D-8E08-E6C6F7C9504B}"/>
+              </a:ext>
+            </a:extLst>
+          </p:cNvPr>
+          <p:cNvPicPr>
+            <a:picLocks noChangeAspect="1" noChangeArrowheads="1"/>
+          </p:cNvPicPr>
+          <p:nvPr/>
+        </p:nvPicPr>
+        <p:blipFill>
+          <a:blip r:embed="rId5">
+            <a:extLst>
+              <a:ext uri="{28A0092B-C50C-407E-A947-70E740481C1C}">
+                <a14:useLocalDpi xmlns:a14="http://schemas.microsoft.com/office/drawing/2010/main" val="0"/>
+              </a:ext>
+            </a:extLst>
+          </a:blip>
+          <a:srcRect/>
+          <a:stretch>
+            <a:fillRect/>
+          </a:stretch>
+        </p:blipFill>
+        <p:spPr bwMode="auto">
+          <a:xfrm>
+            <a:off x="933449" y="4864953"/>
+            <a:ext cx="8915400" cy="1485900"/>
+          </a:xfrm>
+          <a:prstGeom prst="rect">
+            <a:avLst/>
+          </a:prstGeom>
+          <a:noFill/>
+          <a:extLst>
+            <a:ext uri="{909E8E84-426E-40DD-AFC4-6F175D3DCCD1}">
+              <a14:hiddenFill xmlns:a14="http://schemas.microsoft.com/office/drawing/2010/main">
+                <a:solidFill>
+                  <a:srgbClr val="FFFFFF"/>
+                </a:solidFill>
+              </a14:hiddenFill>
+            </a:ext>
+          </a:extLst>
+        </p:spPr>
+      </p:pic>
     </p:spTree>
+    <p:extLst>
+      <p:ext uri="{BB962C8B-B14F-4D97-AF65-F5344CB8AC3E}">
+        <p14:creationId xmlns:p14="http://schemas.microsoft.com/office/powerpoint/2010/main" val="2387276539"/>
+      </p:ext>
+    </p:extLst>
   </p:cSld>
   <p:clrMapOvr>
     <a:masterClrMapping/>
   </p:clrMapOvr>
-  <p:timing>
-    <p:tnLst>
-      <p:par>
-        <p:cTn id="1" dur="indefinite" restart="never" nodeType="tmRoot"/>
-      </p:par>
-    </p:tnLst>
-  </p:timing>
 </p:sld>
 </file>
 
@@ -6385,61 +5985,80 @@
           <a:chExt cx="0" cy="0"/>
         </a:xfrm>
       </p:grpSpPr>
+      <p:sp>
+        <p:nvSpPr>
+          <p:cNvPr id="4" name="文本框 3">
+            <a:extLst>
+              <a:ext uri="{FF2B5EF4-FFF2-40B4-BE49-F238E27FC236}">
+                <a16:creationId xmlns:a16="http://schemas.microsoft.com/office/drawing/2014/main" id="{F31B0DD3-F3E5-4261-B864-00FB8AAA78C7}"/>
+              </a:ext>
+            </a:extLst>
+          </p:cNvPr>
+          <p:cNvSpPr txBox="1"/>
+          <p:nvPr/>
+        </p:nvSpPr>
+        <p:spPr>
+          <a:xfrm>
+            <a:off x="933449" y="561975"/>
+            <a:ext cx="11020425" cy="830997"/>
+          </a:xfrm>
+          <a:prstGeom prst="rect">
+            <a:avLst/>
+          </a:prstGeom>
+          <a:noFill/>
+        </p:spPr>
+        <p:txBody>
+          <a:bodyPr wrap="square" rtlCol="0">
+            <a:spAutoFit/>
+          </a:bodyPr>
+          <a:lstStyle/>
+          <a:p>
+            <a:r>
+              <a:rPr lang="en-US" altLang="zh-CN" sz="4800" dirty="0">
+                <a:latin typeface="+mj-ea"/>
+                <a:ea typeface="+mj-ea"/>
+              </a:rPr>
+              <a:t>Read the paper</a:t>
+            </a:r>
+          </a:p>
+        </p:txBody>
+      </p:sp>
       <p:pic>
         <p:nvPicPr>
-          <p:cNvPr id="5" name="图片 4" descr="Figure_1-3.png"/>
+          <p:cNvPr id="2" name="图片 1">
+            <a:extLst>
+              <a:ext uri="{FF2B5EF4-FFF2-40B4-BE49-F238E27FC236}">
+                <a16:creationId xmlns:a16="http://schemas.microsoft.com/office/drawing/2014/main" id="{EFAA63A0-879B-45D0-B7A0-9D4D07085421}"/>
+              </a:ext>
+            </a:extLst>
+          </p:cNvPr>
           <p:cNvPicPr>
             <a:picLocks noChangeAspect="1"/>
           </p:cNvPicPr>
           <p:nvPr/>
         </p:nvPicPr>
         <p:blipFill>
-          <a:blip r:embed="rId2" cstate="print"/>
+          <a:blip r:embed="rId2"/>
           <a:stretch>
             <a:fillRect/>
           </a:stretch>
         </p:blipFill>
         <p:spPr>
           <a:xfrm>
-            <a:off x="971600" y="1556792"/>
-            <a:ext cx="5852172" cy="4352553"/>
+            <a:off x="730767" y="1601981"/>
+            <a:ext cx="7041634" cy="5036943"/>
           </a:xfrm>
           <a:prstGeom prst="rect">
             <a:avLst/>
           </a:prstGeom>
         </p:spPr>
       </p:pic>
-      <p:sp>
-        <p:nvSpPr>
-          <p:cNvPr id="6" name="TextBox 5"/>
-          <p:cNvSpPr txBox="1"/>
-          <p:nvPr/>
-        </p:nvSpPr>
-        <p:spPr>
-          <a:xfrm>
-            <a:off x="755576" y="980728"/>
-            <a:ext cx="8856984" cy="369332"/>
-          </a:xfrm>
-          <a:prstGeom prst="rect">
-            <a:avLst/>
-          </a:prstGeom>
-          <a:noFill/>
-        </p:spPr>
-        <p:txBody>
-          <a:bodyPr wrap="square" rtlCol="0">
-            <a:spAutoFit/>
-          </a:bodyPr>
-          <a:lstStyle/>
-          <a:p>
-            <a:r>
-              <a:rPr lang="en-US" altLang="zh-CN" dirty="0" smtClean="0"/>
-              <a:t>It is the MAE of different epochs.</a:t>
-            </a:r>
-            <a:endParaRPr lang="zh-CN" altLang="en-US" dirty="0"/>
-          </a:p>
-        </p:txBody>
-      </p:sp>
     </p:spTree>
+    <p:extLst>
+      <p:ext uri="{BB962C8B-B14F-4D97-AF65-F5344CB8AC3E}">
+        <p14:creationId xmlns:p14="http://schemas.microsoft.com/office/powerpoint/2010/main" val="3046607276"/>
+      </p:ext>
+    </p:extLst>
   </p:cSld>
   <p:clrMapOvr>
     <a:masterClrMapping/>
@@ -6448,7 +6067,7 @@
 </file>
 
 <file path=ppt/theme/theme1.xml><?xml version="1.0" encoding="utf-8"?>
-<a:theme xmlns:a="http://schemas.openxmlformats.org/drawingml/2006/main" name="Office 主题">
+<a:theme xmlns:a="http://schemas.openxmlformats.org/drawingml/2006/main" name="Office 主题​​">
   <a:themeElements>
     <a:clrScheme name="Office">
       <a:dk1>
@@ -6458,44 +6077,44 @@
         <a:sysClr val="window" lastClr="FFFFFF"/>
       </a:lt1>
       <a:dk2>
-        <a:srgbClr val="1F497D"/>
+        <a:srgbClr val="44546A"/>
       </a:dk2>
       <a:lt2>
-        <a:srgbClr val="EEECE1"/>
+        <a:srgbClr val="E7E6E6"/>
       </a:lt2>
       <a:accent1>
-        <a:srgbClr val="4F81BD"/>
+        <a:srgbClr val="4472C4"/>
       </a:accent1>
       <a:accent2>
-        <a:srgbClr val="C0504D"/>
+        <a:srgbClr val="ED7D31"/>
       </a:accent2>
       <a:accent3>
-        <a:srgbClr val="9BBB59"/>
+        <a:srgbClr val="A5A5A5"/>
       </a:accent3>
       <a:accent4>
-        <a:srgbClr val="8064A2"/>
+        <a:srgbClr val="FFC000"/>
       </a:accent4>
       <a:accent5>
-        <a:srgbClr val="4BACC6"/>
+        <a:srgbClr val="5B9BD5"/>
       </a:accent5>
       <a:accent6>
-        <a:srgbClr val="F79646"/>
+        <a:srgbClr val="70AD47"/>
       </a:accent6>
       <a:hlink>
-        <a:srgbClr val="0000FF"/>
+        <a:srgbClr val="0563C1"/>
       </a:hlink>
       <a:folHlink>
-        <a:srgbClr val="800080"/>
+        <a:srgbClr val="954F72"/>
       </a:folHlink>
     </a:clrScheme>
     <a:fontScheme name="Office">
       <a:majorFont>
-        <a:latin typeface="Calibri"/>
+        <a:latin typeface="等线 Light" panose="020F0302020204030204"/>
         <a:ea typeface=""/>
         <a:cs typeface=""/>
-        <a:font script="Jpan" typeface="ＭＳ Ｐゴシック"/>
+        <a:font script="Jpan" typeface="游ゴシック Light"/>
         <a:font script="Hang" typeface="맑은 고딕"/>
-        <a:font script="Hans" typeface="宋体"/>
+        <a:font script="Hans" typeface="等线 Light"/>
         <a:font script="Hant" typeface="新細明體"/>
         <a:font script="Arab" typeface="Times New Roman"/>
         <a:font script="Hebr" typeface="Times New Roman"/>
@@ -6522,14 +6141,32 @@
         <a:font script="Mong" typeface="Mongolian Baiti"/>
         <a:font script="Viet" typeface="Times New Roman"/>
         <a:font script="Uigh" typeface="Microsoft Uighur"/>
+        <a:font script="Geor" typeface="Sylfaen"/>
+        <a:font script="Armn" typeface="Arial"/>
+        <a:font script="Bugi" typeface="Leelawadee UI"/>
+        <a:font script="Bopo" typeface="Microsoft JhengHei"/>
+        <a:font script="Java" typeface="Javanese Text"/>
+        <a:font script="Lisu" typeface="Segoe UI"/>
+        <a:font script="Mymr" typeface="Myanmar Text"/>
+        <a:font script="Nkoo" typeface="Ebrima"/>
+        <a:font script="Olck" typeface="Nirmala UI"/>
+        <a:font script="Osma" typeface="Ebrima"/>
+        <a:font script="Phag" typeface="Phagspa"/>
+        <a:font script="Syrn" typeface="Estrangelo Edessa"/>
+        <a:font script="Syrj" typeface="Estrangelo Edessa"/>
+        <a:font script="Syre" typeface="Estrangelo Edessa"/>
+        <a:font script="Sora" typeface="Nirmala UI"/>
+        <a:font script="Tale" typeface="Microsoft Tai Le"/>
+        <a:font script="Talu" typeface="Microsoft New Tai Lue"/>
+        <a:font script="Tfng" typeface="Ebrima"/>
       </a:majorFont>
       <a:minorFont>
-        <a:latin typeface="Calibri"/>
+        <a:latin typeface="等线" panose="020F0502020204030204"/>
         <a:ea typeface=""/>
         <a:cs typeface=""/>
-        <a:font script="Jpan" typeface="ＭＳ Ｐゴシック"/>
+        <a:font script="Jpan" typeface="游ゴシック"/>
         <a:font script="Hang" typeface="맑은 고딕"/>
-        <a:font script="Hans" typeface="宋体"/>
+        <a:font script="Hans" typeface="等线"/>
         <a:font script="Hant" typeface="新細明體"/>
         <a:font script="Arab" typeface="Arial"/>
         <a:font script="Hebr" typeface="Arial"/>
@@ -6556,6 +6193,24 @@
         <a:font script="Mong" typeface="Mongolian Baiti"/>
         <a:font script="Viet" typeface="Arial"/>
         <a:font script="Uigh" typeface="Microsoft Uighur"/>
+        <a:font script="Geor" typeface="Sylfaen"/>
+        <a:font script="Armn" typeface="Arial"/>
+        <a:font script="Bugi" typeface="Leelawadee UI"/>
+        <a:font script="Bopo" typeface="Microsoft JhengHei"/>
+        <a:font script="Java" typeface="Javanese Text"/>
+        <a:font script="Lisu" typeface="Segoe UI"/>
+        <a:font script="Mymr" typeface="Myanmar Text"/>
+        <a:font script="Nkoo" typeface="Ebrima"/>
+        <a:font script="Olck" typeface="Nirmala UI"/>
+        <a:font script="Osma" typeface="Ebrima"/>
+        <a:font script="Phag" typeface="Phagspa"/>
+        <a:font script="Syrn" typeface="Estrangelo Edessa"/>
+        <a:font script="Syrj" typeface="Estrangelo Edessa"/>
+        <a:font script="Syre" typeface="Estrangelo Edessa"/>
+        <a:font script="Sora" typeface="Nirmala UI"/>
+        <a:font script="Tale" typeface="Microsoft Tai Le"/>
+        <a:font script="Talu" typeface="Microsoft New Tai Lue"/>
+        <a:font script="Tfng" typeface="Ebrima"/>
       </a:minorFont>
     </a:fontScheme>
     <a:fmtScheme name="Office">
@@ -6567,165 +6222,141 @@
           <a:gsLst>
             <a:gs pos="0">
               <a:schemeClr val="phClr">
-                <a:tint val="50000"/>
-                <a:satMod val="300000"/>
+                <a:lumMod val="110000"/>
+                <a:satMod val="105000"/>
+                <a:tint val="67000"/>
               </a:schemeClr>
             </a:gs>
-            <a:gs pos="35000">
+            <a:gs pos="50000">
               <a:schemeClr val="phClr">
-                <a:tint val="37000"/>
-                <a:satMod val="300000"/>
+                <a:lumMod val="105000"/>
+                <a:satMod val="103000"/>
+                <a:tint val="73000"/>
               </a:schemeClr>
             </a:gs>
             <a:gs pos="100000">
               <a:schemeClr val="phClr">
-                <a:tint val="15000"/>
-                <a:satMod val="350000"/>
+                <a:lumMod val="105000"/>
+                <a:satMod val="109000"/>
+                <a:tint val="81000"/>
               </a:schemeClr>
             </a:gs>
           </a:gsLst>
-          <a:lin ang="16200000" scaled="1"/>
+          <a:lin ang="5400000" scaled="0"/>
         </a:gradFill>
         <a:gradFill rotWithShape="1">
           <a:gsLst>
             <a:gs pos="0">
               <a:schemeClr val="phClr">
-                <a:shade val="51000"/>
-                <a:satMod val="130000"/>
+                <a:satMod val="103000"/>
+                <a:lumMod val="102000"/>
+                <a:tint val="94000"/>
               </a:schemeClr>
             </a:gs>
-            <a:gs pos="80000">
+            <a:gs pos="50000">
               <a:schemeClr val="phClr">
-                <a:shade val="93000"/>
-                <a:satMod val="130000"/>
+                <a:satMod val="110000"/>
+                <a:lumMod val="100000"/>
+                <a:shade val="100000"/>
               </a:schemeClr>
             </a:gs>
             <a:gs pos="100000">
               <a:schemeClr val="phClr">
-                <a:shade val="94000"/>
-                <a:satMod val="135000"/>
+                <a:lumMod val="99000"/>
+                <a:satMod val="120000"/>
+                <a:shade val="78000"/>
               </a:schemeClr>
             </a:gs>
           </a:gsLst>
-          <a:lin ang="16200000" scaled="0"/>
+          <a:lin ang="5400000" scaled="0"/>
         </a:gradFill>
       </a:fillStyleLst>
       <a:lnStyleLst>
-        <a:ln w="9525" cap="flat" cmpd="sng" algn="ctr">
-          <a:solidFill>
-            <a:schemeClr val="phClr">
-              <a:shade val="95000"/>
-              <a:satMod val="105000"/>
-            </a:schemeClr>
-          </a:solidFill>
-          <a:prstDash val="solid"/>
-        </a:ln>
-        <a:ln w="25400" cap="flat" cmpd="sng" algn="ctr">
+        <a:ln w="6350" cap="flat" cmpd="sng" algn="ctr">
           <a:solidFill>
             <a:schemeClr val="phClr"/>
           </a:solidFill>
           <a:prstDash val="solid"/>
+          <a:miter lim="800000"/>
         </a:ln>
-        <a:ln w="38100" cap="flat" cmpd="sng" algn="ctr">
+        <a:ln w="12700" cap="flat" cmpd="sng" algn="ctr">
           <a:solidFill>
             <a:schemeClr val="phClr"/>
           </a:solidFill>
           <a:prstDash val="solid"/>
+          <a:miter lim="800000"/>
+        </a:ln>
+        <a:ln w="19050" cap="flat" cmpd="sng" algn="ctr">
+          <a:solidFill>
+            <a:schemeClr val="phClr"/>
+          </a:solidFill>
+          <a:prstDash val="solid"/>
+          <a:miter lim="800000"/>
         </a:ln>
       </a:lnStyleLst>
       <a:effectStyleLst>
         <a:effectStyle>
+          <a:effectLst/>
+        </a:effectStyle>
+        <a:effectStyle>
+          <a:effectLst/>
+        </a:effectStyle>
+        <a:effectStyle>
           <a:effectLst>
-            <a:outerShdw blurRad="40000" dist="20000" dir="5400000" rotWithShape="0">
+            <a:outerShdw blurRad="57150" dist="19050" dir="5400000" algn="ctr" rotWithShape="0">
               <a:srgbClr val="000000">
-                <a:alpha val="38000"/>
+                <a:alpha val="63000"/>
               </a:srgbClr>
             </a:outerShdw>
           </a:effectLst>
-        </a:effectStyle>
-        <a:effectStyle>
-          <a:effectLst>
-            <a:outerShdw blurRad="40000" dist="23000" dir="5400000" rotWithShape="0">
-              <a:srgbClr val="000000">
-                <a:alpha val="35000"/>
-              </a:srgbClr>
-            </a:outerShdw>
-          </a:effectLst>
-        </a:effectStyle>
-        <a:effectStyle>
-          <a:effectLst>
-            <a:outerShdw blurRad="40000" dist="23000" dir="5400000" rotWithShape="0">
-              <a:srgbClr val="000000">
-                <a:alpha val="35000"/>
-              </a:srgbClr>
-            </a:outerShdw>
-          </a:effectLst>
-          <a:scene3d>
-            <a:camera prst="orthographicFront">
-              <a:rot lat="0" lon="0" rev="0"/>
-            </a:camera>
-            <a:lightRig rig="threePt" dir="t">
-              <a:rot lat="0" lon="0" rev="1200000"/>
-            </a:lightRig>
-          </a:scene3d>
-          <a:sp3d>
-            <a:bevelT w="63500" h="25400"/>
-          </a:sp3d>
         </a:effectStyle>
       </a:effectStyleLst>
       <a:bgFillStyleLst>
         <a:solidFill>
           <a:schemeClr val="phClr"/>
         </a:solidFill>
+        <a:solidFill>
+          <a:schemeClr val="phClr">
+            <a:tint val="95000"/>
+            <a:satMod val="170000"/>
+          </a:schemeClr>
+        </a:solidFill>
         <a:gradFill rotWithShape="1">
           <a:gsLst>
             <a:gs pos="0">
               <a:schemeClr val="phClr">
-                <a:tint val="40000"/>
-                <a:satMod val="350000"/>
+                <a:tint val="93000"/>
+                <a:satMod val="150000"/>
+                <a:shade val="98000"/>
+                <a:lumMod val="102000"/>
               </a:schemeClr>
             </a:gs>
-            <a:gs pos="40000">
+            <a:gs pos="50000">
               <a:schemeClr val="phClr">
-                <a:tint val="45000"/>
-                <a:shade val="99000"/>
-                <a:satMod val="350000"/>
+                <a:tint val="98000"/>
+                <a:satMod val="130000"/>
+                <a:shade val="90000"/>
+                <a:lumMod val="103000"/>
               </a:schemeClr>
             </a:gs>
             <a:gs pos="100000">
               <a:schemeClr val="phClr">
-                <a:shade val="20000"/>
-                <a:satMod val="255000"/>
+                <a:shade val="63000"/>
+                <a:satMod val="120000"/>
               </a:schemeClr>
             </a:gs>
           </a:gsLst>
-          <a:path path="circle">
-            <a:fillToRect l="50000" t="-80000" r="50000" b="180000"/>
-          </a:path>
-        </a:gradFill>
-        <a:gradFill rotWithShape="1">
-          <a:gsLst>
-            <a:gs pos="0">
-              <a:schemeClr val="phClr">
-                <a:tint val="80000"/>
-                <a:satMod val="300000"/>
-              </a:schemeClr>
-            </a:gs>
-            <a:gs pos="100000">
-              <a:schemeClr val="phClr">
-                <a:shade val="30000"/>
-                <a:satMod val="200000"/>
-              </a:schemeClr>
-            </a:gs>
-          </a:gsLst>
-          <a:path path="circle">
-            <a:fillToRect l="50000" t="50000" r="50000" b="50000"/>
-          </a:path>
+          <a:lin ang="5400000" scaled="0"/>
         </a:gradFill>
       </a:bgFillStyleLst>
     </a:fmtScheme>
   </a:themeElements>
   <a:objectDefaults/>
   <a:extraClrSchemeLst/>
+  <a:extLst>
+    <a:ext uri="{05A4C25C-085E-4340-85A3-A5531E510DB2}">
+      <thm15:themeFamily xmlns:thm15="http://schemas.microsoft.com/office/thememl/2012/main" name="Office Theme" id="{62F939B6-93AF-4DB8-9C6B-D6C7DFDC589F}" vid="{4A3C46E8-61CC-4603-A589-7422A47A8E4A}"/>
+    </a:ext>
+  </a:extLst>
 </a:theme>
 </file>